--- a/src/figures/mass_memory.pptx
+++ b/src/figures/mass_memory.pptx
@@ -10,7 +10,7 @@
   <p:sldIdLst>
     <p:sldId id="258" r:id="rId2"/>
   </p:sldIdLst>
-  <p:sldSz cx="2879725" cy="2052638"/>
+  <p:sldSz cx="2879725" cy="3348038"/>
   <p:notesSz cx="6858000" cy="9144000"/>
   <p:defaultTextStyle>
     <a:defPPr>
@@ -197,7 +197,7 @@
           <a:p>
             <a:fld id="{C1C90ABE-C08A-444A-9B97-50985CA7357E}" type="datetimeFigureOut">
               <a:rPr kumimoji="1" lang="ja-JP" altLang="en-US" smtClean="0"/>
-              <a:t>2024/7/12</a:t>
+              <a:t>2024/7/29</a:t>
             </a:fld>
             <a:endParaRPr kumimoji="1" lang="ja-JP" altLang="en-US"/>
           </a:p>
@@ -215,8 +215,8 @@
         </p:nvSpPr>
         <p:spPr>
           <a:xfrm>
-            <a:off x="1265238" y="1143000"/>
-            <a:ext cx="4327525" cy="3086100"/>
+            <a:off x="2101850" y="1143000"/>
+            <a:ext cx="2654300" cy="3086100"/>
           </a:xfrm>
           <a:prstGeom prst="rect">
             <a:avLst/>
@@ -525,8 +525,8 @@
         </p:nvSpPr>
         <p:spPr>
           <a:xfrm>
-            <a:off x="1265238" y="1143000"/>
-            <a:ext cx="4327525" cy="3086100"/>
+            <a:off x="2101850" y="1143000"/>
+            <a:ext cx="2654300" cy="3086100"/>
           </a:xfrm>
         </p:spPr>
       </p:sp>
@@ -614,8 +614,8 @@
         </p:nvSpPr>
         <p:spPr>
           <a:xfrm>
-            <a:off x="159987" y="335934"/>
-            <a:ext cx="2583690" cy="714621"/>
+            <a:off x="159987" y="547940"/>
+            <a:ext cx="2583690" cy="1165611"/>
           </a:xfrm>
           <a:noFill/>
         </p:spPr>
@@ -655,8 +655,8 @@
         </p:nvSpPr>
         <p:spPr>
           <a:xfrm>
-            <a:off x="159997" y="1180762"/>
-            <a:ext cx="2595561" cy="395844"/>
+            <a:off x="159999" y="1925931"/>
+            <a:ext cx="2595561" cy="645657"/>
           </a:xfrm>
         </p:spPr>
         <p:txBody>
@@ -776,8 +776,8 @@
         </p:nvSpPr>
         <p:spPr>
           <a:xfrm>
-            <a:off x="127991" y="1050557"/>
-            <a:ext cx="2751738" cy="74599"/>
+            <a:off x="127991" y="1713554"/>
+            <a:ext cx="2751738" cy="121678"/>
           </a:xfrm>
           <a:prstGeom prst="rect">
             <a:avLst/>
@@ -864,8 +864,8 @@
         </p:nvSpPr>
         <p:spPr>
           <a:xfrm>
-            <a:off x="4" y="2"/>
-            <a:ext cx="2879725" cy="290925"/>
+            <a:off x="4" y="4"/>
+            <a:ext cx="2879725" cy="474525"/>
           </a:xfrm>
         </p:spPr>
         <p:txBody>
@@ -950,8 +950,8 @@
         </p:nvSpPr>
         <p:spPr>
           <a:xfrm>
-            <a:off x="101684" y="387906"/>
-            <a:ext cx="2676365" cy="1443852"/>
+            <a:off x="101684" y="632710"/>
+            <a:ext cx="2676365" cy="2355053"/>
           </a:xfrm>
         </p:spPr>
         <p:txBody>
@@ -1068,8 +1068,8 @@
         </p:nvSpPr>
         <p:spPr>
           <a:xfrm>
-            <a:off x="4" y="2"/>
-            <a:ext cx="2879725" cy="290925"/>
+            <a:off x="4" y="4"/>
+            <a:ext cx="2879725" cy="474525"/>
           </a:xfrm>
         </p:spPr>
         <p:txBody>
@@ -1168,8 +1168,8 @@
         </p:nvSpPr>
         <p:spPr>
           <a:xfrm>
-            <a:off x="4" y="511746"/>
-            <a:ext cx="2879725" cy="853840"/>
+            <a:off x="4" y="834704"/>
+            <a:ext cx="2879725" cy="1392690"/>
           </a:xfrm>
         </p:spPr>
         <p:txBody>
@@ -1203,8 +1203,8 @@
         </p:nvSpPr>
         <p:spPr>
           <a:xfrm>
-            <a:off x="196490" y="1415541"/>
-            <a:ext cx="2483763" cy="407136"/>
+            <a:off x="196493" y="2308876"/>
+            <a:ext cx="2483763" cy="664076"/>
           </a:xfrm>
         </p:spPr>
         <p:txBody>
@@ -1474,8 +1474,8 @@
         </p:nvSpPr>
         <p:spPr>
           <a:xfrm>
-            <a:off x="4" y="2"/>
-            <a:ext cx="2879725" cy="290925"/>
+            <a:off x="4" y="4"/>
+            <a:ext cx="2879725" cy="474525"/>
           </a:xfrm>
           <a:prstGeom prst="rect">
             <a:avLst/>
@@ -1512,8 +1512,8 @@
         </p:nvSpPr>
         <p:spPr>
           <a:xfrm>
-            <a:off x="101684" y="387906"/>
-            <a:ext cx="2676365" cy="1443852"/>
+            <a:off x="101684" y="632710"/>
+            <a:ext cx="2676365" cy="2355053"/>
           </a:xfrm>
           <a:prstGeom prst="rect">
             <a:avLst/>
@@ -1607,8 +1607,8 @@
         </p:nvSpPr>
         <p:spPr>
           <a:xfrm>
-            <a:off x="456589" y="1902502"/>
-            <a:ext cx="1966555" cy="109285"/>
+            <a:off x="456589" y="3103154"/>
+            <a:ext cx="1966555" cy="178254"/>
           </a:xfrm>
           <a:prstGeom prst="rect">
             <a:avLst/>
@@ -1646,8 +1646,8 @@
         </p:nvSpPr>
         <p:spPr>
           <a:xfrm>
-            <a:off x="2455537" y="1902502"/>
-            <a:ext cx="322517" cy="109285"/>
+            <a:off x="2455540" y="3103154"/>
+            <a:ext cx="322517" cy="178254"/>
           </a:xfrm>
           <a:prstGeom prst="rect">
             <a:avLst/>
@@ -2051,7 +2051,7 @@
         </p:nvGrpSpPr>
         <p:grpSpPr>
           <a:xfrm>
-            <a:off x="221308" y="185171"/>
+            <a:off x="221311" y="1492962"/>
             <a:ext cx="2437109" cy="185980"/>
             <a:chOff x="-1102298" y="201478"/>
             <a:chExt cx="4342291" cy="185980"/>
@@ -3026,7 +3026,7 @@
         </p:nvGrpSpPr>
         <p:grpSpPr>
           <a:xfrm>
-            <a:off x="221308" y="794573"/>
+            <a:off x="221311" y="2102364"/>
             <a:ext cx="2437109" cy="185980"/>
             <a:chOff x="-1102298" y="201478"/>
             <a:chExt cx="4342291" cy="185980"/>
@@ -3985,7 +3985,7 @@
         </p:nvGrpSpPr>
         <p:grpSpPr>
           <a:xfrm>
-            <a:off x="221308" y="1287737"/>
+            <a:off x="221311" y="2595528"/>
             <a:ext cx="2437109" cy="185980"/>
             <a:chOff x="-1102298" y="201478"/>
             <a:chExt cx="4342291" cy="185980"/>
@@ -4957,7 +4957,7 @@
         </p:nvCxnSpPr>
         <p:spPr>
           <a:xfrm>
-            <a:off x="626322" y="371151"/>
+            <a:off x="626322" y="1678942"/>
             <a:ext cx="0" cy="423422"/>
           </a:xfrm>
           <a:prstGeom prst="straightConnector1">
@@ -5002,7 +5002,7 @@
         </p:nvCxnSpPr>
         <p:spPr>
           <a:xfrm>
-            <a:off x="626322" y="980553"/>
+            <a:off x="626322" y="2288344"/>
             <a:ext cx="0" cy="307184"/>
           </a:xfrm>
           <a:prstGeom prst="straightConnector1">
@@ -5044,7 +5044,7 @@
         </p:nvSpPr>
         <p:spPr>
           <a:xfrm>
-            <a:off x="221307" y="8629"/>
+            <a:off x="221307" y="1316423"/>
             <a:ext cx="580730" cy="150811"/>
           </a:xfrm>
           <a:prstGeom prst="rect">
@@ -5094,7 +5094,7 @@
         </p:nvSpPr>
         <p:spPr>
           <a:xfrm>
-            <a:off x="234101" y="600746"/>
+            <a:off x="234101" y="1908540"/>
             <a:ext cx="580730" cy="150811"/>
           </a:xfrm>
           <a:prstGeom prst="rect">
@@ -5144,7 +5144,7 @@
         </p:nvSpPr>
         <p:spPr>
           <a:xfrm>
-            <a:off x="236012" y="1101758"/>
+            <a:off x="236012" y="2409552"/>
             <a:ext cx="580730" cy="150811"/>
           </a:xfrm>
           <a:prstGeom prst="rect">
@@ -5194,7 +5194,7 @@
         </p:nvSpPr>
         <p:spPr>
           <a:xfrm>
-            <a:off x="177907" y="1669776"/>
+            <a:off x="177907" y="2977567"/>
             <a:ext cx="108730" cy="185980"/>
           </a:xfrm>
           <a:prstGeom prst="rect">
@@ -5254,7 +5254,7 @@
         </p:nvSpPr>
         <p:spPr>
           <a:xfrm>
-            <a:off x="329417" y="1685457"/>
+            <a:off x="329417" y="2993251"/>
             <a:ext cx="1179354" cy="132537"/>
           </a:xfrm>
           <a:prstGeom prst="rect">
@@ -5303,7 +5303,7 @@
         </p:nvSpPr>
         <p:spPr>
           <a:xfrm rot="16200000">
-            <a:off x="1771061" y="-99196"/>
+            <a:off x="1771061" y="1208595"/>
             <a:ext cx="150810" cy="1627080"/>
           </a:xfrm>
           <a:prstGeom prst="rightBrace">
@@ -5348,7 +5348,7 @@
         </p:nvSpPr>
         <p:spPr>
           <a:xfrm>
-            <a:off x="866858" y="500605"/>
+            <a:off x="866858" y="1808399"/>
             <a:ext cx="2123992" cy="132537"/>
           </a:xfrm>
           <a:prstGeom prst="rect">
@@ -5409,7 +5409,7 @@
         </p:nvSpPr>
         <p:spPr>
           <a:xfrm>
-            <a:off x="1540224" y="1602739"/>
+            <a:off x="1540224" y="2863638"/>
             <a:ext cx="1179354" cy="132537"/>
           </a:xfrm>
           <a:prstGeom prst="rect">
@@ -5475,7 +5475,7 @@
         </p:nvSpPr>
         <p:spPr>
           <a:xfrm>
-            <a:off x="1540224" y="1742534"/>
+            <a:off x="1540224" y="3003430"/>
             <a:ext cx="1179354" cy="134076"/>
           </a:xfrm>
           <a:prstGeom prst="rect">
@@ -5528,7 +5528,7 @@
         </p:nvSpPr>
         <p:spPr>
           <a:xfrm>
-            <a:off x="1540224" y="1876610"/>
+            <a:off x="1540224" y="3137506"/>
             <a:ext cx="1179354" cy="134076"/>
           </a:xfrm>
           <a:prstGeom prst="rect">
@@ -5564,6 +5564,1313 @@
               <a:rPr lang="en-US" altLang="ja-JP" sz="800" dirty="0"/>
               <a:t>www.jpn.example.org</a:t>
             </a:r>
+          </a:p>
+        </p:txBody>
+      </p:sp>
+      <p:graphicFrame>
+        <p:nvGraphicFramePr>
+          <p:cNvPr id="5" name="表 49">
+            <a:extLst>
+              <a:ext uri="{FF2B5EF4-FFF2-40B4-BE49-F238E27FC236}">
+                <a16:creationId xmlns:a16="http://schemas.microsoft.com/office/drawing/2014/main" id="{225A37D1-23FB-2B3E-C749-FC7925AC37AF}"/>
+              </a:ext>
+            </a:extLst>
+          </p:cNvPr>
+          <p:cNvGraphicFramePr>
+            <a:graphicFrameLocks noGrp="1"/>
+          </p:cNvGraphicFramePr>
+          <p:nvPr>
+            <p:extLst>
+              <p:ext uri="{D42A27DB-BD31-4B8C-83A1-F6EECF244321}">
+                <p14:modId xmlns:p14="http://schemas.microsoft.com/office/powerpoint/2010/main" val="4136522293"/>
+              </p:ext>
+            </p:extLst>
+          </p:nvPr>
+        </p:nvGraphicFramePr>
+        <p:xfrm>
+          <a:off x="172659" y="277860"/>
+          <a:ext cx="633053" cy="914090"/>
+        </p:xfrm>
+        <a:graphic>
+          <a:graphicData uri="http://schemas.openxmlformats.org/drawingml/2006/table">
+            <a:tbl>
+              <a:tblPr firstRow="1" bandRow="1">
+                <a:tableStyleId>{2D5ABB26-0587-4C30-8999-92F81FD0307C}</a:tableStyleId>
+              </a:tblPr>
+              <a:tblGrid>
+                <a:gridCol w="633053">
+                  <a:extLst>
+                    <a:ext uri="{9D8B030D-6E8A-4147-A177-3AD203B41FA5}">
+                      <a16:colId xmlns:a16="http://schemas.microsoft.com/office/drawing/2014/main" val="1391329631"/>
+                    </a:ext>
+                  </a:extLst>
+                </a:gridCol>
+              </a:tblGrid>
+              <a:tr h="150873">
+                <a:tc>
+                  <a:txBody>
+                    <a:bodyPr/>
+                    <a:lstStyle/>
+                    <a:p>
+                      <a:pPr algn="ctr"/>
+                      <a:r>
+                        <a:rPr kumimoji="1" lang="en-US" altLang="ja-JP" sz="900" dirty="0">
+                          <a:latin typeface="Cambria Math" panose="02040503050406030204" pitchFamily="18" charset="0"/>
+                        </a:rPr>
+                        <a:t>Header</a:t>
+                      </a:r>
+                      <a:endParaRPr kumimoji="1" lang="ja-JP" altLang="en-US" sz="900" dirty="0">
+                        <a:latin typeface="Cambria Math" panose="02040503050406030204" pitchFamily="18" charset="0"/>
+                      </a:endParaRPr>
+                    </a:p>
+                  </a:txBody>
+                  <a:tcPr marL="18226" marR="18226" marT="9113" marB="9113" anchor="ctr">
+                    <a:lnL w="12700" cap="flat" cmpd="sng" algn="ctr">
+                      <a:solidFill>
+                        <a:schemeClr val="tx1"/>
+                      </a:solidFill>
+                      <a:prstDash val="solid"/>
+                      <a:round/>
+                      <a:headEnd type="none" w="med" len="med"/>
+                      <a:tailEnd type="none" w="med" len="med"/>
+                    </a:lnL>
+                    <a:lnR w="12700" cap="flat" cmpd="sng" algn="ctr">
+                      <a:solidFill>
+                        <a:schemeClr val="tx1"/>
+                      </a:solidFill>
+                      <a:prstDash val="solid"/>
+                      <a:round/>
+                      <a:headEnd type="none" w="med" len="med"/>
+                      <a:tailEnd type="none" w="med" len="med"/>
+                    </a:lnR>
+                    <a:lnT w="12700" cap="flat" cmpd="sng" algn="ctr">
+                      <a:solidFill>
+                        <a:schemeClr val="tx1"/>
+                      </a:solidFill>
+                      <a:prstDash val="solid"/>
+                      <a:round/>
+                      <a:headEnd type="none" w="med" len="med"/>
+                      <a:tailEnd type="none" w="med" len="med"/>
+                    </a:lnT>
+                    <a:lnB w="9525" cap="flat" cmpd="sng" algn="ctr">
+                      <a:solidFill>
+                        <a:schemeClr val="tx1"/>
+                      </a:solidFill>
+                      <a:prstDash val="solid"/>
+                      <a:round/>
+                      <a:headEnd type="none" w="med" len="med"/>
+                      <a:tailEnd type="none" w="med" len="med"/>
+                    </a:lnB>
+                    <a:solidFill>
+                      <a:schemeClr val="bg1"/>
+                    </a:solidFill>
+                  </a:tcPr>
+                </a:tc>
+                <a:extLst>
+                  <a:ext uri="{0D108BD9-81ED-4DB2-BD59-A6C34878D82A}">
+                    <a16:rowId xmlns:a16="http://schemas.microsoft.com/office/drawing/2014/main" val="3783925622"/>
+                  </a:ext>
+                </a:extLst>
+              </a:tr>
+              <a:tr h="150873">
+                <a:tc>
+                  <a:txBody>
+                    <a:bodyPr/>
+                    <a:lstStyle/>
+                    <a:p>
+                      <a:pPr algn="ctr"/>
+                      <a:r>
+                        <a:rPr kumimoji="1" lang="en-US" altLang="ja-JP" sz="900" dirty="0">
+                          <a:latin typeface="Cambria Math" panose="02040503050406030204" pitchFamily="18" charset="0"/>
+                          <a:ea typeface="Cambria Math" panose="02040503050406030204" pitchFamily="18" charset="0"/>
+                        </a:rPr>
+                        <a:t>Key1:</a:t>
+                      </a:r>
+                    </a:p>
+                    <a:p>
+                      <a:pPr algn="ctr"/>
+                      <a:r>
+                        <a:rPr kumimoji="1" lang="en-US" altLang="ja-JP" sz="900" dirty="0">
+                          <a:latin typeface="Cambria Math" panose="02040503050406030204" pitchFamily="18" charset="0"/>
+                          <a:ea typeface="Cambria Math" panose="02040503050406030204" pitchFamily="18" charset="0"/>
+                        </a:rPr>
+                        <a:t>“www.jpn.”</a:t>
+                      </a:r>
+                      <a:endParaRPr kumimoji="1" lang="ja-JP" altLang="en-US" sz="900" dirty="0">
+                        <a:latin typeface="Cambria Math" panose="02040503050406030204" pitchFamily="18" charset="0"/>
+                      </a:endParaRPr>
+                    </a:p>
+                  </a:txBody>
+                  <a:tcPr marL="18226" marR="18226" marT="9113" marB="9113" anchor="ctr">
+                    <a:lnL w="12700" cap="flat" cmpd="sng" algn="ctr">
+                      <a:solidFill>
+                        <a:schemeClr val="tx1"/>
+                      </a:solidFill>
+                      <a:prstDash val="solid"/>
+                      <a:round/>
+                      <a:headEnd type="none" w="med" len="med"/>
+                      <a:tailEnd type="none" w="med" len="med"/>
+                    </a:lnL>
+                    <a:lnR w="12700" cap="flat" cmpd="sng" algn="ctr">
+                      <a:solidFill>
+                        <a:schemeClr val="tx1"/>
+                      </a:solidFill>
+                      <a:prstDash val="solid"/>
+                      <a:round/>
+                      <a:headEnd type="none" w="med" len="med"/>
+                      <a:tailEnd type="none" w="med" len="med"/>
+                    </a:lnR>
+                    <a:lnT w="9525" cap="flat" cmpd="sng" algn="ctr">
+                      <a:solidFill>
+                        <a:schemeClr val="tx1"/>
+                      </a:solidFill>
+                      <a:prstDash val="solid"/>
+                      <a:round/>
+                      <a:headEnd type="none" w="med" len="med"/>
+                      <a:tailEnd type="none" w="med" len="med"/>
+                    </a:lnT>
+                    <a:solidFill>
+                      <a:schemeClr val="bg1"/>
+                    </a:solidFill>
+                  </a:tcPr>
+                </a:tc>
+                <a:extLst>
+                  <a:ext uri="{0D108BD9-81ED-4DB2-BD59-A6C34878D82A}">
+                    <a16:rowId xmlns:a16="http://schemas.microsoft.com/office/drawing/2014/main" val="2244812955"/>
+                  </a:ext>
+                </a:extLst>
+              </a:tr>
+              <a:tr h="150873">
+                <a:tc>
+                  <a:txBody>
+                    <a:bodyPr/>
+                    <a:lstStyle/>
+                    <a:p>
+                      <a:pPr algn="ctr"/>
+                      <a:r>
+                        <a:rPr kumimoji="1" lang="en-US" altLang="ja-JP" sz="900" dirty="0">
+                          <a:latin typeface="Cambria Math" panose="02040503050406030204" pitchFamily="18" charset="0"/>
+                          <a:ea typeface="Cambria Math" panose="02040503050406030204" pitchFamily="18" charset="0"/>
+                        </a:rPr>
+                        <a:t>...</a:t>
+                      </a:r>
+                      <a:endParaRPr kumimoji="1" lang="ja-JP" altLang="en-US" sz="900" dirty="0">
+                        <a:latin typeface="Cambria Math" panose="02040503050406030204" pitchFamily="18" charset="0"/>
+                      </a:endParaRPr>
+                    </a:p>
+                  </a:txBody>
+                  <a:tcPr marL="18226" marR="18226" marT="9113" marB="9113" anchor="ctr">
+                    <a:lnL w="12700" cap="flat" cmpd="sng" algn="ctr">
+                      <a:solidFill>
+                        <a:schemeClr val="tx1"/>
+                      </a:solidFill>
+                      <a:prstDash val="solid"/>
+                      <a:round/>
+                      <a:headEnd type="none" w="med" len="med"/>
+                      <a:tailEnd type="none" w="med" len="med"/>
+                    </a:lnL>
+                    <a:lnR w="12700" cap="flat" cmpd="sng" algn="ctr">
+                      <a:solidFill>
+                        <a:schemeClr val="tx1"/>
+                      </a:solidFill>
+                      <a:prstDash val="solid"/>
+                      <a:round/>
+                      <a:headEnd type="none" w="med" len="med"/>
+                      <a:tailEnd type="none" w="med" len="med"/>
+                    </a:lnR>
+                    <a:lnB w="9525" cap="flat" cmpd="sng" algn="ctr">
+                      <a:solidFill>
+                        <a:schemeClr val="tx1"/>
+                      </a:solidFill>
+                      <a:prstDash val="sysDot"/>
+                      <a:round/>
+                      <a:headEnd type="none" w="med" len="med"/>
+                      <a:tailEnd type="none" w="med" len="med"/>
+                    </a:lnB>
+                    <a:solidFill>
+                      <a:schemeClr val="bg1"/>
+                    </a:solidFill>
+                  </a:tcPr>
+                </a:tc>
+                <a:extLst>
+                  <a:ext uri="{0D108BD9-81ED-4DB2-BD59-A6C34878D82A}">
+                    <a16:rowId xmlns:a16="http://schemas.microsoft.com/office/drawing/2014/main" val="1930659369"/>
+                  </a:ext>
+                </a:extLst>
+              </a:tr>
+              <a:tr h="150873">
+                <a:tc>
+                  <a:txBody>
+                    <a:bodyPr/>
+                    <a:lstStyle/>
+                    <a:p>
+                      <a:pPr algn="ctr"/>
+                      <a:r>
+                        <a:rPr kumimoji="1" lang="en-US" altLang="ja-JP" sz="900" dirty="0">
+                          <a:latin typeface="Cambria Math" panose="02040503050406030204" pitchFamily="18" charset="0"/>
+                        </a:rPr>
+                        <a:t>...</a:t>
+                      </a:r>
+                      <a:endParaRPr kumimoji="1" lang="ja-JP" altLang="en-US" sz="900" dirty="0">
+                        <a:latin typeface="Cambria Math" panose="02040503050406030204" pitchFamily="18" charset="0"/>
+                      </a:endParaRPr>
+                    </a:p>
+                  </a:txBody>
+                  <a:tcPr marL="18226" marR="18226" marT="9113" marB="9113" anchor="ctr">
+                    <a:lnL w="12700" cap="flat" cmpd="sng" algn="ctr">
+                      <a:solidFill>
+                        <a:schemeClr val="tx1"/>
+                      </a:solidFill>
+                      <a:prstDash val="solid"/>
+                      <a:round/>
+                      <a:headEnd type="none" w="med" len="med"/>
+                      <a:tailEnd type="none" w="med" len="med"/>
+                    </a:lnL>
+                    <a:lnR w="12700" cap="flat" cmpd="sng" algn="ctr">
+                      <a:solidFill>
+                        <a:schemeClr val="tx1"/>
+                      </a:solidFill>
+                      <a:prstDash val="solid"/>
+                      <a:round/>
+                      <a:headEnd type="none" w="med" len="med"/>
+                      <a:tailEnd type="none" w="med" len="med"/>
+                    </a:lnR>
+                    <a:lnT w="9525" cap="flat" cmpd="sng" algn="ctr">
+                      <a:solidFill>
+                        <a:schemeClr val="tx1"/>
+                      </a:solidFill>
+                      <a:prstDash val="sysDot"/>
+                      <a:round/>
+                      <a:headEnd type="none" w="med" len="med"/>
+                      <a:tailEnd type="none" w="med" len="med"/>
+                    </a:lnT>
+                    <a:lnB w="12700" cap="flat" cmpd="sng" algn="ctr">
+                      <a:noFill/>
+                      <a:prstDash val="solid"/>
+                      <a:round/>
+                      <a:headEnd type="none" w="med" len="med"/>
+                      <a:tailEnd type="none" w="med" len="med"/>
+                    </a:lnB>
+                    <a:solidFill>
+                      <a:schemeClr val="bg1"/>
+                    </a:solidFill>
+                  </a:tcPr>
+                </a:tc>
+                <a:extLst>
+                  <a:ext uri="{0D108BD9-81ED-4DB2-BD59-A6C34878D82A}">
+                    <a16:rowId xmlns:a16="http://schemas.microsoft.com/office/drawing/2014/main" val="4212267831"/>
+                  </a:ext>
+                </a:extLst>
+              </a:tr>
+              <a:tr h="150873">
+                <a:tc>
+                  <a:txBody>
+                    <a:bodyPr/>
+                    <a:lstStyle/>
+                    <a:p>
+                      <a:pPr algn="ctr"/>
+                      <a:r>
+                        <a:rPr kumimoji="1" lang="en-US" altLang="ja-JP" sz="900" dirty="0">
+                          <a:latin typeface="Cambria Math" panose="02040503050406030204" pitchFamily="18" charset="0"/>
+                        </a:rPr>
+                        <a:t>Link1</a:t>
+                      </a:r>
+                      <a:endParaRPr kumimoji="1" lang="ja-JP" altLang="en-US" sz="900" dirty="0">
+                        <a:latin typeface="Cambria Math" panose="02040503050406030204" pitchFamily="18" charset="0"/>
+                      </a:endParaRPr>
+                    </a:p>
+                  </a:txBody>
+                  <a:tcPr marL="18226" marR="18226" marT="9113" marB="9113" anchor="ctr">
+                    <a:lnL w="12700" cap="flat" cmpd="sng" algn="ctr">
+                      <a:solidFill>
+                        <a:schemeClr val="tx1"/>
+                      </a:solidFill>
+                      <a:prstDash val="solid"/>
+                      <a:round/>
+                      <a:headEnd type="none" w="med" len="med"/>
+                      <a:tailEnd type="none" w="med" len="med"/>
+                    </a:lnL>
+                    <a:lnR w="12700" cap="flat" cmpd="sng" algn="ctr">
+                      <a:solidFill>
+                        <a:schemeClr val="tx1"/>
+                      </a:solidFill>
+                      <a:prstDash val="solid"/>
+                      <a:round/>
+                      <a:headEnd type="none" w="med" len="med"/>
+                      <a:tailEnd type="none" w="med" len="med"/>
+                    </a:lnR>
+                    <a:lnT w="12700" cap="flat" cmpd="sng" algn="ctr">
+                      <a:noFill/>
+                      <a:prstDash val="solid"/>
+                      <a:round/>
+                      <a:headEnd type="none" w="med" len="med"/>
+                      <a:tailEnd type="none" w="med" len="med"/>
+                    </a:lnT>
+                    <a:lnB w="9525" cap="flat" cmpd="sng" algn="ctr">
+                      <a:solidFill>
+                        <a:schemeClr val="tx1"/>
+                      </a:solidFill>
+                      <a:prstDash val="solid"/>
+                      <a:round/>
+                      <a:headEnd type="none" w="med" len="med"/>
+                      <a:tailEnd type="none" w="med" len="med"/>
+                    </a:lnB>
+                    <a:solidFill>
+                      <a:schemeClr val="bg1"/>
+                    </a:solidFill>
+                  </a:tcPr>
+                </a:tc>
+                <a:extLst>
+                  <a:ext uri="{0D108BD9-81ED-4DB2-BD59-A6C34878D82A}">
+                    <a16:rowId xmlns:a16="http://schemas.microsoft.com/office/drawing/2014/main" val="77431627"/>
+                  </a:ext>
+                </a:extLst>
+              </a:tr>
+            </a:tbl>
+          </a:graphicData>
+        </a:graphic>
+      </p:graphicFrame>
+      <p:graphicFrame>
+        <p:nvGraphicFramePr>
+          <p:cNvPr id="6" name="表 49">
+            <a:extLst>
+              <a:ext uri="{FF2B5EF4-FFF2-40B4-BE49-F238E27FC236}">
+                <a16:creationId xmlns:a16="http://schemas.microsoft.com/office/drawing/2014/main" id="{9BC05E81-CBB9-52D7-51E3-C0033739437E}"/>
+              </a:ext>
+            </a:extLst>
+          </p:cNvPr>
+          <p:cNvGraphicFramePr>
+            <a:graphicFrameLocks noGrp="1"/>
+          </p:cNvGraphicFramePr>
+          <p:nvPr>
+            <p:extLst>
+              <p:ext uri="{D42A27DB-BD31-4B8C-83A1-F6EECF244321}">
+                <p14:modId xmlns:p14="http://schemas.microsoft.com/office/powerpoint/2010/main" val="585049613"/>
+              </p:ext>
+            </p:extLst>
+          </p:nvPr>
+        </p:nvGraphicFramePr>
+        <p:xfrm>
+          <a:off x="1139567" y="277859"/>
+          <a:ext cx="633054" cy="914090"/>
+        </p:xfrm>
+        <a:graphic>
+          <a:graphicData uri="http://schemas.openxmlformats.org/drawingml/2006/table">
+            <a:tbl>
+              <a:tblPr firstRow="1" bandRow="1">
+                <a:tableStyleId>{2D5ABB26-0587-4C30-8999-92F81FD0307C}</a:tableStyleId>
+              </a:tblPr>
+              <a:tblGrid>
+                <a:gridCol w="633054">
+                  <a:extLst>
+                    <a:ext uri="{9D8B030D-6E8A-4147-A177-3AD203B41FA5}">
+                      <a16:colId xmlns:a16="http://schemas.microsoft.com/office/drawing/2014/main" val="1391329631"/>
+                    </a:ext>
+                  </a:extLst>
+                </a:gridCol>
+              </a:tblGrid>
+              <a:tr h="143849">
+                <a:tc>
+                  <a:txBody>
+                    <a:bodyPr/>
+                    <a:lstStyle/>
+                    <a:p>
+                      <a:pPr algn="ctr"/>
+                      <a:r>
+                        <a:rPr kumimoji="1" lang="en-US" altLang="ja-JP" sz="900" dirty="0">
+                          <a:latin typeface="Cambria Math" panose="02040503050406030204" pitchFamily="18" charset="0"/>
+                        </a:rPr>
+                        <a:t>Header</a:t>
+                      </a:r>
+                      <a:endParaRPr kumimoji="1" lang="ja-JP" altLang="en-US" sz="900" dirty="0">
+                        <a:latin typeface="Cambria Math" panose="02040503050406030204" pitchFamily="18" charset="0"/>
+                      </a:endParaRPr>
+                    </a:p>
+                  </a:txBody>
+                  <a:tcPr marL="18226" marR="18226" marT="9113" marB="9113" anchor="ctr">
+                    <a:lnL w="12700" cap="flat" cmpd="sng" algn="ctr">
+                      <a:solidFill>
+                        <a:schemeClr val="tx1"/>
+                      </a:solidFill>
+                      <a:prstDash val="solid"/>
+                      <a:round/>
+                      <a:headEnd type="none" w="med" len="med"/>
+                      <a:tailEnd type="none" w="med" len="med"/>
+                    </a:lnL>
+                    <a:lnR w="12700" cap="flat" cmpd="sng" algn="ctr">
+                      <a:solidFill>
+                        <a:schemeClr val="tx1"/>
+                      </a:solidFill>
+                      <a:prstDash val="solid"/>
+                      <a:round/>
+                      <a:headEnd type="none" w="med" len="med"/>
+                      <a:tailEnd type="none" w="med" len="med"/>
+                    </a:lnR>
+                    <a:lnT w="12700" cap="flat" cmpd="sng" algn="ctr">
+                      <a:solidFill>
+                        <a:schemeClr val="tx1"/>
+                      </a:solidFill>
+                      <a:prstDash val="solid"/>
+                      <a:round/>
+                      <a:headEnd type="none" w="med" len="med"/>
+                      <a:tailEnd type="none" w="med" len="med"/>
+                    </a:lnT>
+                    <a:lnB w="9525" cap="flat" cmpd="sng" algn="ctr">
+                      <a:solidFill>
+                        <a:schemeClr val="tx1"/>
+                      </a:solidFill>
+                      <a:prstDash val="solid"/>
+                      <a:round/>
+                      <a:headEnd type="none" w="med" len="med"/>
+                      <a:tailEnd type="none" w="med" len="med"/>
+                    </a:lnB>
+                    <a:solidFill>
+                      <a:schemeClr val="bg1"/>
+                    </a:solidFill>
+                  </a:tcPr>
+                </a:tc>
+                <a:extLst>
+                  <a:ext uri="{0D108BD9-81ED-4DB2-BD59-A6C34878D82A}">
+                    <a16:rowId xmlns:a16="http://schemas.microsoft.com/office/drawing/2014/main" val="3783925622"/>
+                  </a:ext>
+                </a:extLst>
+              </a:tr>
+              <a:tr h="266707">
+                <a:tc>
+                  <a:txBody>
+                    <a:bodyPr/>
+                    <a:lstStyle/>
+                    <a:p>
+                      <a:pPr algn="ctr"/>
+                      <a:r>
+                        <a:rPr kumimoji="1" lang="en-US" altLang="ja-JP" sz="900" dirty="0">
+                          <a:latin typeface="Cambria Math" panose="02040503050406030204" pitchFamily="18" charset="0"/>
+                          <a:ea typeface="Cambria Math" panose="02040503050406030204" pitchFamily="18" charset="0"/>
+                        </a:rPr>
+                        <a:t>Key1:</a:t>
+                      </a:r>
+                    </a:p>
+                    <a:p>
+                      <a:pPr algn="ctr"/>
+                      <a:r>
+                        <a:rPr kumimoji="1" lang="en-US" altLang="ja-JP" sz="900" dirty="0">
+                          <a:latin typeface="Cambria Math" panose="02040503050406030204" pitchFamily="18" charset="0"/>
+                          <a:ea typeface="Cambria Math" panose="02040503050406030204" pitchFamily="18" charset="0"/>
+                        </a:rPr>
+                        <a:t>“example.”</a:t>
+                      </a:r>
+                    </a:p>
+                  </a:txBody>
+                  <a:tcPr marL="18226" marR="18226" marT="9113" marB="9113" anchor="ctr">
+                    <a:lnL w="12700" cap="flat" cmpd="sng" algn="ctr">
+                      <a:solidFill>
+                        <a:schemeClr val="tx1"/>
+                      </a:solidFill>
+                      <a:prstDash val="solid"/>
+                      <a:round/>
+                      <a:headEnd type="none" w="med" len="med"/>
+                      <a:tailEnd type="none" w="med" len="med"/>
+                    </a:lnL>
+                    <a:lnR w="12700" cap="flat" cmpd="sng" algn="ctr">
+                      <a:solidFill>
+                        <a:schemeClr val="tx1"/>
+                      </a:solidFill>
+                      <a:prstDash val="solid"/>
+                      <a:round/>
+                      <a:headEnd type="none" w="med" len="med"/>
+                      <a:tailEnd type="none" w="med" len="med"/>
+                    </a:lnR>
+                    <a:lnT w="9525" cap="flat" cmpd="sng" algn="ctr">
+                      <a:solidFill>
+                        <a:schemeClr val="tx1"/>
+                      </a:solidFill>
+                      <a:prstDash val="solid"/>
+                      <a:round/>
+                      <a:headEnd type="none" w="med" len="med"/>
+                      <a:tailEnd type="none" w="med" len="med"/>
+                    </a:lnT>
+                    <a:solidFill>
+                      <a:schemeClr val="bg1"/>
+                    </a:solidFill>
+                  </a:tcPr>
+                </a:tc>
+                <a:extLst>
+                  <a:ext uri="{0D108BD9-81ED-4DB2-BD59-A6C34878D82A}">
+                    <a16:rowId xmlns:a16="http://schemas.microsoft.com/office/drawing/2014/main" val="2244812955"/>
+                  </a:ext>
+                </a:extLst>
+              </a:tr>
+              <a:tr h="143849">
+                <a:tc>
+                  <a:txBody>
+                    <a:bodyPr/>
+                    <a:lstStyle/>
+                    <a:p>
+                      <a:pPr algn="ctr"/>
+                      <a:endParaRPr kumimoji="1" lang="ja-JP" altLang="en-US" sz="900" dirty="0">
+                        <a:latin typeface="Cambria Math" panose="02040503050406030204" pitchFamily="18" charset="0"/>
+                      </a:endParaRPr>
+                    </a:p>
+                  </a:txBody>
+                  <a:tcPr marL="18226" marR="18226" marT="9113" marB="9113" anchor="ctr">
+                    <a:lnL w="12700" cap="flat" cmpd="sng" algn="ctr">
+                      <a:solidFill>
+                        <a:schemeClr val="tx1"/>
+                      </a:solidFill>
+                      <a:prstDash val="solid"/>
+                      <a:round/>
+                      <a:headEnd type="none" w="med" len="med"/>
+                      <a:tailEnd type="none" w="med" len="med"/>
+                    </a:lnL>
+                    <a:lnR w="12700" cap="flat" cmpd="sng" algn="ctr">
+                      <a:solidFill>
+                        <a:schemeClr val="tx1"/>
+                      </a:solidFill>
+                      <a:prstDash val="solid"/>
+                      <a:round/>
+                      <a:headEnd type="none" w="med" len="med"/>
+                      <a:tailEnd type="none" w="med" len="med"/>
+                    </a:lnR>
+                    <a:lnB w="9525" cap="flat" cmpd="sng" algn="ctr">
+                      <a:solidFill>
+                        <a:schemeClr val="tx1"/>
+                      </a:solidFill>
+                      <a:prstDash val="sysDot"/>
+                      <a:round/>
+                      <a:headEnd type="none" w="med" len="med"/>
+                      <a:tailEnd type="none" w="med" len="med"/>
+                    </a:lnB>
+                    <a:solidFill>
+                      <a:schemeClr val="bg1"/>
+                    </a:solidFill>
+                  </a:tcPr>
+                </a:tc>
+                <a:extLst>
+                  <a:ext uri="{0D108BD9-81ED-4DB2-BD59-A6C34878D82A}">
+                    <a16:rowId xmlns:a16="http://schemas.microsoft.com/office/drawing/2014/main" val="1930659369"/>
+                  </a:ext>
+                </a:extLst>
+              </a:tr>
+              <a:tr h="143849">
+                <a:tc>
+                  <a:txBody>
+                    <a:bodyPr/>
+                    <a:lstStyle/>
+                    <a:p>
+                      <a:pPr algn="ctr"/>
+                      <a:endParaRPr kumimoji="1" lang="ja-JP" altLang="en-US" sz="900" dirty="0">
+                        <a:latin typeface="Cambria Math" panose="02040503050406030204" pitchFamily="18" charset="0"/>
+                      </a:endParaRPr>
+                    </a:p>
+                  </a:txBody>
+                  <a:tcPr marL="18226" marR="18226" marT="9113" marB="9113" anchor="ctr">
+                    <a:lnL w="12700" cap="flat" cmpd="sng" algn="ctr">
+                      <a:solidFill>
+                        <a:schemeClr val="tx1"/>
+                      </a:solidFill>
+                      <a:prstDash val="solid"/>
+                      <a:round/>
+                      <a:headEnd type="none" w="med" len="med"/>
+                      <a:tailEnd type="none" w="med" len="med"/>
+                    </a:lnL>
+                    <a:lnR w="12700" cap="flat" cmpd="sng" algn="ctr">
+                      <a:solidFill>
+                        <a:schemeClr val="tx1"/>
+                      </a:solidFill>
+                      <a:prstDash val="solid"/>
+                      <a:round/>
+                      <a:headEnd type="none" w="med" len="med"/>
+                      <a:tailEnd type="none" w="med" len="med"/>
+                    </a:lnR>
+                    <a:lnT w="9525" cap="flat" cmpd="sng" algn="ctr">
+                      <a:solidFill>
+                        <a:schemeClr val="tx1"/>
+                      </a:solidFill>
+                      <a:prstDash val="sysDot"/>
+                      <a:round/>
+                      <a:headEnd type="none" w="med" len="med"/>
+                      <a:tailEnd type="none" w="med" len="med"/>
+                    </a:lnT>
+                    <a:lnB w="12700" cap="flat" cmpd="sng" algn="ctr">
+                      <a:noFill/>
+                      <a:prstDash val="solid"/>
+                      <a:round/>
+                      <a:headEnd type="none" w="med" len="med"/>
+                      <a:tailEnd type="none" w="med" len="med"/>
+                    </a:lnB>
+                    <a:solidFill>
+                      <a:schemeClr val="bg1"/>
+                    </a:solidFill>
+                  </a:tcPr>
+                </a:tc>
+                <a:extLst>
+                  <a:ext uri="{0D108BD9-81ED-4DB2-BD59-A6C34878D82A}">
+                    <a16:rowId xmlns:a16="http://schemas.microsoft.com/office/drawing/2014/main" val="4212267831"/>
+                  </a:ext>
+                </a:extLst>
+              </a:tr>
+              <a:tr h="143849">
+                <a:tc>
+                  <a:txBody>
+                    <a:bodyPr/>
+                    <a:lstStyle/>
+                    <a:p>
+                      <a:pPr algn="ctr"/>
+                      <a:r>
+                        <a:rPr kumimoji="1" lang="en-US" altLang="ja-JP" sz="900" dirty="0">
+                          <a:latin typeface="Cambria Math" panose="02040503050406030204" pitchFamily="18" charset="0"/>
+                        </a:rPr>
+                        <a:t>Link1</a:t>
+                      </a:r>
+                      <a:endParaRPr kumimoji="1" lang="ja-JP" altLang="en-US" sz="900" dirty="0">
+                        <a:latin typeface="Cambria Math" panose="02040503050406030204" pitchFamily="18" charset="0"/>
+                      </a:endParaRPr>
+                    </a:p>
+                  </a:txBody>
+                  <a:tcPr marL="18226" marR="18226" marT="9113" marB="9113" anchor="ctr">
+                    <a:lnL w="12700" cap="flat" cmpd="sng" algn="ctr">
+                      <a:solidFill>
+                        <a:schemeClr val="tx1"/>
+                      </a:solidFill>
+                      <a:prstDash val="solid"/>
+                      <a:round/>
+                      <a:headEnd type="none" w="med" len="med"/>
+                      <a:tailEnd type="none" w="med" len="med"/>
+                    </a:lnL>
+                    <a:lnR w="12700" cap="flat" cmpd="sng" algn="ctr">
+                      <a:solidFill>
+                        <a:schemeClr val="tx1"/>
+                      </a:solidFill>
+                      <a:prstDash val="solid"/>
+                      <a:round/>
+                      <a:headEnd type="none" w="med" len="med"/>
+                      <a:tailEnd type="none" w="med" len="med"/>
+                    </a:lnR>
+                    <a:lnT w="12700" cap="flat" cmpd="sng" algn="ctr">
+                      <a:noFill/>
+                      <a:prstDash val="solid"/>
+                      <a:round/>
+                      <a:headEnd type="none" w="med" len="med"/>
+                      <a:tailEnd type="none" w="med" len="med"/>
+                    </a:lnT>
+                    <a:lnB w="9525" cap="flat" cmpd="sng" algn="ctr">
+                      <a:solidFill>
+                        <a:schemeClr val="tx1"/>
+                      </a:solidFill>
+                      <a:prstDash val="solid"/>
+                      <a:round/>
+                      <a:headEnd type="none" w="med" len="med"/>
+                      <a:tailEnd type="none" w="med" len="med"/>
+                    </a:lnB>
+                    <a:solidFill>
+                      <a:schemeClr val="bg1"/>
+                    </a:solidFill>
+                  </a:tcPr>
+                </a:tc>
+                <a:extLst>
+                  <a:ext uri="{0D108BD9-81ED-4DB2-BD59-A6C34878D82A}">
+                    <a16:rowId xmlns:a16="http://schemas.microsoft.com/office/drawing/2014/main" val="77431627"/>
+                  </a:ext>
+                </a:extLst>
+              </a:tr>
+            </a:tbl>
+          </a:graphicData>
+        </a:graphic>
+      </p:graphicFrame>
+      <p:graphicFrame>
+        <p:nvGraphicFramePr>
+          <p:cNvPr id="7" name="表 49">
+            <a:extLst>
+              <a:ext uri="{FF2B5EF4-FFF2-40B4-BE49-F238E27FC236}">
+                <a16:creationId xmlns:a16="http://schemas.microsoft.com/office/drawing/2014/main" id="{D77639C1-6BC3-0931-A2E3-81653793EE0E}"/>
+              </a:ext>
+            </a:extLst>
+          </p:cNvPr>
+          <p:cNvGraphicFramePr>
+            <a:graphicFrameLocks noGrp="1"/>
+          </p:cNvGraphicFramePr>
+          <p:nvPr>
+            <p:extLst>
+              <p:ext uri="{D42A27DB-BD31-4B8C-83A1-F6EECF244321}">
+                <p14:modId xmlns:p14="http://schemas.microsoft.com/office/powerpoint/2010/main" val="3416825018"/>
+              </p:ext>
+            </p:extLst>
+          </p:nvPr>
+        </p:nvGraphicFramePr>
+        <p:xfrm>
+          <a:off x="2061025" y="277859"/>
+          <a:ext cx="662373" cy="1051250"/>
+        </p:xfrm>
+        <a:graphic>
+          <a:graphicData uri="http://schemas.openxmlformats.org/drawingml/2006/table">
+            <a:tbl>
+              <a:tblPr firstRow="1" bandRow="1">
+                <a:tableStyleId>{2D5ABB26-0587-4C30-8999-92F81FD0307C}</a:tableStyleId>
+              </a:tblPr>
+              <a:tblGrid>
+                <a:gridCol w="662373">
+                  <a:extLst>
+                    <a:ext uri="{9D8B030D-6E8A-4147-A177-3AD203B41FA5}">
+                      <a16:colId xmlns:a16="http://schemas.microsoft.com/office/drawing/2014/main" val="1391329631"/>
+                    </a:ext>
+                  </a:extLst>
+                </a:gridCol>
+              </a:tblGrid>
+              <a:tr h="143849">
+                <a:tc>
+                  <a:txBody>
+                    <a:bodyPr/>
+                    <a:lstStyle/>
+                    <a:p>
+                      <a:pPr algn="ctr"/>
+                      <a:r>
+                        <a:rPr kumimoji="1" lang="en-US" altLang="ja-JP" sz="900" dirty="0">
+                          <a:latin typeface="Cambria Math" panose="02040503050406030204" pitchFamily="18" charset="0"/>
+                        </a:rPr>
+                        <a:t>Header</a:t>
+                      </a:r>
+                      <a:endParaRPr kumimoji="1" lang="ja-JP" altLang="en-US" sz="900" dirty="0">
+                        <a:latin typeface="Cambria Math" panose="02040503050406030204" pitchFamily="18" charset="0"/>
+                      </a:endParaRPr>
+                    </a:p>
+                  </a:txBody>
+                  <a:tcPr marL="18226" marR="18226" marT="9113" marB="9113" anchor="ctr">
+                    <a:lnL w="12700" cap="flat" cmpd="sng" algn="ctr">
+                      <a:solidFill>
+                        <a:schemeClr val="tx1"/>
+                      </a:solidFill>
+                      <a:prstDash val="solid"/>
+                      <a:round/>
+                      <a:headEnd type="none" w="med" len="med"/>
+                      <a:tailEnd type="none" w="med" len="med"/>
+                    </a:lnL>
+                    <a:lnR w="12700" cap="flat" cmpd="sng" algn="ctr">
+                      <a:solidFill>
+                        <a:schemeClr val="tx1"/>
+                      </a:solidFill>
+                      <a:prstDash val="solid"/>
+                      <a:round/>
+                      <a:headEnd type="none" w="med" len="med"/>
+                      <a:tailEnd type="none" w="med" len="med"/>
+                    </a:lnR>
+                    <a:lnT w="12700" cap="flat" cmpd="sng" algn="ctr">
+                      <a:solidFill>
+                        <a:schemeClr val="tx1"/>
+                      </a:solidFill>
+                      <a:prstDash val="solid"/>
+                      <a:round/>
+                      <a:headEnd type="none" w="med" len="med"/>
+                      <a:tailEnd type="none" w="med" len="med"/>
+                    </a:lnT>
+                    <a:lnB w="9525" cap="flat" cmpd="sng" algn="ctr">
+                      <a:solidFill>
+                        <a:schemeClr val="tx1"/>
+                      </a:solidFill>
+                      <a:prstDash val="solid"/>
+                      <a:round/>
+                      <a:headEnd type="none" w="med" len="med"/>
+                      <a:tailEnd type="none" w="med" len="med"/>
+                    </a:lnB>
+                    <a:solidFill>
+                      <a:schemeClr val="bg1"/>
+                    </a:solidFill>
+                  </a:tcPr>
+                </a:tc>
+                <a:extLst>
+                  <a:ext uri="{0D108BD9-81ED-4DB2-BD59-A6C34878D82A}">
+                    <a16:rowId xmlns:a16="http://schemas.microsoft.com/office/drawing/2014/main" val="3783925622"/>
+                  </a:ext>
+                </a:extLst>
+              </a:tr>
+              <a:tr h="266707">
+                <a:tc>
+                  <a:txBody>
+                    <a:bodyPr/>
+                    <a:lstStyle/>
+                    <a:p>
+                      <a:pPr algn="ctr"/>
+                      <a:r>
+                        <a:rPr kumimoji="1" lang="en-US" altLang="ja-JP" sz="900" dirty="0">
+                          <a:latin typeface="Cambria Math" panose="02040503050406030204" pitchFamily="18" charset="0"/>
+                          <a:ea typeface="Cambria Math" panose="02040503050406030204" pitchFamily="18" charset="0"/>
+                        </a:rPr>
+                        <a:t>Key1:“com”</a:t>
+                      </a:r>
+                    </a:p>
+                    <a:p>
+                      <a:pPr algn="ctr"/>
+                      <a:r>
+                        <a:rPr kumimoji="1" lang="en-US" altLang="ja-JP" sz="900" dirty="0">
+                          <a:latin typeface="Cambria Math" panose="02040503050406030204" pitchFamily="18" charset="0"/>
+                          <a:ea typeface="Cambria Math" panose="02040503050406030204" pitchFamily="18" charset="0"/>
+                        </a:rPr>
+                        <a:t>Key2:“org”</a:t>
+                      </a:r>
+                    </a:p>
+                  </a:txBody>
+                  <a:tcPr marL="18226" marR="18226" marT="9113" marB="9113" anchor="ctr">
+                    <a:lnL w="12700" cap="flat" cmpd="sng" algn="ctr">
+                      <a:solidFill>
+                        <a:schemeClr val="tx1"/>
+                      </a:solidFill>
+                      <a:prstDash val="solid"/>
+                      <a:round/>
+                      <a:headEnd type="none" w="med" len="med"/>
+                      <a:tailEnd type="none" w="med" len="med"/>
+                    </a:lnL>
+                    <a:lnR w="12700" cap="flat" cmpd="sng" algn="ctr">
+                      <a:solidFill>
+                        <a:schemeClr val="tx1"/>
+                      </a:solidFill>
+                      <a:prstDash val="solid"/>
+                      <a:round/>
+                      <a:headEnd type="none" w="med" len="med"/>
+                      <a:tailEnd type="none" w="med" len="med"/>
+                    </a:lnR>
+                    <a:lnT w="9525" cap="flat" cmpd="sng" algn="ctr">
+                      <a:solidFill>
+                        <a:schemeClr val="tx1"/>
+                      </a:solidFill>
+                      <a:prstDash val="solid"/>
+                      <a:round/>
+                      <a:headEnd type="none" w="med" len="med"/>
+                      <a:tailEnd type="none" w="med" len="med"/>
+                    </a:lnT>
+                    <a:solidFill>
+                      <a:schemeClr val="bg1"/>
+                    </a:solidFill>
+                  </a:tcPr>
+                </a:tc>
+                <a:extLst>
+                  <a:ext uri="{0D108BD9-81ED-4DB2-BD59-A6C34878D82A}">
+                    <a16:rowId xmlns:a16="http://schemas.microsoft.com/office/drawing/2014/main" val="2244812955"/>
+                  </a:ext>
+                </a:extLst>
+              </a:tr>
+              <a:tr h="143849">
+                <a:tc>
+                  <a:txBody>
+                    <a:bodyPr/>
+                    <a:lstStyle/>
+                    <a:p>
+                      <a:pPr algn="ctr"/>
+                      <a:endParaRPr kumimoji="1" lang="ja-JP" altLang="en-US" sz="900" dirty="0">
+                        <a:latin typeface="Cambria Math" panose="02040503050406030204" pitchFamily="18" charset="0"/>
+                      </a:endParaRPr>
+                    </a:p>
+                  </a:txBody>
+                  <a:tcPr marL="18226" marR="18226" marT="9113" marB="9113" anchor="ctr">
+                    <a:lnL w="12700" cap="flat" cmpd="sng" algn="ctr">
+                      <a:solidFill>
+                        <a:schemeClr val="tx1"/>
+                      </a:solidFill>
+                      <a:prstDash val="solid"/>
+                      <a:round/>
+                      <a:headEnd type="none" w="med" len="med"/>
+                      <a:tailEnd type="none" w="med" len="med"/>
+                    </a:lnL>
+                    <a:lnR w="12700" cap="flat" cmpd="sng" algn="ctr">
+                      <a:solidFill>
+                        <a:schemeClr val="tx1"/>
+                      </a:solidFill>
+                      <a:prstDash val="solid"/>
+                      <a:round/>
+                      <a:headEnd type="none" w="med" len="med"/>
+                      <a:tailEnd type="none" w="med" len="med"/>
+                    </a:lnR>
+                    <a:lnB w="9525" cap="flat" cmpd="sng" algn="ctr">
+                      <a:solidFill>
+                        <a:schemeClr val="tx1"/>
+                      </a:solidFill>
+                      <a:prstDash val="sysDot"/>
+                      <a:round/>
+                      <a:headEnd type="none" w="med" len="med"/>
+                      <a:tailEnd type="none" w="med" len="med"/>
+                    </a:lnB>
+                    <a:solidFill>
+                      <a:schemeClr val="bg1"/>
+                    </a:solidFill>
+                  </a:tcPr>
+                </a:tc>
+                <a:extLst>
+                  <a:ext uri="{0D108BD9-81ED-4DB2-BD59-A6C34878D82A}">
+                    <a16:rowId xmlns:a16="http://schemas.microsoft.com/office/drawing/2014/main" val="1930659369"/>
+                  </a:ext>
+                </a:extLst>
+              </a:tr>
+              <a:tr h="143849">
+                <a:tc>
+                  <a:txBody>
+                    <a:bodyPr/>
+                    <a:lstStyle/>
+                    <a:p>
+                      <a:pPr algn="ctr"/>
+                      <a:endParaRPr kumimoji="1" lang="en-US" altLang="ja-JP" sz="900" dirty="0">
+                        <a:latin typeface="Cambria Math" panose="02040503050406030204" pitchFamily="18" charset="0"/>
+                      </a:endParaRPr>
+                    </a:p>
+                    <a:p>
+                      <a:pPr algn="ctr"/>
+                      <a:r>
+                        <a:rPr kumimoji="1" lang="en-US" altLang="ja-JP" sz="900" dirty="0">
+                          <a:latin typeface="Cambria Math" panose="02040503050406030204" pitchFamily="18" charset="0"/>
+                        </a:rPr>
+                        <a:t>Payload2:B</a:t>
+                      </a:r>
+                      <a:endParaRPr kumimoji="1" lang="ja-JP" altLang="en-US" sz="900" dirty="0">
+                        <a:latin typeface="Cambria Math" panose="02040503050406030204" pitchFamily="18" charset="0"/>
+                      </a:endParaRPr>
+                    </a:p>
+                  </a:txBody>
+                  <a:tcPr marL="18226" marR="18226" marT="9113" marB="9113" anchor="ctr">
+                    <a:lnL w="12700" cap="flat" cmpd="sng" algn="ctr">
+                      <a:solidFill>
+                        <a:schemeClr val="tx1"/>
+                      </a:solidFill>
+                      <a:prstDash val="solid"/>
+                      <a:round/>
+                      <a:headEnd type="none" w="med" len="med"/>
+                      <a:tailEnd type="none" w="med" len="med"/>
+                    </a:lnL>
+                    <a:lnR w="12700" cap="flat" cmpd="sng" algn="ctr">
+                      <a:solidFill>
+                        <a:schemeClr val="tx1"/>
+                      </a:solidFill>
+                      <a:prstDash val="solid"/>
+                      <a:round/>
+                      <a:headEnd type="none" w="med" len="med"/>
+                      <a:tailEnd type="none" w="med" len="med"/>
+                    </a:lnR>
+                    <a:lnT w="9525" cap="flat" cmpd="sng" algn="ctr">
+                      <a:solidFill>
+                        <a:schemeClr val="tx1"/>
+                      </a:solidFill>
+                      <a:prstDash val="sysDot"/>
+                      <a:round/>
+                      <a:headEnd type="none" w="med" len="med"/>
+                      <a:tailEnd type="none" w="med" len="med"/>
+                    </a:lnT>
+                    <a:lnB w="12700" cap="flat" cmpd="sng" algn="ctr">
+                      <a:noFill/>
+                      <a:prstDash val="solid"/>
+                      <a:round/>
+                      <a:headEnd type="none" w="med" len="med"/>
+                      <a:tailEnd type="none" w="med" len="med"/>
+                    </a:lnB>
+                    <a:solidFill>
+                      <a:schemeClr val="bg1"/>
+                    </a:solidFill>
+                  </a:tcPr>
+                </a:tc>
+                <a:extLst>
+                  <a:ext uri="{0D108BD9-81ED-4DB2-BD59-A6C34878D82A}">
+                    <a16:rowId xmlns:a16="http://schemas.microsoft.com/office/drawing/2014/main" val="4212267831"/>
+                  </a:ext>
+                </a:extLst>
+              </a:tr>
+              <a:tr h="143849">
+                <a:tc>
+                  <a:txBody>
+                    <a:bodyPr/>
+                    <a:lstStyle/>
+                    <a:p>
+                      <a:pPr algn="ctr"/>
+                      <a:r>
+                        <a:rPr kumimoji="1" lang="en-US" altLang="ja-JP" sz="900" dirty="0">
+                          <a:latin typeface="Cambria Math" panose="02040503050406030204" pitchFamily="18" charset="0"/>
+                        </a:rPr>
+                        <a:t>Payload1:A</a:t>
+                      </a:r>
+                      <a:endParaRPr kumimoji="1" lang="ja-JP" altLang="en-US" sz="900" dirty="0">
+                        <a:latin typeface="Cambria Math" panose="02040503050406030204" pitchFamily="18" charset="0"/>
+                      </a:endParaRPr>
+                    </a:p>
+                  </a:txBody>
+                  <a:tcPr marL="18226" marR="18226" marT="9113" marB="9113" anchor="ctr">
+                    <a:lnL w="12700" cap="flat" cmpd="sng" algn="ctr">
+                      <a:solidFill>
+                        <a:schemeClr val="tx1"/>
+                      </a:solidFill>
+                      <a:prstDash val="solid"/>
+                      <a:round/>
+                      <a:headEnd type="none" w="med" len="med"/>
+                      <a:tailEnd type="none" w="med" len="med"/>
+                    </a:lnL>
+                    <a:lnR w="12700" cap="flat" cmpd="sng" algn="ctr">
+                      <a:solidFill>
+                        <a:schemeClr val="tx1"/>
+                      </a:solidFill>
+                      <a:prstDash val="solid"/>
+                      <a:round/>
+                      <a:headEnd type="none" w="med" len="med"/>
+                      <a:tailEnd type="none" w="med" len="med"/>
+                    </a:lnR>
+                    <a:lnT w="12700" cap="flat" cmpd="sng" algn="ctr">
+                      <a:noFill/>
+                      <a:prstDash val="solid"/>
+                      <a:round/>
+                      <a:headEnd type="none" w="med" len="med"/>
+                      <a:tailEnd type="none" w="med" len="med"/>
+                    </a:lnT>
+                    <a:lnB w="9525" cap="flat" cmpd="sng" algn="ctr">
+                      <a:solidFill>
+                        <a:schemeClr val="tx1"/>
+                      </a:solidFill>
+                      <a:prstDash val="solid"/>
+                      <a:round/>
+                      <a:headEnd type="none" w="med" len="med"/>
+                      <a:tailEnd type="none" w="med" len="med"/>
+                    </a:lnB>
+                    <a:solidFill>
+                      <a:schemeClr val="bg1"/>
+                    </a:solidFill>
+                  </a:tcPr>
+                </a:tc>
+                <a:extLst>
+                  <a:ext uri="{0D108BD9-81ED-4DB2-BD59-A6C34878D82A}">
+                    <a16:rowId xmlns:a16="http://schemas.microsoft.com/office/drawing/2014/main" val="77431627"/>
+                  </a:ext>
+                </a:extLst>
+              </a:tr>
+            </a:tbl>
+          </a:graphicData>
+        </a:graphic>
+      </p:graphicFrame>
+      <p:cxnSp>
+        <p:nvCxnSpPr>
+          <p:cNvPr id="8" name="直線矢印コネクタ 7">
+            <a:extLst>
+              <a:ext uri="{FF2B5EF4-FFF2-40B4-BE49-F238E27FC236}">
+                <a16:creationId xmlns:a16="http://schemas.microsoft.com/office/drawing/2014/main" id="{68350B6E-9BCE-F3BB-E29E-2581AFA9B33A}"/>
+              </a:ext>
+            </a:extLst>
+          </p:cNvPr>
+          <p:cNvCxnSpPr>
+            <a:cxnSpLocks/>
+          </p:cNvCxnSpPr>
+          <p:nvPr/>
+        </p:nvCxnSpPr>
+        <p:spPr>
+          <a:xfrm>
+            <a:off x="758655" y="1109205"/>
+            <a:ext cx="375274" cy="0"/>
+          </a:xfrm>
+          <a:prstGeom prst="straightConnector1">
+            <a:avLst/>
+          </a:prstGeom>
+          <a:ln w="12700">
+            <a:solidFill>
+              <a:schemeClr val="tx1"/>
+            </a:solidFill>
+            <a:tailEnd type="triangle"/>
+          </a:ln>
+        </p:spPr>
+        <p:style>
+          <a:lnRef idx="1">
+            <a:schemeClr val="accent2"/>
+          </a:lnRef>
+          <a:fillRef idx="0">
+            <a:schemeClr val="accent2"/>
+          </a:fillRef>
+          <a:effectRef idx="0">
+            <a:schemeClr val="accent2"/>
+          </a:effectRef>
+          <a:fontRef idx="minor">
+            <a:schemeClr val="tx1"/>
+          </a:fontRef>
+        </p:style>
+      </p:cxnSp>
+      <p:cxnSp>
+        <p:nvCxnSpPr>
+          <p:cNvPr id="9" name="直線矢印コネクタ 8">
+            <a:extLst>
+              <a:ext uri="{FF2B5EF4-FFF2-40B4-BE49-F238E27FC236}">
+                <a16:creationId xmlns:a16="http://schemas.microsoft.com/office/drawing/2014/main" id="{78A714D1-514F-3AA4-31B0-53595BBF53F3}"/>
+              </a:ext>
+            </a:extLst>
+          </p:cNvPr>
+          <p:cNvCxnSpPr>
+            <a:cxnSpLocks/>
+          </p:cNvCxnSpPr>
+          <p:nvPr/>
+        </p:nvCxnSpPr>
+        <p:spPr>
+          <a:xfrm>
+            <a:off x="1683518" y="1106559"/>
+            <a:ext cx="377504" cy="0"/>
+          </a:xfrm>
+          <a:prstGeom prst="straightConnector1">
+            <a:avLst/>
+          </a:prstGeom>
+          <a:ln w="12700">
+            <a:solidFill>
+              <a:schemeClr val="tx1"/>
+            </a:solidFill>
+            <a:tailEnd type="triangle"/>
+          </a:ln>
+        </p:spPr>
+        <p:style>
+          <a:lnRef idx="1">
+            <a:schemeClr val="accent2"/>
+          </a:lnRef>
+          <a:fillRef idx="0">
+            <a:schemeClr val="accent2"/>
+          </a:fillRef>
+          <a:effectRef idx="0">
+            <a:schemeClr val="accent2"/>
+          </a:effectRef>
+          <a:fontRef idx="minor">
+            <a:schemeClr val="tx1"/>
+          </a:fontRef>
+        </p:style>
+      </p:cxnSp>
+      <p:sp>
+        <p:nvSpPr>
+          <p:cNvPr id="10" name="テキスト ボックス 9">
+            <a:extLst>
+              <a:ext uri="{FF2B5EF4-FFF2-40B4-BE49-F238E27FC236}">
+                <a16:creationId xmlns:a16="http://schemas.microsoft.com/office/drawing/2014/main" id="{D0168828-EF85-BC02-2358-08CE4F24CC7D}"/>
+              </a:ext>
+            </a:extLst>
+          </p:cNvPr>
+          <p:cNvSpPr txBox="1"/>
+          <p:nvPr/>
+        </p:nvSpPr>
+        <p:spPr>
+          <a:xfrm>
+            <a:off x="304503" y="60013"/>
+            <a:ext cx="580730" cy="150811"/>
+          </a:xfrm>
+          <a:prstGeom prst="rect">
+            <a:avLst/>
+          </a:prstGeom>
+          <a:noFill/>
+        </p:spPr>
+        <p:txBody>
+          <a:bodyPr wrap="square" lIns="0" tIns="0" rIns="0" bIns="0" rtlCol="0">
+            <a:spAutoFit/>
+          </a:bodyPr>
+          <a:lstStyle/>
+          <a:p>
+            <a:pPr>
+              <a:lnSpc>
+                <a:spcPct val="120000"/>
+              </a:lnSpc>
+              <a:spcAft>
+                <a:spcPts val="1200"/>
+              </a:spcAft>
+              <a:buClr>
+                <a:schemeClr val="accent6">
+                  <a:lumMod val="50000"/>
+                </a:schemeClr>
+              </a:buClr>
+              <a:buSzPct val="100000"/>
+            </a:pPr>
+            <a:r>
+              <a:rPr lang="en-US" altLang="ja-JP" sz="900" dirty="0"/>
+              <a:t>Layer 0</a:t>
+            </a:r>
+            <a:endParaRPr lang="ja-JP" altLang="en-US" sz="900" dirty="0"/>
+          </a:p>
+        </p:txBody>
+      </p:sp>
+      <p:sp>
+        <p:nvSpPr>
+          <p:cNvPr id="11" name="テキスト ボックス 10">
+            <a:extLst>
+              <a:ext uri="{FF2B5EF4-FFF2-40B4-BE49-F238E27FC236}">
+                <a16:creationId xmlns:a16="http://schemas.microsoft.com/office/drawing/2014/main" id="{73AF5764-5AD4-B0D3-CECC-A2A907792621}"/>
+              </a:ext>
+            </a:extLst>
+          </p:cNvPr>
+          <p:cNvSpPr txBox="1"/>
+          <p:nvPr/>
+        </p:nvSpPr>
+        <p:spPr>
+          <a:xfrm>
+            <a:off x="1277186" y="59443"/>
+            <a:ext cx="580730" cy="150811"/>
+          </a:xfrm>
+          <a:prstGeom prst="rect">
+            <a:avLst/>
+          </a:prstGeom>
+          <a:noFill/>
+        </p:spPr>
+        <p:txBody>
+          <a:bodyPr wrap="square" lIns="0" tIns="0" rIns="0" bIns="0" rtlCol="0">
+            <a:spAutoFit/>
+          </a:bodyPr>
+          <a:lstStyle/>
+          <a:p>
+            <a:pPr>
+              <a:lnSpc>
+                <a:spcPct val="120000"/>
+              </a:lnSpc>
+              <a:spcAft>
+                <a:spcPts val="1200"/>
+              </a:spcAft>
+              <a:buClr>
+                <a:schemeClr val="accent6">
+                  <a:lumMod val="50000"/>
+                </a:schemeClr>
+              </a:buClr>
+              <a:buSzPct val="100000"/>
+            </a:pPr>
+            <a:r>
+              <a:rPr lang="en-US" altLang="ja-JP" sz="900" dirty="0"/>
+              <a:t>Layer 1</a:t>
+            </a:r>
+            <a:endParaRPr lang="ja-JP" altLang="en-US" sz="900" dirty="0"/>
+          </a:p>
+        </p:txBody>
+      </p:sp>
+      <p:sp>
+        <p:nvSpPr>
+          <p:cNvPr id="12" name="テキスト ボックス 11">
+            <a:extLst>
+              <a:ext uri="{FF2B5EF4-FFF2-40B4-BE49-F238E27FC236}">
+                <a16:creationId xmlns:a16="http://schemas.microsoft.com/office/drawing/2014/main" id="{2FAED9AB-2979-9200-45E9-B6757735DBAD}"/>
+              </a:ext>
+            </a:extLst>
+          </p:cNvPr>
+          <p:cNvSpPr txBox="1"/>
+          <p:nvPr/>
+        </p:nvSpPr>
+        <p:spPr>
+          <a:xfrm>
+            <a:off x="2200230" y="59442"/>
+            <a:ext cx="580730" cy="150811"/>
+          </a:xfrm>
+          <a:prstGeom prst="rect">
+            <a:avLst/>
+          </a:prstGeom>
+          <a:noFill/>
+        </p:spPr>
+        <p:txBody>
+          <a:bodyPr wrap="square" lIns="0" tIns="0" rIns="0" bIns="0" rtlCol="0">
+            <a:spAutoFit/>
+          </a:bodyPr>
+          <a:lstStyle/>
+          <a:p>
+            <a:pPr>
+              <a:lnSpc>
+                <a:spcPct val="120000"/>
+              </a:lnSpc>
+              <a:spcAft>
+                <a:spcPts val="1200"/>
+              </a:spcAft>
+              <a:buClr>
+                <a:schemeClr val="accent6">
+                  <a:lumMod val="50000"/>
+                </a:schemeClr>
+              </a:buClr>
+              <a:buSzPct val="100000"/>
+            </a:pPr>
+            <a:r>
+              <a:rPr lang="en-US" altLang="ja-JP" sz="900" dirty="0"/>
+              <a:t>Layer 2</a:t>
+            </a:r>
+            <a:endParaRPr lang="ja-JP" altLang="en-US" sz="900" dirty="0"/>
           </a:p>
         </p:txBody>
       </p:sp>

--- a/src/figures/mass_memory.pptx
+++ b/src/figures/mass_memory.pptx
@@ -197,7 +197,7 @@
           <a:p>
             <a:fld id="{C1C90ABE-C08A-444A-9B97-50985CA7357E}" type="datetimeFigureOut">
               <a:rPr kumimoji="1" lang="ja-JP" altLang="en-US" smtClean="0"/>
-              <a:t>2024/7/29</a:t>
+              <a:t>2024/8/2</a:t>
             </a:fld>
             <a:endParaRPr kumimoji="1" lang="ja-JP" altLang="en-US"/>
           </a:p>
@@ -5582,14 +5582,14 @@
           <p:nvPr>
             <p:extLst>
               <p:ext uri="{D42A27DB-BD31-4B8C-83A1-F6EECF244321}">
-                <p14:modId xmlns:p14="http://schemas.microsoft.com/office/powerpoint/2010/main" val="4136522293"/>
+                <p14:modId xmlns:p14="http://schemas.microsoft.com/office/powerpoint/2010/main" val="317632465"/>
               </p:ext>
             </p:extLst>
           </p:nvPr>
         </p:nvGraphicFramePr>
         <p:xfrm>
           <a:off x="172659" y="277860"/>
-          <a:ext cx="633053" cy="914090"/>
+          <a:ext cx="633053" cy="877638"/>
         </p:xfrm>
         <a:graphic>
           <a:graphicData uri="http://schemas.openxmlformats.org/drawingml/2006/table">
@@ -5696,6 +5696,31 @@
                         </a:rPr>
                         <a:t>“www.jpn.”</a:t>
                       </a:r>
+                    </a:p>
+                    <a:p>
+                      <a:pPr marL="0" marR="0" lvl="0" indent="0" algn="ctr" defTabSz="177649" rtl="0" eaLnBrk="1" fontAlgn="auto" latinLnBrk="0" hangingPunct="1">
+                        <a:lnSpc>
+                          <a:spcPct val="100000"/>
+                        </a:lnSpc>
+                        <a:spcBef>
+                          <a:spcPts val="0"/>
+                        </a:spcBef>
+                        <a:spcAft>
+                          <a:spcPts val="0"/>
+                        </a:spcAft>
+                        <a:buClrTx/>
+                        <a:buSzTx/>
+                        <a:buFontTx/>
+                        <a:buNone/>
+                        <a:tabLst/>
+                        <a:defRPr/>
+                      </a:pPr>
+                      <a:r>
+                        <a:rPr kumimoji="1" lang="en-US" altLang="ja-JP" sz="900" dirty="0">
+                          <a:latin typeface="Cambria Math" panose="02040503050406030204" pitchFamily="18" charset="0"/>
+                        </a:rPr>
+                        <a:t>Link1</a:t>
+                      </a:r>
                       <a:endParaRPr kumimoji="1" lang="ja-JP" altLang="en-US" sz="900" dirty="0">
                         <a:latin typeface="Cambria Math" panose="02040503050406030204" pitchFamily="18" charset="0"/>
                       </a:endParaRPr>
@@ -5750,13 +5775,18 @@
                       <a:r>
                         <a:rPr kumimoji="1" lang="en-US" altLang="ja-JP" sz="900" dirty="0">
                           <a:latin typeface="Cambria Math" panose="02040503050406030204" pitchFamily="18" charset="0"/>
-                          <a:ea typeface="Cambria Math" panose="02040503050406030204" pitchFamily="18" charset="0"/>
                         </a:rPr>
-                        <a:t>...</a:t>
+                        <a:t>Key2:</a:t>
                       </a:r>
-                      <a:endParaRPr kumimoji="1" lang="ja-JP" altLang="en-US" sz="900" dirty="0">
-                        <a:latin typeface="Cambria Math" panose="02040503050406030204" pitchFamily="18" charset="0"/>
-                      </a:endParaRPr>
+                    </a:p>
+                    <a:p>
+                      <a:pPr algn="ctr"/>
+                      <a:r>
+                        <a:rPr kumimoji="1" lang="en-US" altLang="ja-JP" sz="900" dirty="0">
+                          <a:latin typeface="Cambria Math" panose="02040503050406030204" pitchFamily="18" charset="0"/>
+                        </a:rPr>
+                        <a:t>…</a:t>
+                      </a:r>
                     </a:p>
                   </a:txBody>
                   <a:tcPr marL="18226" marR="18226" marT="9113" marB="9113" anchor="ctr">
@@ -5778,135 +5808,7 @@
                       <a:headEnd type="none" w="med" len="med"/>
                       <a:tailEnd type="none" w="med" len="med"/>
                     </a:lnR>
-                    <a:lnB w="9525" cap="flat" cmpd="sng" algn="ctr">
-                      <a:solidFill>
-                        <a:schemeClr val="tx1"/>
-                      </a:solidFill>
-                      <a:prstDash val="sysDot"/>
-                      <a:round/>
-                      <a:headEnd type="none" w="med" len="med"/>
-                      <a:tailEnd type="none" w="med" len="med"/>
-                    </a:lnB>
-                    <a:solidFill>
-                      <a:schemeClr val="bg1"/>
-                    </a:solidFill>
-                  </a:tcPr>
-                </a:tc>
-                <a:extLst>
-                  <a:ext uri="{0D108BD9-81ED-4DB2-BD59-A6C34878D82A}">
-                    <a16:rowId xmlns:a16="http://schemas.microsoft.com/office/drawing/2014/main" val="1930659369"/>
-                  </a:ext>
-                </a:extLst>
-              </a:tr>
-              <a:tr h="150873">
-                <a:tc>
-                  <a:txBody>
-                    <a:bodyPr/>
-                    <a:lstStyle/>
-                    <a:p>
-                      <a:pPr algn="ctr"/>
-                      <a:r>
-                        <a:rPr kumimoji="1" lang="en-US" altLang="ja-JP" sz="900" dirty="0">
-                          <a:latin typeface="Cambria Math" panose="02040503050406030204" pitchFamily="18" charset="0"/>
-                        </a:rPr>
-                        <a:t>...</a:t>
-                      </a:r>
-                      <a:endParaRPr kumimoji="1" lang="ja-JP" altLang="en-US" sz="900" dirty="0">
-                        <a:latin typeface="Cambria Math" panose="02040503050406030204" pitchFamily="18" charset="0"/>
-                      </a:endParaRPr>
-                    </a:p>
-                  </a:txBody>
-                  <a:tcPr marL="18226" marR="18226" marT="9113" marB="9113" anchor="ctr">
-                    <a:lnL w="12700" cap="flat" cmpd="sng" algn="ctr">
-                      <a:solidFill>
-                        <a:schemeClr val="tx1"/>
-                      </a:solidFill>
-                      <a:prstDash val="solid"/>
-                      <a:round/>
-                      <a:headEnd type="none" w="med" len="med"/>
-                      <a:tailEnd type="none" w="med" len="med"/>
-                    </a:lnL>
-                    <a:lnR w="12700" cap="flat" cmpd="sng" algn="ctr">
-                      <a:solidFill>
-                        <a:schemeClr val="tx1"/>
-                      </a:solidFill>
-                      <a:prstDash val="solid"/>
-                      <a:round/>
-                      <a:headEnd type="none" w="med" len="med"/>
-                      <a:tailEnd type="none" w="med" len="med"/>
-                    </a:lnR>
-                    <a:lnT w="9525" cap="flat" cmpd="sng" algn="ctr">
-                      <a:solidFill>
-                        <a:schemeClr val="tx1"/>
-                      </a:solidFill>
-                      <a:prstDash val="sysDot"/>
-                      <a:round/>
-                      <a:headEnd type="none" w="med" len="med"/>
-                      <a:tailEnd type="none" w="med" len="med"/>
-                    </a:lnT>
                     <a:lnB w="12700" cap="flat" cmpd="sng" algn="ctr">
-                      <a:noFill/>
-                      <a:prstDash val="solid"/>
-                      <a:round/>
-                      <a:headEnd type="none" w="med" len="med"/>
-                      <a:tailEnd type="none" w="med" len="med"/>
-                    </a:lnB>
-                    <a:solidFill>
-                      <a:schemeClr val="bg1"/>
-                    </a:solidFill>
-                  </a:tcPr>
-                </a:tc>
-                <a:extLst>
-                  <a:ext uri="{0D108BD9-81ED-4DB2-BD59-A6C34878D82A}">
-                    <a16:rowId xmlns:a16="http://schemas.microsoft.com/office/drawing/2014/main" val="4212267831"/>
-                  </a:ext>
-                </a:extLst>
-              </a:tr>
-              <a:tr h="150873">
-                <a:tc>
-                  <a:txBody>
-                    <a:bodyPr/>
-                    <a:lstStyle/>
-                    <a:p>
-                      <a:pPr algn="ctr"/>
-                      <a:r>
-                        <a:rPr kumimoji="1" lang="en-US" altLang="ja-JP" sz="900" dirty="0">
-                          <a:latin typeface="Cambria Math" panose="02040503050406030204" pitchFamily="18" charset="0"/>
-                        </a:rPr>
-                        <a:t>Link1</a:t>
-                      </a:r>
-                      <a:endParaRPr kumimoji="1" lang="ja-JP" altLang="en-US" sz="900" dirty="0">
-                        <a:latin typeface="Cambria Math" panose="02040503050406030204" pitchFamily="18" charset="0"/>
-                      </a:endParaRPr>
-                    </a:p>
-                  </a:txBody>
-                  <a:tcPr marL="18226" marR="18226" marT="9113" marB="9113" anchor="ctr">
-                    <a:lnL w="12700" cap="flat" cmpd="sng" algn="ctr">
-                      <a:solidFill>
-                        <a:schemeClr val="tx1"/>
-                      </a:solidFill>
-                      <a:prstDash val="solid"/>
-                      <a:round/>
-                      <a:headEnd type="none" w="med" len="med"/>
-                      <a:tailEnd type="none" w="med" len="med"/>
-                    </a:lnL>
-                    <a:lnR w="12700" cap="flat" cmpd="sng" algn="ctr">
-                      <a:solidFill>
-                        <a:schemeClr val="tx1"/>
-                      </a:solidFill>
-                      <a:prstDash val="solid"/>
-                      <a:round/>
-                      <a:headEnd type="none" w="med" len="med"/>
-                      <a:tailEnd type="none" w="med" len="med"/>
-                    </a:lnR>
-                    <a:lnT w="12700" cap="flat" cmpd="sng" algn="ctr">
-                      <a:noFill/>
-                      <a:prstDash val="solid"/>
-                      <a:round/>
-                      <a:headEnd type="none" w="med" len="med"/>
-                      <a:tailEnd type="none" w="med" len="med"/>
-                    </a:lnT>
-                    <a:lnB w="9525" cap="flat" cmpd="sng" algn="ctr">
                       <a:solidFill>
                         <a:schemeClr val="tx1"/>
                       </a:solidFill>
@@ -5922,7 +5824,7 @@
                 </a:tc>
                 <a:extLst>
                   <a:ext uri="{0D108BD9-81ED-4DB2-BD59-A6C34878D82A}">
-                    <a16:rowId xmlns:a16="http://schemas.microsoft.com/office/drawing/2014/main" val="77431627"/>
+                    <a16:rowId xmlns:a16="http://schemas.microsoft.com/office/drawing/2014/main" val="1930659369"/>
                   </a:ext>
                 </a:extLst>
               </a:tr>
@@ -5945,14 +5847,14 @@
           <p:nvPr>
             <p:extLst>
               <p:ext uri="{D42A27DB-BD31-4B8C-83A1-F6EECF244321}">
-                <p14:modId xmlns:p14="http://schemas.microsoft.com/office/powerpoint/2010/main" val="585049613"/>
+                <p14:modId xmlns:p14="http://schemas.microsoft.com/office/powerpoint/2010/main" val="2458703972"/>
               </p:ext>
             </p:extLst>
           </p:nvPr>
         </p:nvGraphicFramePr>
         <p:xfrm>
           <a:off x="1139567" y="277859"/>
-          <a:ext cx="633054" cy="914090"/>
+          <a:ext cx="633054" cy="740478"/>
         </p:xfrm>
         <a:graphic>
           <a:graphicData uri="http://schemas.openxmlformats.org/drawingml/2006/table">
@@ -6106,7 +6008,48 @@
                     <a:bodyPr/>
                     <a:lstStyle/>
                     <a:p>
-                      <a:pPr algn="ctr"/>
+                      <a:pPr marL="0" marR="0" lvl="0" indent="0" algn="ctr" defTabSz="177649" rtl="0" eaLnBrk="1" fontAlgn="auto" latinLnBrk="0" hangingPunct="1">
+                        <a:lnSpc>
+                          <a:spcPct val="100000"/>
+                        </a:lnSpc>
+                        <a:spcBef>
+                          <a:spcPts val="0"/>
+                        </a:spcBef>
+                        <a:spcAft>
+                          <a:spcPts val="0"/>
+                        </a:spcAft>
+                        <a:buClrTx/>
+                        <a:buSzTx/>
+                        <a:buFontTx/>
+                        <a:buNone/>
+                        <a:tabLst/>
+                        <a:defRPr/>
+                      </a:pPr>
+                      <a:r>
+                        <a:rPr kumimoji="1" lang="en-US" altLang="ja-JP" sz="900" dirty="0">
+                          <a:latin typeface="Cambria Math" panose="02040503050406030204" pitchFamily="18" charset="0"/>
+                        </a:rPr>
+                        <a:t>Link1</a:t>
+                      </a:r>
+                    </a:p>
+                    <a:p>
+                      <a:pPr marL="0" marR="0" lvl="0" indent="0" algn="ctr" defTabSz="177649" rtl="0" eaLnBrk="1" fontAlgn="auto" latinLnBrk="0" hangingPunct="1">
+                        <a:lnSpc>
+                          <a:spcPct val="100000"/>
+                        </a:lnSpc>
+                        <a:spcBef>
+                          <a:spcPts val="0"/>
+                        </a:spcBef>
+                        <a:spcAft>
+                          <a:spcPts val="0"/>
+                        </a:spcAft>
+                        <a:buClrTx/>
+                        <a:buSzTx/>
+                        <a:buFontTx/>
+                        <a:buNone/>
+                        <a:tabLst/>
+                        <a:defRPr/>
+                      </a:pPr>
                       <a:endParaRPr kumimoji="1" lang="ja-JP" altLang="en-US" sz="900" dirty="0">
                         <a:latin typeface="Cambria Math" panose="02040503050406030204" pitchFamily="18" charset="0"/>
                       </a:endParaRPr>
@@ -6131,129 +6074,7 @@
                       <a:headEnd type="none" w="med" len="med"/>
                       <a:tailEnd type="none" w="med" len="med"/>
                     </a:lnR>
-                    <a:lnB w="9525" cap="flat" cmpd="sng" algn="ctr">
-                      <a:solidFill>
-                        <a:schemeClr val="tx1"/>
-                      </a:solidFill>
-                      <a:prstDash val="sysDot"/>
-                      <a:round/>
-                      <a:headEnd type="none" w="med" len="med"/>
-                      <a:tailEnd type="none" w="med" len="med"/>
-                    </a:lnB>
-                    <a:solidFill>
-                      <a:schemeClr val="bg1"/>
-                    </a:solidFill>
-                  </a:tcPr>
-                </a:tc>
-                <a:extLst>
-                  <a:ext uri="{0D108BD9-81ED-4DB2-BD59-A6C34878D82A}">
-                    <a16:rowId xmlns:a16="http://schemas.microsoft.com/office/drawing/2014/main" val="1930659369"/>
-                  </a:ext>
-                </a:extLst>
-              </a:tr>
-              <a:tr h="143849">
-                <a:tc>
-                  <a:txBody>
-                    <a:bodyPr/>
-                    <a:lstStyle/>
-                    <a:p>
-                      <a:pPr algn="ctr"/>
-                      <a:endParaRPr kumimoji="1" lang="ja-JP" altLang="en-US" sz="900" dirty="0">
-                        <a:latin typeface="Cambria Math" panose="02040503050406030204" pitchFamily="18" charset="0"/>
-                      </a:endParaRPr>
-                    </a:p>
-                  </a:txBody>
-                  <a:tcPr marL="18226" marR="18226" marT="9113" marB="9113" anchor="ctr">
-                    <a:lnL w="12700" cap="flat" cmpd="sng" algn="ctr">
-                      <a:solidFill>
-                        <a:schemeClr val="tx1"/>
-                      </a:solidFill>
-                      <a:prstDash val="solid"/>
-                      <a:round/>
-                      <a:headEnd type="none" w="med" len="med"/>
-                      <a:tailEnd type="none" w="med" len="med"/>
-                    </a:lnL>
-                    <a:lnR w="12700" cap="flat" cmpd="sng" algn="ctr">
-                      <a:solidFill>
-                        <a:schemeClr val="tx1"/>
-                      </a:solidFill>
-                      <a:prstDash val="solid"/>
-                      <a:round/>
-                      <a:headEnd type="none" w="med" len="med"/>
-                      <a:tailEnd type="none" w="med" len="med"/>
-                    </a:lnR>
-                    <a:lnT w="9525" cap="flat" cmpd="sng" algn="ctr">
-                      <a:solidFill>
-                        <a:schemeClr val="tx1"/>
-                      </a:solidFill>
-                      <a:prstDash val="sysDot"/>
-                      <a:round/>
-                      <a:headEnd type="none" w="med" len="med"/>
-                      <a:tailEnd type="none" w="med" len="med"/>
-                    </a:lnT>
                     <a:lnB w="12700" cap="flat" cmpd="sng" algn="ctr">
-                      <a:noFill/>
-                      <a:prstDash val="solid"/>
-                      <a:round/>
-                      <a:headEnd type="none" w="med" len="med"/>
-                      <a:tailEnd type="none" w="med" len="med"/>
-                    </a:lnB>
-                    <a:solidFill>
-                      <a:schemeClr val="bg1"/>
-                    </a:solidFill>
-                  </a:tcPr>
-                </a:tc>
-                <a:extLst>
-                  <a:ext uri="{0D108BD9-81ED-4DB2-BD59-A6C34878D82A}">
-                    <a16:rowId xmlns:a16="http://schemas.microsoft.com/office/drawing/2014/main" val="4212267831"/>
-                  </a:ext>
-                </a:extLst>
-              </a:tr>
-              <a:tr h="143849">
-                <a:tc>
-                  <a:txBody>
-                    <a:bodyPr/>
-                    <a:lstStyle/>
-                    <a:p>
-                      <a:pPr algn="ctr"/>
-                      <a:r>
-                        <a:rPr kumimoji="1" lang="en-US" altLang="ja-JP" sz="900" dirty="0">
-                          <a:latin typeface="Cambria Math" panose="02040503050406030204" pitchFamily="18" charset="0"/>
-                        </a:rPr>
-                        <a:t>Link1</a:t>
-                      </a:r>
-                      <a:endParaRPr kumimoji="1" lang="ja-JP" altLang="en-US" sz="900" dirty="0">
-                        <a:latin typeface="Cambria Math" panose="02040503050406030204" pitchFamily="18" charset="0"/>
-                      </a:endParaRPr>
-                    </a:p>
-                  </a:txBody>
-                  <a:tcPr marL="18226" marR="18226" marT="9113" marB="9113" anchor="ctr">
-                    <a:lnL w="12700" cap="flat" cmpd="sng" algn="ctr">
-                      <a:solidFill>
-                        <a:schemeClr val="tx1"/>
-                      </a:solidFill>
-                      <a:prstDash val="solid"/>
-                      <a:round/>
-                      <a:headEnd type="none" w="med" len="med"/>
-                      <a:tailEnd type="none" w="med" len="med"/>
-                    </a:lnL>
-                    <a:lnR w="12700" cap="flat" cmpd="sng" algn="ctr">
-                      <a:solidFill>
-                        <a:schemeClr val="tx1"/>
-                      </a:solidFill>
-                      <a:prstDash val="solid"/>
-                      <a:round/>
-                      <a:headEnd type="none" w="med" len="med"/>
-                      <a:tailEnd type="none" w="med" len="med"/>
-                    </a:lnR>
-                    <a:lnT w="12700" cap="flat" cmpd="sng" algn="ctr">
-                      <a:noFill/>
-                      <a:prstDash val="solid"/>
-                      <a:round/>
-                      <a:headEnd type="none" w="med" len="med"/>
-                      <a:tailEnd type="none" w="med" len="med"/>
-                    </a:lnT>
-                    <a:lnB w="9525" cap="flat" cmpd="sng" algn="ctr">
                       <a:solidFill>
                         <a:schemeClr val="tx1"/>
                       </a:solidFill>
@@ -6269,7 +6090,7 @@
                 </a:tc>
                 <a:extLst>
                   <a:ext uri="{0D108BD9-81ED-4DB2-BD59-A6C34878D82A}">
-                    <a16:rowId xmlns:a16="http://schemas.microsoft.com/office/drawing/2014/main" val="77431627"/>
+                    <a16:rowId xmlns:a16="http://schemas.microsoft.com/office/drawing/2014/main" val="1930659369"/>
                   </a:ext>
                 </a:extLst>
               </a:tr>
@@ -6292,14 +6113,14 @@
           <p:nvPr>
             <p:extLst>
               <p:ext uri="{D42A27DB-BD31-4B8C-83A1-F6EECF244321}">
-                <p14:modId xmlns:p14="http://schemas.microsoft.com/office/powerpoint/2010/main" val="3416825018"/>
+                <p14:modId xmlns:p14="http://schemas.microsoft.com/office/powerpoint/2010/main" val="186136043"/>
               </p:ext>
             </p:extLst>
           </p:nvPr>
         </p:nvGraphicFramePr>
         <p:xfrm>
           <a:off x="2061025" y="277859"/>
-          <a:ext cx="662373" cy="1051250"/>
+          <a:ext cx="662373" cy="895864"/>
         </p:xfrm>
         <a:graphic>
           <a:graphicData uri="http://schemas.openxmlformats.org/drawingml/2006/table">
@@ -6398,6 +6219,35 @@
                       </a:r>
                     </a:p>
                     <a:p>
+                      <a:pPr marL="0" marR="0" lvl="0" indent="0" algn="ctr" defTabSz="177649" rtl="0" eaLnBrk="1" fontAlgn="auto" latinLnBrk="0" hangingPunct="1">
+                        <a:lnSpc>
+                          <a:spcPct val="100000"/>
+                        </a:lnSpc>
+                        <a:spcBef>
+                          <a:spcPts val="0"/>
+                        </a:spcBef>
+                        <a:spcAft>
+                          <a:spcPts val="0"/>
+                        </a:spcAft>
+                        <a:buClrTx/>
+                        <a:buSzTx/>
+                        <a:buFontTx/>
+                        <a:buNone/>
+                        <a:tabLst/>
+                        <a:defRPr/>
+                      </a:pPr>
+                      <a:r>
+                        <a:rPr kumimoji="1" lang="en-US" altLang="ja-JP" sz="900" dirty="0">
+                          <a:latin typeface="Cambria Math" panose="02040503050406030204" pitchFamily="18" charset="0"/>
+                        </a:rPr>
+                        <a:t>Payload1:A</a:t>
+                      </a:r>
+                      <a:endParaRPr kumimoji="1" lang="en-US" altLang="ja-JP" sz="900" dirty="0">
+                        <a:latin typeface="Cambria Math" panose="02040503050406030204" pitchFamily="18" charset="0"/>
+                        <a:ea typeface="Cambria Math" panose="02040503050406030204" pitchFamily="18" charset="0"/>
+                      </a:endParaRPr>
+                    </a:p>
+                    <a:p>
                       <a:pPr algn="ctr"/>
                       <a:r>
                         <a:rPr kumimoji="1" lang="en-US" altLang="ja-JP" sz="900" dirty="0">
@@ -6453,64 +6303,23 @@
                     <a:bodyPr/>
                     <a:lstStyle/>
                     <a:p>
-                      <a:pPr algn="ctr"/>
-                      <a:endParaRPr kumimoji="1" lang="ja-JP" altLang="en-US" sz="900" dirty="0">
-                        <a:latin typeface="Cambria Math" panose="02040503050406030204" pitchFamily="18" charset="0"/>
-                      </a:endParaRPr>
-                    </a:p>
-                  </a:txBody>
-                  <a:tcPr marL="18226" marR="18226" marT="9113" marB="9113" anchor="ctr">
-                    <a:lnL w="12700" cap="flat" cmpd="sng" algn="ctr">
-                      <a:solidFill>
-                        <a:schemeClr val="tx1"/>
-                      </a:solidFill>
-                      <a:prstDash val="solid"/>
-                      <a:round/>
-                      <a:headEnd type="none" w="med" len="med"/>
-                      <a:tailEnd type="none" w="med" len="med"/>
-                    </a:lnL>
-                    <a:lnR w="12700" cap="flat" cmpd="sng" algn="ctr">
-                      <a:solidFill>
-                        <a:schemeClr val="tx1"/>
-                      </a:solidFill>
-                      <a:prstDash val="solid"/>
-                      <a:round/>
-                      <a:headEnd type="none" w="med" len="med"/>
-                      <a:tailEnd type="none" w="med" len="med"/>
-                    </a:lnR>
-                    <a:lnB w="9525" cap="flat" cmpd="sng" algn="ctr">
-                      <a:solidFill>
-                        <a:schemeClr val="tx1"/>
-                      </a:solidFill>
-                      <a:prstDash val="sysDot"/>
-                      <a:round/>
-                      <a:headEnd type="none" w="med" len="med"/>
-                      <a:tailEnd type="none" w="med" len="med"/>
-                    </a:lnB>
-                    <a:solidFill>
-                      <a:schemeClr val="bg1"/>
-                    </a:solidFill>
-                  </a:tcPr>
-                </a:tc>
-                <a:extLst>
-                  <a:ext uri="{0D108BD9-81ED-4DB2-BD59-A6C34878D82A}">
-                    <a16:rowId xmlns:a16="http://schemas.microsoft.com/office/drawing/2014/main" val="1930659369"/>
-                  </a:ext>
-                </a:extLst>
-              </a:tr>
-              <a:tr h="143849">
-                <a:tc>
-                  <a:txBody>
-                    <a:bodyPr/>
-                    <a:lstStyle/>
-                    <a:p>
-                      <a:pPr algn="ctr"/>
-                      <a:endParaRPr kumimoji="1" lang="en-US" altLang="ja-JP" sz="900" dirty="0">
-                        <a:latin typeface="Cambria Math" panose="02040503050406030204" pitchFamily="18" charset="0"/>
-                      </a:endParaRPr>
-                    </a:p>
-                    <a:p>
-                      <a:pPr algn="ctr"/>
+                      <a:pPr marL="0" marR="0" lvl="0" indent="0" algn="ctr" defTabSz="177649" rtl="0" eaLnBrk="1" fontAlgn="auto" latinLnBrk="0" hangingPunct="1">
+                        <a:lnSpc>
+                          <a:spcPct val="100000"/>
+                        </a:lnSpc>
+                        <a:spcBef>
+                          <a:spcPts val="0"/>
+                        </a:spcBef>
+                        <a:spcAft>
+                          <a:spcPts val="0"/>
+                        </a:spcAft>
+                        <a:buClrTx/>
+                        <a:buSzTx/>
+                        <a:buFontTx/>
+                        <a:buNone/>
+                        <a:tabLst/>
+                        <a:defRPr/>
+                      </a:pPr>
                       <a:r>
                         <a:rPr kumimoji="1" lang="en-US" altLang="ja-JP" sz="900" dirty="0">
                           <a:latin typeface="Cambria Math" panose="02040503050406030204" pitchFamily="18" charset="0"/>
@@ -6541,15 +6350,6 @@
                       <a:headEnd type="none" w="med" len="med"/>
                       <a:tailEnd type="none" w="med" len="med"/>
                     </a:lnR>
-                    <a:lnT w="9525" cap="flat" cmpd="sng" algn="ctr">
-                      <a:solidFill>
-                        <a:schemeClr val="tx1"/>
-                      </a:solidFill>
-                      <a:prstDash val="sysDot"/>
-                      <a:round/>
-                      <a:headEnd type="none" w="med" len="med"/>
-                      <a:tailEnd type="none" w="med" len="med"/>
-                    </a:lnT>
                     <a:lnB w="12700" cap="flat" cmpd="sng" algn="ctr">
                       <a:noFill/>
                       <a:prstDash val="solid"/>
@@ -6564,7 +6364,7 @@
                 </a:tc>
                 <a:extLst>
                   <a:ext uri="{0D108BD9-81ED-4DB2-BD59-A6C34878D82A}">
-                    <a16:rowId xmlns:a16="http://schemas.microsoft.com/office/drawing/2014/main" val="4212267831"/>
+                    <a16:rowId xmlns:a16="http://schemas.microsoft.com/office/drawing/2014/main" val="1930659369"/>
                   </a:ext>
                 </a:extLst>
               </a:tr>
@@ -6575,12 +6375,6 @@
                     <a:lstStyle/>
                     <a:p>
                       <a:pPr algn="ctr"/>
-                      <a:r>
-                        <a:rPr kumimoji="1" lang="en-US" altLang="ja-JP" sz="900" dirty="0">
-                          <a:latin typeface="Cambria Math" panose="02040503050406030204" pitchFamily="18" charset="0"/>
-                        </a:rPr>
-                        <a:t>Payload1:A</a:t>
-                      </a:r>
                       <a:endParaRPr kumimoji="1" lang="ja-JP" altLang="en-US" sz="900" dirty="0">
                         <a:latin typeface="Cambria Math" panose="02040503050406030204" pitchFamily="18" charset="0"/>
                       </a:endParaRPr>
@@ -6652,7 +6446,7 @@
         </p:nvCxnSpPr>
         <p:spPr>
           <a:xfrm>
-            <a:off x="758655" y="1109205"/>
+            <a:off x="764293" y="788363"/>
             <a:ext cx="375274" cy="0"/>
           </a:xfrm>
           <a:prstGeom prst="straightConnector1">
@@ -6696,7 +6490,7 @@
         </p:nvCxnSpPr>
         <p:spPr>
           <a:xfrm>
-            <a:off x="1683518" y="1106559"/>
+            <a:off x="1669164" y="802722"/>
             <a:ext cx="377504" cy="0"/>
           </a:xfrm>
           <a:prstGeom prst="straightConnector1">

--- a/src/figures/mass_memory.pptx
+++ b/src/figures/mass_memory.pptx
@@ -197,7 +197,7 @@
           <a:p>
             <a:fld id="{C1C90ABE-C08A-444A-9B97-50985CA7357E}" type="datetimeFigureOut">
               <a:rPr kumimoji="1" lang="ja-JP" altLang="en-US" smtClean="0"/>
-              <a:t>2024/8/2</a:t>
+              <a:t>2024/7/29</a:t>
             </a:fld>
             <a:endParaRPr kumimoji="1" lang="ja-JP" altLang="en-US"/>
           </a:p>
@@ -5582,14 +5582,14 @@
           <p:nvPr>
             <p:extLst>
               <p:ext uri="{D42A27DB-BD31-4B8C-83A1-F6EECF244321}">
-                <p14:modId xmlns:p14="http://schemas.microsoft.com/office/powerpoint/2010/main" val="317632465"/>
+                <p14:modId xmlns:p14="http://schemas.microsoft.com/office/powerpoint/2010/main" val="4136522293"/>
               </p:ext>
             </p:extLst>
           </p:nvPr>
         </p:nvGraphicFramePr>
         <p:xfrm>
           <a:off x="172659" y="277860"/>
-          <a:ext cx="633053" cy="877638"/>
+          <a:ext cx="633053" cy="914090"/>
         </p:xfrm>
         <a:graphic>
           <a:graphicData uri="http://schemas.openxmlformats.org/drawingml/2006/table">
@@ -5696,31 +5696,6 @@
                         </a:rPr>
                         <a:t>“www.jpn.”</a:t>
                       </a:r>
-                    </a:p>
-                    <a:p>
-                      <a:pPr marL="0" marR="0" lvl="0" indent="0" algn="ctr" defTabSz="177649" rtl="0" eaLnBrk="1" fontAlgn="auto" latinLnBrk="0" hangingPunct="1">
-                        <a:lnSpc>
-                          <a:spcPct val="100000"/>
-                        </a:lnSpc>
-                        <a:spcBef>
-                          <a:spcPts val="0"/>
-                        </a:spcBef>
-                        <a:spcAft>
-                          <a:spcPts val="0"/>
-                        </a:spcAft>
-                        <a:buClrTx/>
-                        <a:buSzTx/>
-                        <a:buFontTx/>
-                        <a:buNone/>
-                        <a:tabLst/>
-                        <a:defRPr/>
-                      </a:pPr>
-                      <a:r>
-                        <a:rPr kumimoji="1" lang="en-US" altLang="ja-JP" sz="900" dirty="0">
-                          <a:latin typeface="Cambria Math" panose="02040503050406030204" pitchFamily="18" charset="0"/>
-                        </a:rPr>
-                        <a:t>Link1</a:t>
-                      </a:r>
                       <a:endParaRPr kumimoji="1" lang="ja-JP" altLang="en-US" sz="900" dirty="0">
                         <a:latin typeface="Cambria Math" panose="02040503050406030204" pitchFamily="18" charset="0"/>
                       </a:endParaRPr>
@@ -5775,18 +5750,13 @@
                       <a:r>
                         <a:rPr kumimoji="1" lang="en-US" altLang="ja-JP" sz="900" dirty="0">
                           <a:latin typeface="Cambria Math" panose="02040503050406030204" pitchFamily="18" charset="0"/>
+                          <a:ea typeface="Cambria Math" panose="02040503050406030204" pitchFamily="18" charset="0"/>
                         </a:rPr>
-                        <a:t>Key2:</a:t>
+                        <a:t>...</a:t>
                       </a:r>
-                    </a:p>
-                    <a:p>
-                      <a:pPr algn="ctr"/>
-                      <a:r>
-                        <a:rPr kumimoji="1" lang="en-US" altLang="ja-JP" sz="900" dirty="0">
-                          <a:latin typeface="Cambria Math" panose="02040503050406030204" pitchFamily="18" charset="0"/>
-                        </a:rPr>
-                        <a:t>…</a:t>
-                      </a:r>
+                      <a:endParaRPr kumimoji="1" lang="ja-JP" altLang="en-US" sz="900" dirty="0">
+                        <a:latin typeface="Cambria Math" panose="02040503050406030204" pitchFamily="18" charset="0"/>
+                      </a:endParaRPr>
                     </a:p>
                   </a:txBody>
                   <a:tcPr marL="18226" marR="18226" marT="9113" marB="9113" anchor="ctr">
@@ -5808,7 +5778,135 @@
                       <a:headEnd type="none" w="med" len="med"/>
                       <a:tailEnd type="none" w="med" len="med"/>
                     </a:lnR>
+                    <a:lnB w="9525" cap="flat" cmpd="sng" algn="ctr">
+                      <a:solidFill>
+                        <a:schemeClr val="tx1"/>
+                      </a:solidFill>
+                      <a:prstDash val="sysDot"/>
+                      <a:round/>
+                      <a:headEnd type="none" w="med" len="med"/>
+                      <a:tailEnd type="none" w="med" len="med"/>
+                    </a:lnB>
+                    <a:solidFill>
+                      <a:schemeClr val="bg1"/>
+                    </a:solidFill>
+                  </a:tcPr>
+                </a:tc>
+                <a:extLst>
+                  <a:ext uri="{0D108BD9-81ED-4DB2-BD59-A6C34878D82A}">
+                    <a16:rowId xmlns:a16="http://schemas.microsoft.com/office/drawing/2014/main" val="1930659369"/>
+                  </a:ext>
+                </a:extLst>
+              </a:tr>
+              <a:tr h="150873">
+                <a:tc>
+                  <a:txBody>
+                    <a:bodyPr/>
+                    <a:lstStyle/>
+                    <a:p>
+                      <a:pPr algn="ctr"/>
+                      <a:r>
+                        <a:rPr kumimoji="1" lang="en-US" altLang="ja-JP" sz="900" dirty="0">
+                          <a:latin typeface="Cambria Math" panose="02040503050406030204" pitchFamily="18" charset="0"/>
+                        </a:rPr>
+                        <a:t>...</a:t>
+                      </a:r>
+                      <a:endParaRPr kumimoji="1" lang="ja-JP" altLang="en-US" sz="900" dirty="0">
+                        <a:latin typeface="Cambria Math" panose="02040503050406030204" pitchFamily="18" charset="0"/>
+                      </a:endParaRPr>
+                    </a:p>
+                  </a:txBody>
+                  <a:tcPr marL="18226" marR="18226" marT="9113" marB="9113" anchor="ctr">
+                    <a:lnL w="12700" cap="flat" cmpd="sng" algn="ctr">
+                      <a:solidFill>
+                        <a:schemeClr val="tx1"/>
+                      </a:solidFill>
+                      <a:prstDash val="solid"/>
+                      <a:round/>
+                      <a:headEnd type="none" w="med" len="med"/>
+                      <a:tailEnd type="none" w="med" len="med"/>
+                    </a:lnL>
+                    <a:lnR w="12700" cap="flat" cmpd="sng" algn="ctr">
+                      <a:solidFill>
+                        <a:schemeClr val="tx1"/>
+                      </a:solidFill>
+                      <a:prstDash val="solid"/>
+                      <a:round/>
+                      <a:headEnd type="none" w="med" len="med"/>
+                      <a:tailEnd type="none" w="med" len="med"/>
+                    </a:lnR>
+                    <a:lnT w="9525" cap="flat" cmpd="sng" algn="ctr">
+                      <a:solidFill>
+                        <a:schemeClr val="tx1"/>
+                      </a:solidFill>
+                      <a:prstDash val="sysDot"/>
+                      <a:round/>
+                      <a:headEnd type="none" w="med" len="med"/>
+                      <a:tailEnd type="none" w="med" len="med"/>
+                    </a:lnT>
                     <a:lnB w="12700" cap="flat" cmpd="sng" algn="ctr">
+                      <a:noFill/>
+                      <a:prstDash val="solid"/>
+                      <a:round/>
+                      <a:headEnd type="none" w="med" len="med"/>
+                      <a:tailEnd type="none" w="med" len="med"/>
+                    </a:lnB>
+                    <a:solidFill>
+                      <a:schemeClr val="bg1"/>
+                    </a:solidFill>
+                  </a:tcPr>
+                </a:tc>
+                <a:extLst>
+                  <a:ext uri="{0D108BD9-81ED-4DB2-BD59-A6C34878D82A}">
+                    <a16:rowId xmlns:a16="http://schemas.microsoft.com/office/drawing/2014/main" val="4212267831"/>
+                  </a:ext>
+                </a:extLst>
+              </a:tr>
+              <a:tr h="150873">
+                <a:tc>
+                  <a:txBody>
+                    <a:bodyPr/>
+                    <a:lstStyle/>
+                    <a:p>
+                      <a:pPr algn="ctr"/>
+                      <a:r>
+                        <a:rPr kumimoji="1" lang="en-US" altLang="ja-JP" sz="900" dirty="0">
+                          <a:latin typeface="Cambria Math" panose="02040503050406030204" pitchFamily="18" charset="0"/>
+                        </a:rPr>
+                        <a:t>Link1</a:t>
+                      </a:r>
+                      <a:endParaRPr kumimoji="1" lang="ja-JP" altLang="en-US" sz="900" dirty="0">
+                        <a:latin typeface="Cambria Math" panose="02040503050406030204" pitchFamily="18" charset="0"/>
+                      </a:endParaRPr>
+                    </a:p>
+                  </a:txBody>
+                  <a:tcPr marL="18226" marR="18226" marT="9113" marB="9113" anchor="ctr">
+                    <a:lnL w="12700" cap="flat" cmpd="sng" algn="ctr">
+                      <a:solidFill>
+                        <a:schemeClr val="tx1"/>
+                      </a:solidFill>
+                      <a:prstDash val="solid"/>
+                      <a:round/>
+                      <a:headEnd type="none" w="med" len="med"/>
+                      <a:tailEnd type="none" w="med" len="med"/>
+                    </a:lnL>
+                    <a:lnR w="12700" cap="flat" cmpd="sng" algn="ctr">
+                      <a:solidFill>
+                        <a:schemeClr val="tx1"/>
+                      </a:solidFill>
+                      <a:prstDash val="solid"/>
+                      <a:round/>
+                      <a:headEnd type="none" w="med" len="med"/>
+                      <a:tailEnd type="none" w="med" len="med"/>
+                    </a:lnR>
+                    <a:lnT w="12700" cap="flat" cmpd="sng" algn="ctr">
+                      <a:noFill/>
+                      <a:prstDash val="solid"/>
+                      <a:round/>
+                      <a:headEnd type="none" w="med" len="med"/>
+                      <a:tailEnd type="none" w="med" len="med"/>
+                    </a:lnT>
+                    <a:lnB w="9525" cap="flat" cmpd="sng" algn="ctr">
                       <a:solidFill>
                         <a:schemeClr val="tx1"/>
                       </a:solidFill>
@@ -5824,7 +5922,7 @@
                 </a:tc>
                 <a:extLst>
                   <a:ext uri="{0D108BD9-81ED-4DB2-BD59-A6C34878D82A}">
-                    <a16:rowId xmlns:a16="http://schemas.microsoft.com/office/drawing/2014/main" val="1930659369"/>
+                    <a16:rowId xmlns:a16="http://schemas.microsoft.com/office/drawing/2014/main" val="77431627"/>
                   </a:ext>
                 </a:extLst>
               </a:tr>
@@ -5847,14 +5945,14 @@
           <p:nvPr>
             <p:extLst>
               <p:ext uri="{D42A27DB-BD31-4B8C-83A1-F6EECF244321}">
-                <p14:modId xmlns:p14="http://schemas.microsoft.com/office/powerpoint/2010/main" val="2458703972"/>
+                <p14:modId xmlns:p14="http://schemas.microsoft.com/office/powerpoint/2010/main" val="585049613"/>
               </p:ext>
             </p:extLst>
           </p:nvPr>
         </p:nvGraphicFramePr>
         <p:xfrm>
           <a:off x="1139567" y="277859"/>
-          <a:ext cx="633054" cy="740478"/>
+          <a:ext cx="633054" cy="914090"/>
         </p:xfrm>
         <a:graphic>
           <a:graphicData uri="http://schemas.openxmlformats.org/drawingml/2006/table">
@@ -6008,48 +6106,7 @@
                     <a:bodyPr/>
                     <a:lstStyle/>
                     <a:p>
-                      <a:pPr marL="0" marR="0" lvl="0" indent="0" algn="ctr" defTabSz="177649" rtl="0" eaLnBrk="1" fontAlgn="auto" latinLnBrk="0" hangingPunct="1">
-                        <a:lnSpc>
-                          <a:spcPct val="100000"/>
-                        </a:lnSpc>
-                        <a:spcBef>
-                          <a:spcPts val="0"/>
-                        </a:spcBef>
-                        <a:spcAft>
-                          <a:spcPts val="0"/>
-                        </a:spcAft>
-                        <a:buClrTx/>
-                        <a:buSzTx/>
-                        <a:buFontTx/>
-                        <a:buNone/>
-                        <a:tabLst/>
-                        <a:defRPr/>
-                      </a:pPr>
-                      <a:r>
-                        <a:rPr kumimoji="1" lang="en-US" altLang="ja-JP" sz="900" dirty="0">
-                          <a:latin typeface="Cambria Math" panose="02040503050406030204" pitchFamily="18" charset="0"/>
-                        </a:rPr>
-                        <a:t>Link1</a:t>
-                      </a:r>
-                    </a:p>
-                    <a:p>
-                      <a:pPr marL="0" marR="0" lvl="0" indent="0" algn="ctr" defTabSz="177649" rtl="0" eaLnBrk="1" fontAlgn="auto" latinLnBrk="0" hangingPunct="1">
-                        <a:lnSpc>
-                          <a:spcPct val="100000"/>
-                        </a:lnSpc>
-                        <a:spcBef>
-                          <a:spcPts val="0"/>
-                        </a:spcBef>
-                        <a:spcAft>
-                          <a:spcPts val="0"/>
-                        </a:spcAft>
-                        <a:buClrTx/>
-                        <a:buSzTx/>
-                        <a:buFontTx/>
-                        <a:buNone/>
-                        <a:tabLst/>
-                        <a:defRPr/>
-                      </a:pPr>
+                      <a:pPr algn="ctr"/>
                       <a:endParaRPr kumimoji="1" lang="ja-JP" altLang="en-US" sz="900" dirty="0">
                         <a:latin typeface="Cambria Math" panose="02040503050406030204" pitchFamily="18" charset="0"/>
                       </a:endParaRPr>
@@ -6074,7 +6131,129 @@
                       <a:headEnd type="none" w="med" len="med"/>
                       <a:tailEnd type="none" w="med" len="med"/>
                     </a:lnR>
+                    <a:lnB w="9525" cap="flat" cmpd="sng" algn="ctr">
+                      <a:solidFill>
+                        <a:schemeClr val="tx1"/>
+                      </a:solidFill>
+                      <a:prstDash val="sysDot"/>
+                      <a:round/>
+                      <a:headEnd type="none" w="med" len="med"/>
+                      <a:tailEnd type="none" w="med" len="med"/>
+                    </a:lnB>
+                    <a:solidFill>
+                      <a:schemeClr val="bg1"/>
+                    </a:solidFill>
+                  </a:tcPr>
+                </a:tc>
+                <a:extLst>
+                  <a:ext uri="{0D108BD9-81ED-4DB2-BD59-A6C34878D82A}">
+                    <a16:rowId xmlns:a16="http://schemas.microsoft.com/office/drawing/2014/main" val="1930659369"/>
+                  </a:ext>
+                </a:extLst>
+              </a:tr>
+              <a:tr h="143849">
+                <a:tc>
+                  <a:txBody>
+                    <a:bodyPr/>
+                    <a:lstStyle/>
+                    <a:p>
+                      <a:pPr algn="ctr"/>
+                      <a:endParaRPr kumimoji="1" lang="ja-JP" altLang="en-US" sz="900" dirty="0">
+                        <a:latin typeface="Cambria Math" panose="02040503050406030204" pitchFamily="18" charset="0"/>
+                      </a:endParaRPr>
+                    </a:p>
+                  </a:txBody>
+                  <a:tcPr marL="18226" marR="18226" marT="9113" marB="9113" anchor="ctr">
+                    <a:lnL w="12700" cap="flat" cmpd="sng" algn="ctr">
+                      <a:solidFill>
+                        <a:schemeClr val="tx1"/>
+                      </a:solidFill>
+                      <a:prstDash val="solid"/>
+                      <a:round/>
+                      <a:headEnd type="none" w="med" len="med"/>
+                      <a:tailEnd type="none" w="med" len="med"/>
+                    </a:lnL>
+                    <a:lnR w="12700" cap="flat" cmpd="sng" algn="ctr">
+                      <a:solidFill>
+                        <a:schemeClr val="tx1"/>
+                      </a:solidFill>
+                      <a:prstDash val="solid"/>
+                      <a:round/>
+                      <a:headEnd type="none" w="med" len="med"/>
+                      <a:tailEnd type="none" w="med" len="med"/>
+                    </a:lnR>
+                    <a:lnT w="9525" cap="flat" cmpd="sng" algn="ctr">
+                      <a:solidFill>
+                        <a:schemeClr val="tx1"/>
+                      </a:solidFill>
+                      <a:prstDash val="sysDot"/>
+                      <a:round/>
+                      <a:headEnd type="none" w="med" len="med"/>
+                      <a:tailEnd type="none" w="med" len="med"/>
+                    </a:lnT>
                     <a:lnB w="12700" cap="flat" cmpd="sng" algn="ctr">
+                      <a:noFill/>
+                      <a:prstDash val="solid"/>
+                      <a:round/>
+                      <a:headEnd type="none" w="med" len="med"/>
+                      <a:tailEnd type="none" w="med" len="med"/>
+                    </a:lnB>
+                    <a:solidFill>
+                      <a:schemeClr val="bg1"/>
+                    </a:solidFill>
+                  </a:tcPr>
+                </a:tc>
+                <a:extLst>
+                  <a:ext uri="{0D108BD9-81ED-4DB2-BD59-A6C34878D82A}">
+                    <a16:rowId xmlns:a16="http://schemas.microsoft.com/office/drawing/2014/main" val="4212267831"/>
+                  </a:ext>
+                </a:extLst>
+              </a:tr>
+              <a:tr h="143849">
+                <a:tc>
+                  <a:txBody>
+                    <a:bodyPr/>
+                    <a:lstStyle/>
+                    <a:p>
+                      <a:pPr algn="ctr"/>
+                      <a:r>
+                        <a:rPr kumimoji="1" lang="en-US" altLang="ja-JP" sz="900" dirty="0">
+                          <a:latin typeface="Cambria Math" panose="02040503050406030204" pitchFamily="18" charset="0"/>
+                        </a:rPr>
+                        <a:t>Link1</a:t>
+                      </a:r>
+                      <a:endParaRPr kumimoji="1" lang="ja-JP" altLang="en-US" sz="900" dirty="0">
+                        <a:latin typeface="Cambria Math" panose="02040503050406030204" pitchFamily="18" charset="0"/>
+                      </a:endParaRPr>
+                    </a:p>
+                  </a:txBody>
+                  <a:tcPr marL="18226" marR="18226" marT="9113" marB="9113" anchor="ctr">
+                    <a:lnL w="12700" cap="flat" cmpd="sng" algn="ctr">
+                      <a:solidFill>
+                        <a:schemeClr val="tx1"/>
+                      </a:solidFill>
+                      <a:prstDash val="solid"/>
+                      <a:round/>
+                      <a:headEnd type="none" w="med" len="med"/>
+                      <a:tailEnd type="none" w="med" len="med"/>
+                    </a:lnL>
+                    <a:lnR w="12700" cap="flat" cmpd="sng" algn="ctr">
+                      <a:solidFill>
+                        <a:schemeClr val="tx1"/>
+                      </a:solidFill>
+                      <a:prstDash val="solid"/>
+                      <a:round/>
+                      <a:headEnd type="none" w="med" len="med"/>
+                      <a:tailEnd type="none" w="med" len="med"/>
+                    </a:lnR>
+                    <a:lnT w="12700" cap="flat" cmpd="sng" algn="ctr">
+                      <a:noFill/>
+                      <a:prstDash val="solid"/>
+                      <a:round/>
+                      <a:headEnd type="none" w="med" len="med"/>
+                      <a:tailEnd type="none" w="med" len="med"/>
+                    </a:lnT>
+                    <a:lnB w="9525" cap="flat" cmpd="sng" algn="ctr">
                       <a:solidFill>
                         <a:schemeClr val="tx1"/>
                       </a:solidFill>
@@ -6090,7 +6269,7 @@
                 </a:tc>
                 <a:extLst>
                   <a:ext uri="{0D108BD9-81ED-4DB2-BD59-A6C34878D82A}">
-                    <a16:rowId xmlns:a16="http://schemas.microsoft.com/office/drawing/2014/main" val="1930659369"/>
+                    <a16:rowId xmlns:a16="http://schemas.microsoft.com/office/drawing/2014/main" val="77431627"/>
                   </a:ext>
                 </a:extLst>
               </a:tr>
@@ -6113,14 +6292,14 @@
           <p:nvPr>
             <p:extLst>
               <p:ext uri="{D42A27DB-BD31-4B8C-83A1-F6EECF244321}">
-                <p14:modId xmlns:p14="http://schemas.microsoft.com/office/powerpoint/2010/main" val="186136043"/>
+                <p14:modId xmlns:p14="http://schemas.microsoft.com/office/powerpoint/2010/main" val="3416825018"/>
               </p:ext>
             </p:extLst>
           </p:nvPr>
         </p:nvGraphicFramePr>
         <p:xfrm>
           <a:off x="2061025" y="277859"/>
-          <a:ext cx="662373" cy="895864"/>
+          <a:ext cx="662373" cy="1051250"/>
         </p:xfrm>
         <a:graphic>
           <a:graphicData uri="http://schemas.openxmlformats.org/drawingml/2006/table">
@@ -6219,35 +6398,6 @@
                       </a:r>
                     </a:p>
                     <a:p>
-                      <a:pPr marL="0" marR="0" lvl="0" indent="0" algn="ctr" defTabSz="177649" rtl="0" eaLnBrk="1" fontAlgn="auto" latinLnBrk="0" hangingPunct="1">
-                        <a:lnSpc>
-                          <a:spcPct val="100000"/>
-                        </a:lnSpc>
-                        <a:spcBef>
-                          <a:spcPts val="0"/>
-                        </a:spcBef>
-                        <a:spcAft>
-                          <a:spcPts val="0"/>
-                        </a:spcAft>
-                        <a:buClrTx/>
-                        <a:buSzTx/>
-                        <a:buFontTx/>
-                        <a:buNone/>
-                        <a:tabLst/>
-                        <a:defRPr/>
-                      </a:pPr>
-                      <a:r>
-                        <a:rPr kumimoji="1" lang="en-US" altLang="ja-JP" sz="900" dirty="0">
-                          <a:latin typeface="Cambria Math" panose="02040503050406030204" pitchFamily="18" charset="0"/>
-                        </a:rPr>
-                        <a:t>Payload1:A</a:t>
-                      </a:r>
-                      <a:endParaRPr kumimoji="1" lang="en-US" altLang="ja-JP" sz="900" dirty="0">
-                        <a:latin typeface="Cambria Math" panose="02040503050406030204" pitchFamily="18" charset="0"/>
-                        <a:ea typeface="Cambria Math" panose="02040503050406030204" pitchFamily="18" charset="0"/>
-                      </a:endParaRPr>
-                    </a:p>
-                    <a:p>
                       <a:pPr algn="ctr"/>
                       <a:r>
                         <a:rPr kumimoji="1" lang="en-US" altLang="ja-JP" sz="900" dirty="0">
@@ -6303,23 +6453,64 @@
                     <a:bodyPr/>
                     <a:lstStyle/>
                     <a:p>
-                      <a:pPr marL="0" marR="0" lvl="0" indent="0" algn="ctr" defTabSz="177649" rtl="0" eaLnBrk="1" fontAlgn="auto" latinLnBrk="0" hangingPunct="1">
-                        <a:lnSpc>
-                          <a:spcPct val="100000"/>
-                        </a:lnSpc>
-                        <a:spcBef>
-                          <a:spcPts val="0"/>
-                        </a:spcBef>
-                        <a:spcAft>
-                          <a:spcPts val="0"/>
-                        </a:spcAft>
-                        <a:buClrTx/>
-                        <a:buSzTx/>
-                        <a:buFontTx/>
-                        <a:buNone/>
-                        <a:tabLst/>
-                        <a:defRPr/>
-                      </a:pPr>
+                      <a:pPr algn="ctr"/>
+                      <a:endParaRPr kumimoji="1" lang="ja-JP" altLang="en-US" sz="900" dirty="0">
+                        <a:latin typeface="Cambria Math" panose="02040503050406030204" pitchFamily="18" charset="0"/>
+                      </a:endParaRPr>
+                    </a:p>
+                  </a:txBody>
+                  <a:tcPr marL="18226" marR="18226" marT="9113" marB="9113" anchor="ctr">
+                    <a:lnL w="12700" cap="flat" cmpd="sng" algn="ctr">
+                      <a:solidFill>
+                        <a:schemeClr val="tx1"/>
+                      </a:solidFill>
+                      <a:prstDash val="solid"/>
+                      <a:round/>
+                      <a:headEnd type="none" w="med" len="med"/>
+                      <a:tailEnd type="none" w="med" len="med"/>
+                    </a:lnL>
+                    <a:lnR w="12700" cap="flat" cmpd="sng" algn="ctr">
+                      <a:solidFill>
+                        <a:schemeClr val="tx1"/>
+                      </a:solidFill>
+                      <a:prstDash val="solid"/>
+                      <a:round/>
+                      <a:headEnd type="none" w="med" len="med"/>
+                      <a:tailEnd type="none" w="med" len="med"/>
+                    </a:lnR>
+                    <a:lnB w="9525" cap="flat" cmpd="sng" algn="ctr">
+                      <a:solidFill>
+                        <a:schemeClr val="tx1"/>
+                      </a:solidFill>
+                      <a:prstDash val="sysDot"/>
+                      <a:round/>
+                      <a:headEnd type="none" w="med" len="med"/>
+                      <a:tailEnd type="none" w="med" len="med"/>
+                    </a:lnB>
+                    <a:solidFill>
+                      <a:schemeClr val="bg1"/>
+                    </a:solidFill>
+                  </a:tcPr>
+                </a:tc>
+                <a:extLst>
+                  <a:ext uri="{0D108BD9-81ED-4DB2-BD59-A6C34878D82A}">
+                    <a16:rowId xmlns:a16="http://schemas.microsoft.com/office/drawing/2014/main" val="1930659369"/>
+                  </a:ext>
+                </a:extLst>
+              </a:tr>
+              <a:tr h="143849">
+                <a:tc>
+                  <a:txBody>
+                    <a:bodyPr/>
+                    <a:lstStyle/>
+                    <a:p>
+                      <a:pPr algn="ctr"/>
+                      <a:endParaRPr kumimoji="1" lang="en-US" altLang="ja-JP" sz="900" dirty="0">
+                        <a:latin typeface="Cambria Math" panose="02040503050406030204" pitchFamily="18" charset="0"/>
+                      </a:endParaRPr>
+                    </a:p>
+                    <a:p>
+                      <a:pPr algn="ctr"/>
                       <a:r>
                         <a:rPr kumimoji="1" lang="en-US" altLang="ja-JP" sz="900" dirty="0">
                           <a:latin typeface="Cambria Math" panose="02040503050406030204" pitchFamily="18" charset="0"/>
@@ -6350,6 +6541,15 @@
                       <a:headEnd type="none" w="med" len="med"/>
                       <a:tailEnd type="none" w="med" len="med"/>
                     </a:lnR>
+                    <a:lnT w="9525" cap="flat" cmpd="sng" algn="ctr">
+                      <a:solidFill>
+                        <a:schemeClr val="tx1"/>
+                      </a:solidFill>
+                      <a:prstDash val="sysDot"/>
+                      <a:round/>
+                      <a:headEnd type="none" w="med" len="med"/>
+                      <a:tailEnd type="none" w="med" len="med"/>
+                    </a:lnT>
                     <a:lnB w="12700" cap="flat" cmpd="sng" algn="ctr">
                       <a:noFill/>
                       <a:prstDash val="solid"/>
@@ -6364,7 +6564,7 @@
                 </a:tc>
                 <a:extLst>
                   <a:ext uri="{0D108BD9-81ED-4DB2-BD59-A6C34878D82A}">
-                    <a16:rowId xmlns:a16="http://schemas.microsoft.com/office/drawing/2014/main" val="1930659369"/>
+                    <a16:rowId xmlns:a16="http://schemas.microsoft.com/office/drawing/2014/main" val="4212267831"/>
                   </a:ext>
                 </a:extLst>
               </a:tr>
@@ -6375,6 +6575,12 @@
                     <a:lstStyle/>
                     <a:p>
                       <a:pPr algn="ctr"/>
+                      <a:r>
+                        <a:rPr kumimoji="1" lang="en-US" altLang="ja-JP" sz="900" dirty="0">
+                          <a:latin typeface="Cambria Math" panose="02040503050406030204" pitchFamily="18" charset="0"/>
+                        </a:rPr>
+                        <a:t>Payload1:A</a:t>
+                      </a:r>
                       <a:endParaRPr kumimoji="1" lang="ja-JP" altLang="en-US" sz="900" dirty="0">
                         <a:latin typeface="Cambria Math" panose="02040503050406030204" pitchFamily="18" charset="0"/>
                       </a:endParaRPr>
@@ -6446,7 +6652,7 @@
         </p:nvCxnSpPr>
         <p:spPr>
           <a:xfrm>
-            <a:off x="764293" y="788363"/>
+            <a:off x="758655" y="1109205"/>
             <a:ext cx="375274" cy="0"/>
           </a:xfrm>
           <a:prstGeom prst="straightConnector1">
@@ -6490,7 +6696,7 @@
         </p:nvCxnSpPr>
         <p:spPr>
           <a:xfrm>
-            <a:off x="1669164" y="802722"/>
+            <a:off x="1683518" y="1106559"/>
             <a:ext cx="377504" cy="0"/>
           </a:xfrm>
           <a:prstGeom prst="straightConnector1">

--- a/src/figures/mass_memory.pptx
+++ b/src/figures/mass_memory.pptx
@@ -10,7 +10,7 @@
   <p:sldIdLst>
     <p:sldId id="258" r:id="rId2"/>
   </p:sldIdLst>
-  <p:sldSz cx="2879725" cy="3348038"/>
+  <p:sldSz cx="2879725" cy="2087563"/>
   <p:notesSz cx="6858000" cy="9144000"/>
   <p:defaultTextStyle>
     <a:defPPr>
@@ -197,7 +197,7 @@
           <a:p>
             <a:fld id="{C1C90ABE-C08A-444A-9B97-50985CA7357E}" type="datetimeFigureOut">
               <a:rPr kumimoji="1" lang="ja-JP" altLang="en-US" smtClean="0"/>
-              <a:t>2024/7/29</a:t>
+              <a:t>2024/8/6</a:t>
             </a:fld>
             <a:endParaRPr kumimoji="1" lang="ja-JP" altLang="en-US"/>
           </a:p>
@@ -215,8 +215,8 @@
         </p:nvSpPr>
         <p:spPr>
           <a:xfrm>
-            <a:off x="2101850" y="1143000"/>
-            <a:ext cx="2654300" cy="3086100"/>
+            <a:off x="1301750" y="1143000"/>
+            <a:ext cx="4254500" cy="3086100"/>
           </a:xfrm>
           <a:prstGeom prst="rect">
             <a:avLst/>
@@ -525,8 +525,8 @@
         </p:nvSpPr>
         <p:spPr>
           <a:xfrm>
-            <a:off x="2101850" y="1143000"/>
-            <a:ext cx="2654300" cy="3086100"/>
+            <a:off x="1301750" y="1143000"/>
+            <a:ext cx="4254500" cy="3086100"/>
           </a:xfrm>
         </p:spPr>
       </p:sp>
@@ -614,8 +614,8 @@
         </p:nvSpPr>
         <p:spPr>
           <a:xfrm>
-            <a:off x="159987" y="547940"/>
-            <a:ext cx="2583690" cy="1165611"/>
+            <a:off x="159987" y="341652"/>
+            <a:ext cx="2583690" cy="726779"/>
           </a:xfrm>
           <a:noFill/>
         </p:spPr>
@@ -655,8 +655,8 @@
         </p:nvSpPr>
         <p:spPr>
           <a:xfrm>
-            <a:off x="159999" y="1925931"/>
-            <a:ext cx="2595561" cy="645657"/>
+            <a:off x="159999" y="1200856"/>
+            <a:ext cx="2595561" cy="402578"/>
           </a:xfrm>
         </p:spPr>
         <p:txBody>
@@ -672,35 +672,35 @@
                 </a:solidFill>
               </a:defRPr>
             </a:lvl1pPr>
-            <a:lvl2pPr marL="88825" indent="0" algn="ctr">
+            <a:lvl2pPr marL="88826" indent="0" algn="ctr">
               <a:buNone/>
-              <a:defRPr sz="389"/>
+              <a:defRPr sz="390"/>
             </a:lvl2pPr>
-            <a:lvl3pPr marL="177649" indent="0" algn="ctr">
+            <a:lvl3pPr marL="177651" indent="0" algn="ctr">
               <a:buNone/>
               <a:defRPr sz="350"/>
             </a:lvl3pPr>
-            <a:lvl4pPr marL="266475" indent="0" algn="ctr">
+            <a:lvl4pPr marL="266477" indent="0" algn="ctr">
               <a:buNone/>
               <a:defRPr sz="311"/>
             </a:lvl4pPr>
-            <a:lvl5pPr marL="355301" indent="0" algn="ctr">
+            <a:lvl5pPr marL="355304" indent="0" algn="ctr">
               <a:buNone/>
               <a:defRPr sz="311"/>
             </a:lvl5pPr>
-            <a:lvl6pPr marL="444124" indent="0" algn="ctr">
+            <a:lvl6pPr marL="444127" indent="0" algn="ctr">
               <a:buNone/>
               <a:defRPr sz="311"/>
             </a:lvl6pPr>
-            <a:lvl7pPr marL="532950" indent="0" algn="ctr">
+            <a:lvl7pPr marL="532955" indent="0" algn="ctr">
               <a:buNone/>
               <a:defRPr sz="311"/>
             </a:lvl7pPr>
-            <a:lvl8pPr marL="621776" indent="0" algn="ctr">
+            <a:lvl8pPr marL="621781" indent="0" algn="ctr">
               <a:buNone/>
               <a:defRPr sz="311"/>
             </a:lvl8pPr>
-            <a:lvl9pPr marL="710600" indent="0" algn="ctr">
+            <a:lvl9pPr marL="710606" indent="0" algn="ctr">
               <a:buNone/>
               <a:defRPr sz="311"/>
             </a:lvl9pPr>
@@ -776,8 +776,8 @@
         </p:nvSpPr>
         <p:spPr>
           <a:xfrm>
-            <a:off x="127991" y="1713554"/>
-            <a:ext cx="2751738" cy="121678"/>
+            <a:off x="127991" y="1068433"/>
+            <a:ext cx="2751738" cy="75869"/>
           </a:xfrm>
           <a:prstGeom prst="rect">
             <a:avLst/>
@@ -865,7 +865,7 @@
         <p:spPr>
           <a:xfrm>
             <a:off x="4" y="4"/>
-            <a:ext cx="2879725" cy="474525"/>
+            <a:ext cx="2879725" cy="295875"/>
           </a:xfrm>
         </p:spPr>
         <p:txBody>
@@ -950,8 +950,8 @@
         </p:nvSpPr>
         <p:spPr>
           <a:xfrm>
-            <a:off x="101684" y="632710"/>
-            <a:ext cx="2676365" cy="2355053"/>
+            <a:off x="101684" y="394507"/>
+            <a:ext cx="2676365" cy="1468419"/>
           </a:xfrm>
         </p:spPr>
         <p:txBody>
@@ -1069,7 +1069,7 @@
         <p:spPr>
           <a:xfrm>
             <a:off x="4" y="4"/>
-            <a:ext cx="2879725" cy="474525"/>
+            <a:ext cx="2879725" cy="295875"/>
           </a:xfrm>
         </p:spPr>
         <p:txBody>
@@ -1168,8 +1168,8 @@
         </p:nvSpPr>
         <p:spPr>
           <a:xfrm>
-            <a:off x="4" y="834704"/>
-            <a:ext cx="2879725" cy="1392690"/>
+            <a:off x="4" y="520454"/>
+            <a:ext cx="2879725" cy="868368"/>
           </a:xfrm>
         </p:spPr>
         <p:txBody>
@@ -1203,8 +1203,8 @@
         </p:nvSpPr>
         <p:spPr>
           <a:xfrm>
-            <a:off x="196493" y="2308876"/>
-            <a:ext cx="2483763" cy="664076"/>
+            <a:off x="196497" y="1439627"/>
+            <a:ext cx="2483763" cy="414064"/>
           </a:xfrm>
         </p:spPr>
         <p:txBody>
@@ -1220,9 +1220,9 @@
                 </a:solidFill>
               </a:defRPr>
             </a:lvl1pPr>
-            <a:lvl2pPr marL="88825" indent="0">
+            <a:lvl2pPr marL="88826" indent="0">
               <a:buNone/>
-              <a:defRPr sz="389">
+              <a:defRPr sz="390">
                 <a:solidFill>
                   <a:schemeClr val="tx1">
                     <a:tint val="75000"/>
@@ -1230,7 +1230,7 @@
                 </a:solidFill>
               </a:defRPr>
             </a:lvl2pPr>
-            <a:lvl3pPr marL="177649" indent="0">
+            <a:lvl3pPr marL="177651" indent="0">
               <a:buNone/>
               <a:defRPr sz="350">
                 <a:solidFill>
@@ -1240,7 +1240,7 @@
                 </a:solidFill>
               </a:defRPr>
             </a:lvl3pPr>
-            <a:lvl4pPr marL="266475" indent="0">
+            <a:lvl4pPr marL="266477" indent="0">
               <a:buNone/>
               <a:defRPr sz="311">
                 <a:solidFill>
@@ -1250,7 +1250,7 @@
                 </a:solidFill>
               </a:defRPr>
             </a:lvl4pPr>
-            <a:lvl5pPr marL="355301" indent="0">
+            <a:lvl5pPr marL="355304" indent="0">
               <a:buNone/>
               <a:defRPr sz="311">
                 <a:solidFill>
@@ -1260,7 +1260,7 @@
                 </a:solidFill>
               </a:defRPr>
             </a:lvl5pPr>
-            <a:lvl6pPr marL="444124" indent="0">
+            <a:lvl6pPr marL="444127" indent="0">
               <a:buNone/>
               <a:defRPr sz="311">
                 <a:solidFill>
@@ -1270,7 +1270,7 @@
                 </a:solidFill>
               </a:defRPr>
             </a:lvl6pPr>
-            <a:lvl7pPr marL="532950" indent="0">
+            <a:lvl7pPr marL="532955" indent="0">
               <a:buNone/>
               <a:defRPr sz="311">
                 <a:solidFill>
@@ -1280,7 +1280,7 @@
                 </a:solidFill>
               </a:defRPr>
             </a:lvl7pPr>
-            <a:lvl8pPr marL="621776" indent="0">
+            <a:lvl8pPr marL="621781" indent="0">
               <a:buNone/>
               <a:defRPr sz="311">
                 <a:solidFill>
@@ -1290,7 +1290,7 @@
                 </a:solidFill>
               </a:defRPr>
             </a:lvl8pPr>
-            <a:lvl9pPr marL="710600" indent="0">
+            <a:lvl9pPr marL="710606" indent="0">
               <a:buNone/>
               <a:defRPr sz="311">
                 <a:solidFill>
@@ -1475,7 +1475,7 @@
         <p:spPr>
           <a:xfrm>
             <a:off x="4" y="4"/>
-            <a:ext cx="2879725" cy="474525"/>
+            <a:ext cx="2879725" cy="295875"/>
           </a:xfrm>
           <a:prstGeom prst="rect">
             <a:avLst/>
@@ -1512,8 +1512,8 @@
         </p:nvSpPr>
         <p:spPr>
           <a:xfrm>
-            <a:off x="101684" y="632710"/>
-            <a:ext cx="2676365" cy="2355053"/>
+            <a:off x="101684" y="394507"/>
+            <a:ext cx="2676365" cy="1468419"/>
           </a:xfrm>
           <a:prstGeom prst="rect">
             <a:avLst/>
@@ -1607,8 +1607,8 @@
         </p:nvSpPr>
         <p:spPr>
           <a:xfrm>
-            <a:off x="456589" y="3103154"/>
-            <a:ext cx="1966555" cy="178254"/>
+            <a:off x="456589" y="1934875"/>
+            <a:ext cx="1966555" cy="111144"/>
           </a:xfrm>
           <a:prstGeom prst="rect">
             <a:avLst/>
@@ -1646,8 +1646,8 @@
         </p:nvSpPr>
         <p:spPr>
           <a:xfrm>
-            <a:off x="2455540" y="3103154"/>
-            <a:ext cx="322517" cy="178254"/>
+            <a:off x="2455544" y="1934875"/>
+            <a:ext cx="322517" cy="111144"/>
           </a:xfrm>
           <a:prstGeom prst="rect">
             <a:avLst/>
@@ -1657,7 +1657,7 @@
           <a:bodyPr vert="horz" lIns="91440" tIns="45720" rIns="0" bIns="45720" rtlCol="0" anchor="ctr"/>
           <a:lstStyle>
             <a:lvl1pPr algn="r">
-              <a:defRPr sz="389" b="1" baseline="0">
+              <a:defRPr sz="390" b="1" baseline="0">
                 <a:solidFill>
                   <a:schemeClr val="accent5">
                     <a:lumMod val="50000"/>
@@ -1694,7 +1694,7 @@
   </p:sldLayoutIdLst>
   <p:txStyles>
     <p:titleStyle>
-      <a:lvl1pPr algn="l" defTabSz="177649" rtl="0" eaLnBrk="1" latinLnBrk="0" hangingPunct="1">
+      <a:lvl1pPr algn="l" defTabSz="177651" rtl="0" eaLnBrk="1" latinLnBrk="0" hangingPunct="1">
         <a:lnSpc>
           <a:spcPct val="90000"/>
         </a:lnSpc>
@@ -1713,7 +1713,7 @@
       </a:lvl1pPr>
     </p:titleStyle>
     <p:bodyStyle>
-      <a:lvl1pPr marL="70012" indent="-70012" algn="l" defTabSz="177649" rtl="0" eaLnBrk="1" latinLnBrk="0" hangingPunct="1">
+      <a:lvl1pPr marL="70012" indent="-70012" algn="l" defTabSz="177651" rtl="0" eaLnBrk="1" latinLnBrk="0" hangingPunct="1">
         <a:lnSpc>
           <a:spcPct val="120000"/>
         </a:lnSpc>
@@ -1740,7 +1740,7 @@
           <a:cs typeface="+mn-cs"/>
         </a:defRPr>
       </a:lvl1pPr>
-      <a:lvl2pPr marL="138792" indent="-68780" algn="l" defTabSz="177649" rtl="0" eaLnBrk="1" latinLnBrk="0" hangingPunct="1">
+      <a:lvl2pPr marL="138793" indent="-68781" algn="l" defTabSz="177651" rtl="0" eaLnBrk="1" latinLnBrk="0" hangingPunct="1">
         <a:lnSpc>
           <a:spcPct val="120000"/>
         </a:lnSpc>
@@ -1767,7 +1767,7 @@
           <a:cs typeface="+mn-cs"/>
         </a:defRPr>
       </a:lvl2pPr>
-      <a:lvl3pPr marL="208807" indent="-70012" algn="l" defTabSz="177649" rtl="0" eaLnBrk="1" latinLnBrk="0" hangingPunct="1">
+      <a:lvl3pPr marL="208808" indent="-70012" algn="l" defTabSz="177651" rtl="0" eaLnBrk="1" latinLnBrk="0" hangingPunct="1">
         <a:lnSpc>
           <a:spcPct val="120000"/>
         </a:lnSpc>
@@ -1794,7 +1794,7 @@
           <a:cs typeface="+mn-cs"/>
         </a:defRPr>
       </a:lvl3pPr>
-      <a:lvl4pPr marL="278819" indent="-70012" algn="l" defTabSz="177649" rtl="0" eaLnBrk="1" latinLnBrk="0" hangingPunct="1">
+      <a:lvl4pPr marL="278821" indent="-70012" algn="l" defTabSz="177651" rtl="0" eaLnBrk="1" latinLnBrk="0" hangingPunct="1">
         <a:lnSpc>
           <a:spcPct val="120000"/>
         </a:lnSpc>
@@ -1821,7 +1821,7 @@
           <a:cs typeface="+mn-cs"/>
         </a:defRPr>
       </a:lvl4pPr>
-      <a:lvl5pPr marL="349140" indent="-70321" algn="l" defTabSz="177649" rtl="0" eaLnBrk="1" latinLnBrk="0" hangingPunct="1">
+      <a:lvl5pPr marL="349142" indent="-70322" algn="l" defTabSz="177651" rtl="0" eaLnBrk="1" latinLnBrk="0" hangingPunct="1">
         <a:lnSpc>
           <a:spcPct val="120000"/>
         </a:lnSpc>
@@ -1848,12 +1848,12 @@
           <a:cs typeface="+mn-cs"/>
         </a:defRPr>
       </a:lvl5pPr>
-      <a:lvl6pPr marL="488538" indent="-44413" algn="l" defTabSz="177649" rtl="0" eaLnBrk="1" latinLnBrk="0" hangingPunct="1">
+      <a:lvl6pPr marL="488542" indent="-44413" algn="l" defTabSz="177651" rtl="0" eaLnBrk="1" latinLnBrk="0" hangingPunct="1">
         <a:lnSpc>
           <a:spcPct val="90000"/>
         </a:lnSpc>
         <a:spcBef>
-          <a:spcPts val="98"/>
+          <a:spcPts val="97"/>
         </a:spcBef>
         <a:buFont typeface="Arial" panose="020B0604020202020204" pitchFamily="34" charset="0"/>
         <a:buChar char="•"/>
@@ -1866,12 +1866,12 @@
           <a:cs typeface="+mn-cs"/>
         </a:defRPr>
       </a:lvl6pPr>
-      <a:lvl7pPr marL="577362" indent="-44413" algn="l" defTabSz="177649" rtl="0" eaLnBrk="1" latinLnBrk="0" hangingPunct="1">
+      <a:lvl7pPr marL="577367" indent="-44413" algn="l" defTabSz="177651" rtl="0" eaLnBrk="1" latinLnBrk="0" hangingPunct="1">
         <a:lnSpc>
           <a:spcPct val="90000"/>
         </a:lnSpc>
         <a:spcBef>
-          <a:spcPts val="98"/>
+          <a:spcPts val="97"/>
         </a:spcBef>
         <a:buFont typeface="Arial" panose="020B0604020202020204" pitchFamily="34" charset="0"/>
         <a:buChar char="•"/>
@@ -1884,12 +1884,12 @@
           <a:cs typeface="+mn-cs"/>
         </a:defRPr>
       </a:lvl7pPr>
-      <a:lvl8pPr marL="666187" indent="-44413" algn="l" defTabSz="177649" rtl="0" eaLnBrk="1" latinLnBrk="0" hangingPunct="1">
+      <a:lvl8pPr marL="666193" indent="-44413" algn="l" defTabSz="177651" rtl="0" eaLnBrk="1" latinLnBrk="0" hangingPunct="1">
         <a:lnSpc>
           <a:spcPct val="90000"/>
         </a:lnSpc>
         <a:spcBef>
-          <a:spcPts val="98"/>
+          <a:spcPts val="97"/>
         </a:spcBef>
         <a:buFont typeface="Arial" panose="020B0604020202020204" pitchFamily="34" charset="0"/>
         <a:buChar char="•"/>
@@ -1902,12 +1902,12 @@
           <a:cs typeface="+mn-cs"/>
         </a:defRPr>
       </a:lvl8pPr>
-      <a:lvl9pPr marL="755013" indent="-44413" algn="l" defTabSz="177649" rtl="0" eaLnBrk="1" latinLnBrk="0" hangingPunct="1">
+      <a:lvl9pPr marL="755019" indent="-44413" algn="l" defTabSz="177651" rtl="0" eaLnBrk="1" latinLnBrk="0" hangingPunct="1">
         <a:lnSpc>
           <a:spcPct val="90000"/>
         </a:lnSpc>
         <a:spcBef>
-          <a:spcPts val="98"/>
+          <a:spcPts val="97"/>
         </a:spcBef>
         <a:buFont typeface="Arial" panose="020B0604020202020204" pitchFamily="34" charset="0"/>
         <a:buChar char="•"/>
@@ -1925,7 +1925,7 @@
       <a:defPPr>
         <a:defRPr lang="en-US"/>
       </a:defPPr>
-      <a:lvl1pPr marL="0" algn="l" defTabSz="177649" rtl="0" eaLnBrk="1" latinLnBrk="0" hangingPunct="1">
+      <a:lvl1pPr marL="0" algn="l" defTabSz="177651" rtl="0" eaLnBrk="1" latinLnBrk="0" hangingPunct="1">
         <a:defRPr kumimoji="1" sz="350" kern="1200">
           <a:solidFill>
             <a:schemeClr val="tx1"/>
@@ -1935,7 +1935,7 @@
           <a:cs typeface="+mn-cs"/>
         </a:defRPr>
       </a:lvl1pPr>
-      <a:lvl2pPr marL="88825" algn="l" defTabSz="177649" rtl="0" eaLnBrk="1" latinLnBrk="0" hangingPunct="1">
+      <a:lvl2pPr marL="88826" algn="l" defTabSz="177651" rtl="0" eaLnBrk="1" latinLnBrk="0" hangingPunct="1">
         <a:defRPr kumimoji="1" sz="350" kern="1200">
           <a:solidFill>
             <a:schemeClr val="tx1"/>
@@ -1945,7 +1945,7 @@
           <a:cs typeface="+mn-cs"/>
         </a:defRPr>
       </a:lvl2pPr>
-      <a:lvl3pPr marL="177649" algn="l" defTabSz="177649" rtl="0" eaLnBrk="1" latinLnBrk="0" hangingPunct="1">
+      <a:lvl3pPr marL="177651" algn="l" defTabSz="177651" rtl="0" eaLnBrk="1" latinLnBrk="0" hangingPunct="1">
         <a:defRPr kumimoji="1" sz="350" kern="1200">
           <a:solidFill>
             <a:schemeClr val="tx1"/>
@@ -1955,7 +1955,7 @@
           <a:cs typeface="+mn-cs"/>
         </a:defRPr>
       </a:lvl3pPr>
-      <a:lvl4pPr marL="266475" algn="l" defTabSz="177649" rtl="0" eaLnBrk="1" latinLnBrk="0" hangingPunct="1">
+      <a:lvl4pPr marL="266477" algn="l" defTabSz="177651" rtl="0" eaLnBrk="1" latinLnBrk="0" hangingPunct="1">
         <a:defRPr kumimoji="1" sz="350" kern="1200">
           <a:solidFill>
             <a:schemeClr val="tx1"/>
@@ -1965,7 +1965,7 @@
           <a:cs typeface="+mn-cs"/>
         </a:defRPr>
       </a:lvl4pPr>
-      <a:lvl5pPr marL="355301" algn="l" defTabSz="177649" rtl="0" eaLnBrk="1" latinLnBrk="0" hangingPunct="1">
+      <a:lvl5pPr marL="355304" algn="l" defTabSz="177651" rtl="0" eaLnBrk="1" latinLnBrk="0" hangingPunct="1">
         <a:defRPr kumimoji="1" sz="350" kern="1200">
           <a:solidFill>
             <a:schemeClr val="tx1"/>
@@ -1975,7 +1975,7 @@
           <a:cs typeface="+mn-cs"/>
         </a:defRPr>
       </a:lvl5pPr>
-      <a:lvl6pPr marL="444124" algn="l" defTabSz="177649" rtl="0" eaLnBrk="1" latinLnBrk="0" hangingPunct="1">
+      <a:lvl6pPr marL="444127" algn="l" defTabSz="177651" rtl="0" eaLnBrk="1" latinLnBrk="0" hangingPunct="1">
         <a:defRPr kumimoji="1" sz="350" kern="1200">
           <a:solidFill>
             <a:schemeClr val="tx1"/>
@@ -1985,7 +1985,7 @@
           <a:cs typeface="+mn-cs"/>
         </a:defRPr>
       </a:lvl6pPr>
-      <a:lvl7pPr marL="532950" algn="l" defTabSz="177649" rtl="0" eaLnBrk="1" latinLnBrk="0" hangingPunct="1">
+      <a:lvl7pPr marL="532955" algn="l" defTabSz="177651" rtl="0" eaLnBrk="1" latinLnBrk="0" hangingPunct="1">
         <a:defRPr kumimoji="1" sz="350" kern="1200">
           <a:solidFill>
             <a:schemeClr val="tx1"/>
@@ -1995,7 +1995,7 @@
           <a:cs typeface="+mn-cs"/>
         </a:defRPr>
       </a:lvl7pPr>
-      <a:lvl8pPr marL="621776" algn="l" defTabSz="177649" rtl="0" eaLnBrk="1" latinLnBrk="0" hangingPunct="1">
+      <a:lvl8pPr marL="621781" algn="l" defTabSz="177651" rtl="0" eaLnBrk="1" latinLnBrk="0" hangingPunct="1">
         <a:defRPr kumimoji="1" sz="350" kern="1200">
           <a:solidFill>
             <a:schemeClr val="tx1"/>
@@ -2005,7 +2005,7 @@
           <a:cs typeface="+mn-cs"/>
         </a:defRPr>
       </a:lvl8pPr>
-      <a:lvl9pPr marL="710600" algn="l" defTabSz="177649" rtl="0" eaLnBrk="1" latinLnBrk="0" hangingPunct="1">
+      <a:lvl9pPr marL="710606" algn="l" defTabSz="177651" rtl="0" eaLnBrk="1" latinLnBrk="0" hangingPunct="1">
         <a:defRPr kumimoji="1" sz="350" kern="1200">
           <a:solidFill>
             <a:schemeClr val="tx1"/>
@@ -2051,7 +2051,7 @@
         </p:nvGrpSpPr>
         <p:grpSpPr>
           <a:xfrm>
-            <a:off x="221311" y="1492962"/>
+            <a:off x="221314" y="230493"/>
             <a:ext cx="2437109" cy="185980"/>
             <a:chOff x="-1102298" y="201478"/>
             <a:chExt cx="4342291" cy="185980"/>
@@ -3026,7 +3026,7 @@
         </p:nvGrpSpPr>
         <p:grpSpPr>
           <a:xfrm>
-            <a:off x="221311" y="2102364"/>
+            <a:off x="221314" y="839895"/>
             <a:ext cx="2437109" cy="185980"/>
             <a:chOff x="-1102298" y="201478"/>
             <a:chExt cx="4342291" cy="185980"/>
@@ -3985,7 +3985,7 @@
         </p:nvGrpSpPr>
         <p:grpSpPr>
           <a:xfrm>
-            <a:off x="221311" y="2595528"/>
+            <a:off x="221314" y="1333059"/>
             <a:ext cx="2437109" cy="185980"/>
             <a:chOff x="-1102298" y="201478"/>
             <a:chExt cx="4342291" cy="185980"/>
@@ -4957,7 +4957,7 @@
         </p:nvCxnSpPr>
         <p:spPr>
           <a:xfrm>
-            <a:off x="626322" y="1678942"/>
+            <a:off x="626321" y="416472"/>
             <a:ext cx="0" cy="423422"/>
           </a:xfrm>
           <a:prstGeom prst="straightConnector1">
@@ -5002,7 +5002,7 @@
         </p:nvCxnSpPr>
         <p:spPr>
           <a:xfrm>
-            <a:off x="626322" y="2288344"/>
+            <a:off x="626321" y="1025874"/>
             <a:ext cx="0" cy="307184"/>
           </a:xfrm>
           <a:prstGeom prst="straightConnector1">
@@ -5044,8 +5044,8 @@
         </p:nvSpPr>
         <p:spPr>
           <a:xfrm>
-            <a:off x="221307" y="1316423"/>
-            <a:ext cx="580730" cy="150811"/>
+            <a:off x="221310" y="53955"/>
+            <a:ext cx="580729" cy="150811"/>
           </a:xfrm>
           <a:prstGeom prst="rect">
             <a:avLst/>
@@ -5063,7 +5063,7 @@
                 <a:spcPct val="120000"/>
               </a:lnSpc>
               <a:spcAft>
-                <a:spcPts val="1200"/>
+                <a:spcPts val="1201"/>
               </a:spcAft>
               <a:buClr>
                 <a:schemeClr val="accent6">
@@ -5094,8 +5094,8 @@
         </p:nvSpPr>
         <p:spPr>
           <a:xfrm>
-            <a:off x="234101" y="1908540"/>
-            <a:ext cx="580730" cy="150811"/>
+            <a:off x="234103" y="646074"/>
+            <a:ext cx="580729" cy="150811"/>
           </a:xfrm>
           <a:prstGeom prst="rect">
             <a:avLst/>
@@ -5113,7 +5113,7 @@
                 <a:spcPct val="120000"/>
               </a:lnSpc>
               <a:spcAft>
-                <a:spcPts val="1200"/>
+                <a:spcPts val="1201"/>
               </a:spcAft>
               <a:buClr>
                 <a:schemeClr val="accent6">
@@ -5144,8 +5144,8 @@
         </p:nvSpPr>
         <p:spPr>
           <a:xfrm>
-            <a:off x="236012" y="2409552"/>
-            <a:ext cx="580730" cy="150811"/>
+            <a:off x="236015" y="1147085"/>
+            <a:ext cx="580729" cy="150811"/>
           </a:xfrm>
           <a:prstGeom prst="rect">
             <a:avLst/>
@@ -5163,7 +5163,7 @@
                 <a:spcPct val="120000"/>
               </a:lnSpc>
               <a:spcAft>
-                <a:spcPts val="1200"/>
+                <a:spcPts val="1201"/>
               </a:spcAft>
               <a:buClr>
                 <a:schemeClr val="accent6">
@@ -5194,8 +5194,8 @@
         </p:nvSpPr>
         <p:spPr>
           <a:xfrm>
-            <a:off x="177907" y="2977567"/>
-            <a:ext cx="108730" cy="185980"/>
+            <a:off x="177909" y="1715098"/>
+            <a:ext cx="108731" cy="185980"/>
           </a:xfrm>
           <a:prstGeom prst="rect">
             <a:avLst/>
@@ -5254,8 +5254,8 @@
         </p:nvSpPr>
         <p:spPr>
           <a:xfrm>
-            <a:off x="329417" y="2993251"/>
-            <a:ext cx="1179354" cy="132537"/>
+            <a:off x="329418" y="1730782"/>
+            <a:ext cx="1179354" cy="132472"/>
           </a:xfrm>
           <a:prstGeom prst="rect">
             <a:avLst/>
@@ -5273,7 +5273,7 @@
                 <a:spcPct val="120000"/>
               </a:lnSpc>
               <a:spcAft>
-                <a:spcPts val="1200"/>
+                <a:spcPts val="1201"/>
               </a:spcAft>
               <a:buClr>
                 <a:schemeClr val="accent6">
@@ -5283,7 +5283,7 @@
               <a:buSzPct val="100000"/>
             </a:pPr>
             <a:r>
-              <a:rPr lang="ja-JP" altLang="en-US" sz="800" dirty="0"/>
+              <a:rPr lang="ja-JP" altLang="en-US" sz="799" dirty="0"/>
               <a:t>使用済みレコード領域</a:t>
             </a:r>
           </a:p>
@@ -5303,7 +5303,7 @@
         </p:nvSpPr>
         <p:spPr>
           <a:xfrm rot="16200000">
-            <a:off x="1771061" y="1208595"/>
+            <a:off x="1771061" y="-53874"/>
             <a:ext cx="150810" cy="1627080"/>
           </a:xfrm>
           <a:prstGeom prst="rightBrace">
@@ -5348,8 +5348,8 @@
         </p:nvSpPr>
         <p:spPr>
           <a:xfrm>
-            <a:off x="866858" y="1808399"/>
-            <a:ext cx="2123992" cy="132537"/>
+            <a:off x="866860" y="545931"/>
+            <a:ext cx="2123993" cy="132472"/>
           </a:xfrm>
           <a:prstGeom prst="rect">
             <a:avLst/>
@@ -5367,7 +5367,7 @@
                 <a:spcPct val="120000"/>
               </a:lnSpc>
               <a:spcAft>
-                <a:spcPts val="1200"/>
+                <a:spcPts val="1201"/>
               </a:spcAft>
               <a:buClr>
                 <a:schemeClr val="accent6">
@@ -5377,19 +5377,19 @@
               <a:buSzPct val="100000"/>
             </a:pPr>
             <a:r>
-              <a:rPr lang="en-US" altLang="ja-JP" sz="800" dirty="0"/>
+              <a:rPr lang="en-US" altLang="ja-JP" sz="799" dirty="0"/>
               <a:t>15</a:t>
             </a:r>
             <a:r>
-              <a:rPr lang="ja-JP" altLang="en-US" sz="800" dirty="0"/>
+              <a:rPr lang="ja-JP" altLang="en-US" sz="799" dirty="0"/>
               <a:t>レコード分の空き（空間利用率約</a:t>
             </a:r>
             <a:r>
-              <a:rPr lang="en-US" altLang="ja-JP" sz="800" dirty="0"/>
+              <a:rPr lang="en-US" altLang="ja-JP" sz="799" dirty="0"/>
               <a:t>6.25%</a:t>
             </a:r>
             <a:r>
-              <a:rPr lang="ja-JP" altLang="en-US" sz="800" dirty="0"/>
+              <a:rPr lang="ja-JP" altLang="en-US" sz="799" dirty="0"/>
               <a:t>）</a:t>
             </a:r>
           </a:p>
@@ -5409,8 +5409,8 @@
         </p:nvSpPr>
         <p:spPr>
           <a:xfrm>
-            <a:off x="1540224" y="2863638"/>
-            <a:ext cx="1179354" cy="132537"/>
+            <a:off x="1540223" y="1601170"/>
+            <a:ext cx="1179354" cy="132472"/>
           </a:xfrm>
           <a:prstGeom prst="rect">
             <a:avLst/>
@@ -5428,7 +5428,7 @@
                 <a:spcPct val="120000"/>
               </a:lnSpc>
               <a:spcAft>
-                <a:spcPts val="1200"/>
+                <a:spcPts val="1201"/>
               </a:spcAft>
               <a:buClr>
                 <a:schemeClr val="accent6">
@@ -5438,26 +5438,26 @@
               <a:buSzPct val="100000"/>
             </a:pPr>
             <a:r>
-              <a:rPr lang="ja-JP" altLang="en-US" sz="800" dirty="0"/>
+              <a:rPr lang="ja-JP" altLang="en-US" sz="799" dirty="0"/>
               <a:t>末尾</a:t>
             </a:r>
             <a:r>
-              <a:rPr lang="en-US" altLang="ja-JP" sz="800" dirty="0"/>
+              <a:rPr lang="en-US" altLang="ja-JP" sz="799" dirty="0"/>
               <a:t>3byte</a:t>
             </a:r>
             <a:r>
-              <a:rPr lang="ja-JP" altLang="en-US" sz="800" dirty="0"/>
+              <a:rPr lang="ja-JP" altLang="en-US" sz="799" dirty="0"/>
               <a:t>が異なる</a:t>
             </a:r>
             <a:r>
-              <a:rPr lang="en-US" altLang="ja-JP" sz="800" dirty="0"/>
+              <a:rPr lang="en-US" altLang="ja-JP" sz="799" dirty="0"/>
               <a:t>2</a:t>
             </a:r>
             <a:r>
-              <a:rPr lang="ja-JP" altLang="en-US" sz="800" dirty="0"/>
+              <a:rPr lang="ja-JP" altLang="en-US" sz="799" dirty="0"/>
               <a:t>キー</a:t>
             </a:r>
-            <a:endParaRPr lang="en-US" altLang="ja-JP" sz="800" dirty="0"/>
+            <a:endParaRPr lang="en-US" altLang="ja-JP" sz="799" dirty="0"/>
           </a:p>
         </p:txBody>
       </p:sp>
@@ -5475,8 +5475,8 @@
         </p:nvSpPr>
         <p:spPr>
           <a:xfrm>
-            <a:off x="1540224" y="3003430"/>
-            <a:ext cx="1179354" cy="134076"/>
+            <a:off x="1540223" y="1740960"/>
+            <a:ext cx="1179354" cy="132472"/>
           </a:xfrm>
           <a:prstGeom prst="rect">
             <a:avLst/>
@@ -5494,7 +5494,7 @@
                 <a:spcPct val="120000"/>
               </a:lnSpc>
               <a:spcAft>
-                <a:spcPts val="1200"/>
+                <a:spcPts val="1201"/>
               </a:spcAft>
               <a:buClr>
                 <a:schemeClr val="accent6">
@@ -5504,11 +5504,11 @@
               <a:buSzPct val="100000"/>
             </a:pPr>
             <a:r>
-              <a:rPr lang="ja-JP" altLang="en-US" sz="800" dirty="0"/>
+              <a:rPr lang="ja-JP" altLang="en-US" sz="799" dirty="0"/>
               <a:t>・</a:t>
             </a:r>
             <a:r>
-              <a:rPr lang="en-US" altLang="ja-JP" sz="800" dirty="0"/>
+              <a:rPr lang="en-US" altLang="ja-JP" sz="799" dirty="0"/>
               <a:t>www.jpn.example.com</a:t>
             </a:r>
           </a:p>
@@ -5528,8 +5528,8 @@
         </p:nvSpPr>
         <p:spPr>
           <a:xfrm>
-            <a:off x="1540224" y="3137506"/>
-            <a:ext cx="1179354" cy="134076"/>
+            <a:off x="1540223" y="1875036"/>
+            <a:ext cx="1179354" cy="132472"/>
           </a:xfrm>
           <a:prstGeom prst="rect">
             <a:avLst/>
@@ -5547,7 +5547,7 @@
                 <a:spcPct val="120000"/>
               </a:lnSpc>
               <a:spcAft>
-                <a:spcPts val="1200"/>
+                <a:spcPts val="1201"/>
               </a:spcAft>
               <a:buClr>
                 <a:schemeClr val="accent6">
@@ -5557,1320 +5557,13 @@
               <a:buSzPct val="100000"/>
             </a:pPr>
             <a:r>
-              <a:rPr lang="ja-JP" altLang="en-US" sz="800" dirty="0"/>
+              <a:rPr lang="ja-JP" altLang="en-US" sz="799" dirty="0"/>
               <a:t>・</a:t>
             </a:r>
             <a:r>
-              <a:rPr lang="en-US" altLang="ja-JP" sz="800" dirty="0"/>
+              <a:rPr lang="en-US" altLang="ja-JP" sz="799" dirty="0"/>
               <a:t>www.jpn.example.org</a:t>
             </a:r>
-          </a:p>
-        </p:txBody>
-      </p:sp>
-      <p:graphicFrame>
-        <p:nvGraphicFramePr>
-          <p:cNvPr id="5" name="表 49">
-            <a:extLst>
-              <a:ext uri="{FF2B5EF4-FFF2-40B4-BE49-F238E27FC236}">
-                <a16:creationId xmlns:a16="http://schemas.microsoft.com/office/drawing/2014/main" id="{225A37D1-23FB-2B3E-C749-FC7925AC37AF}"/>
-              </a:ext>
-            </a:extLst>
-          </p:cNvPr>
-          <p:cNvGraphicFramePr>
-            <a:graphicFrameLocks noGrp="1"/>
-          </p:cNvGraphicFramePr>
-          <p:nvPr>
-            <p:extLst>
-              <p:ext uri="{D42A27DB-BD31-4B8C-83A1-F6EECF244321}">
-                <p14:modId xmlns:p14="http://schemas.microsoft.com/office/powerpoint/2010/main" val="4136522293"/>
-              </p:ext>
-            </p:extLst>
-          </p:nvPr>
-        </p:nvGraphicFramePr>
-        <p:xfrm>
-          <a:off x="172659" y="277860"/>
-          <a:ext cx="633053" cy="914090"/>
-        </p:xfrm>
-        <a:graphic>
-          <a:graphicData uri="http://schemas.openxmlformats.org/drawingml/2006/table">
-            <a:tbl>
-              <a:tblPr firstRow="1" bandRow="1">
-                <a:tableStyleId>{2D5ABB26-0587-4C30-8999-92F81FD0307C}</a:tableStyleId>
-              </a:tblPr>
-              <a:tblGrid>
-                <a:gridCol w="633053">
-                  <a:extLst>
-                    <a:ext uri="{9D8B030D-6E8A-4147-A177-3AD203B41FA5}">
-                      <a16:colId xmlns:a16="http://schemas.microsoft.com/office/drawing/2014/main" val="1391329631"/>
-                    </a:ext>
-                  </a:extLst>
-                </a:gridCol>
-              </a:tblGrid>
-              <a:tr h="150873">
-                <a:tc>
-                  <a:txBody>
-                    <a:bodyPr/>
-                    <a:lstStyle/>
-                    <a:p>
-                      <a:pPr algn="ctr"/>
-                      <a:r>
-                        <a:rPr kumimoji="1" lang="en-US" altLang="ja-JP" sz="900" dirty="0">
-                          <a:latin typeface="Cambria Math" panose="02040503050406030204" pitchFamily="18" charset="0"/>
-                        </a:rPr>
-                        <a:t>Header</a:t>
-                      </a:r>
-                      <a:endParaRPr kumimoji="1" lang="ja-JP" altLang="en-US" sz="900" dirty="0">
-                        <a:latin typeface="Cambria Math" panose="02040503050406030204" pitchFamily="18" charset="0"/>
-                      </a:endParaRPr>
-                    </a:p>
-                  </a:txBody>
-                  <a:tcPr marL="18226" marR="18226" marT="9113" marB="9113" anchor="ctr">
-                    <a:lnL w="12700" cap="flat" cmpd="sng" algn="ctr">
-                      <a:solidFill>
-                        <a:schemeClr val="tx1"/>
-                      </a:solidFill>
-                      <a:prstDash val="solid"/>
-                      <a:round/>
-                      <a:headEnd type="none" w="med" len="med"/>
-                      <a:tailEnd type="none" w="med" len="med"/>
-                    </a:lnL>
-                    <a:lnR w="12700" cap="flat" cmpd="sng" algn="ctr">
-                      <a:solidFill>
-                        <a:schemeClr val="tx1"/>
-                      </a:solidFill>
-                      <a:prstDash val="solid"/>
-                      <a:round/>
-                      <a:headEnd type="none" w="med" len="med"/>
-                      <a:tailEnd type="none" w="med" len="med"/>
-                    </a:lnR>
-                    <a:lnT w="12700" cap="flat" cmpd="sng" algn="ctr">
-                      <a:solidFill>
-                        <a:schemeClr val="tx1"/>
-                      </a:solidFill>
-                      <a:prstDash val="solid"/>
-                      <a:round/>
-                      <a:headEnd type="none" w="med" len="med"/>
-                      <a:tailEnd type="none" w="med" len="med"/>
-                    </a:lnT>
-                    <a:lnB w="9525" cap="flat" cmpd="sng" algn="ctr">
-                      <a:solidFill>
-                        <a:schemeClr val="tx1"/>
-                      </a:solidFill>
-                      <a:prstDash val="solid"/>
-                      <a:round/>
-                      <a:headEnd type="none" w="med" len="med"/>
-                      <a:tailEnd type="none" w="med" len="med"/>
-                    </a:lnB>
-                    <a:solidFill>
-                      <a:schemeClr val="bg1"/>
-                    </a:solidFill>
-                  </a:tcPr>
-                </a:tc>
-                <a:extLst>
-                  <a:ext uri="{0D108BD9-81ED-4DB2-BD59-A6C34878D82A}">
-                    <a16:rowId xmlns:a16="http://schemas.microsoft.com/office/drawing/2014/main" val="3783925622"/>
-                  </a:ext>
-                </a:extLst>
-              </a:tr>
-              <a:tr h="150873">
-                <a:tc>
-                  <a:txBody>
-                    <a:bodyPr/>
-                    <a:lstStyle/>
-                    <a:p>
-                      <a:pPr algn="ctr"/>
-                      <a:r>
-                        <a:rPr kumimoji="1" lang="en-US" altLang="ja-JP" sz="900" dirty="0">
-                          <a:latin typeface="Cambria Math" panose="02040503050406030204" pitchFamily="18" charset="0"/>
-                          <a:ea typeface="Cambria Math" panose="02040503050406030204" pitchFamily="18" charset="0"/>
-                        </a:rPr>
-                        <a:t>Key1:</a:t>
-                      </a:r>
-                    </a:p>
-                    <a:p>
-                      <a:pPr algn="ctr"/>
-                      <a:r>
-                        <a:rPr kumimoji="1" lang="en-US" altLang="ja-JP" sz="900" dirty="0">
-                          <a:latin typeface="Cambria Math" panose="02040503050406030204" pitchFamily="18" charset="0"/>
-                          <a:ea typeface="Cambria Math" panose="02040503050406030204" pitchFamily="18" charset="0"/>
-                        </a:rPr>
-                        <a:t>“www.jpn.”</a:t>
-                      </a:r>
-                      <a:endParaRPr kumimoji="1" lang="ja-JP" altLang="en-US" sz="900" dirty="0">
-                        <a:latin typeface="Cambria Math" panose="02040503050406030204" pitchFamily="18" charset="0"/>
-                      </a:endParaRPr>
-                    </a:p>
-                  </a:txBody>
-                  <a:tcPr marL="18226" marR="18226" marT="9113" marB="9113" anchor="ctr">
-                    <a:lnL w="12700" cap="flat" cmpd="sng" algn="ctr">
-                      <a:solidFill>
-                        <a:schemeClr val="tx1"/>
-                      </a:solidFill>
-                      <a:prstDash val="solid"/>
-                      <a:round/>
-                      <a:headEnd type="none" w="med" len="med"/>
-                      <a:tailEnd type="none" w="med" len="med"/>
-                    </a:lnL>
-                    <a:lnR w="12700" cap="flat" cmpd="sng" algn="ctr">
-                      <a:solidFill>
-                        <a:schemeClr val="tx1"/>
-                      </a:solidFill>
-                      <a:prstDash val="solid"/>
-                      <a:round/>
-                      <a:headEnd type="none" w="med" len="med"/>
-                      <a:tailEnd type="none" w="med" len="med"/>
-                    </a:lnR>
-                    <a:lnT w="9525" cap="flat" cmpd="sng" algn="ctr">
-                      <a:solidFill>
-                        <a:schemeClr val="tx1"/>
-                      </a:solidFill>
-                      <a:prstDash val="solid"/>
-                      <a:round/>
-                      <a:headEnd type="none" w="med" len="med"/>
-                      <a:tailEnd type="none" w="med" len="med"/>
-                    </a:lnT>
-                    <a:solidFill>
-                      <a:schemeClr val="bg1"/>
-                    </a:solidFill>
-                  </a:tcPr>
-                </a:tc>
-                <a:extLst>
-                  <a:ext uri="{0D108BD9-81ED-4DB2-BD59-A6C34878D82A}">
-                    <a16:rowId xmlns:a16="http://schemas.microsoft.com/office/drawing/2014/main" val="2244812955"/>
-                  </a:ext>
-                </a:extLst>
-              </a:tr>
-              <a:tr h="150873">
-                <a:tc>
-                  <a:txBody>
-                    <a:bodyPr/>
-                    <a:lstStyle/>
-                    <a:p>
-                      <a:pPr algn="ctr"/>
-                      <a:r>
-                        <a:rPr kumimoji="1" lang="en-US" altLang="ja-JP" sz="900" dirty="0">
-                          <a:latin typeface="Cambria Math" panose="02040503050406030204" pitchFamily="18" charset="0"/>
-                          <a:ea typeface="Cambria Math" panose="02040503050406030204" pitchFamily="18" charset="0"/>
-                        </a:rPr>
-                        <a:t>...</a:t>
-                      </a:r>
-                      <a:endParaRPr kumimoji="1" lang="ja-JP" altLang="en-US" sz="900" dirty="0">
-                        <a:latin typeface="Cambria Math" panose="02040503050406030204" pitchFamily="18" charset="0"/>
-                      </a:endParaRPr>
-                    </a:p>
-                  </a:txBody>
-                  <a:tcPr marL="18226" marR="18226" marT="9113" marB="9113" anchor="ctr">
-                    <a:lnL w="12700" cap="flat" cmpd="sng" algn="ctr">
-                      <a:solidFill>
-                        <a:schemeClr val="tx1"/>
-                      </a:solidFill>
-                      <a:prstDash val="solid"/>
-                      <a:round/>
-                      <a:headEnd type="none" w="med" len="med"/>
-                      <a:tailEnd type="none" w="med" len="med"/>
-                    </a:lnL>
-                    <a:lnR w="12700" cap="flat" cmpd="sng" algn="ctr">
-                      <a:solidFill>
-                        <a:schemeClr val="tx1"/>
-                      </a:solidFill>
-                      <a:prstDash val="solid"/>
-                      <a:round/>
-                      <a:headEnd type="none" w="med" len="med"/>
-                      <a:tailEnd type="none" w="med" len="med"/>
-                    </a:lnR>
-                    <a:lnB w="9525" cap="flat" cmpd="sng" algn="ctr">
-                      <a:solidFill>
-                        <a:schemeClr val="tx1"/>
-                      </a:solidFill>
-                      <a:prstDash val="sysDot"/>
-                      <a:round/>
-                      <a:headEnd type="none" w="med" len="med"/>
-                      <a:tailEnd type="none" w="med" len="med"/>
-                    </a:lnB>
-                    <a:solidFill>
-                      <a:schemeClr val="bg1"/>
-                    </a:solidFill>
-                  </a:tcPr>
-                </a:tc>
-                <a:extLst>
-                  <a:ext uri="{0D108BD9-81ED-4DB2-BD59-A6C34878D82A}">
-                    <a16:rowId xmlns:a16="http://schemas.microsoft.com/office/drawing/2014/main" val="1930659369"/>
-                  </a:ext>
-                </a:extLst>
-              </a:tr>
-              <a:tr h="150873">
-                <a:tc>
-                  <a:txBody>
-                    <a:bodyPr/>
-                    <a:lstStyle/>
-                    <a:p>
-                      <a:pPr algn="ctr"/>
-                      <a:r>
-                        <a:rPr kumimoji="1" lang="en-US" altLang="ja-JP" sz="900" dirty="0">
-                          <a:latin typeface="Cambria Math" panose="02040503050406030204" pitchFamily="18" charset="0"/>
-                        </a:rPr>
-                        <a:t>...</a:t>
-                      </a:r>
-                      <a:endParaRPr kumimoji="1" lang="ja-JP" altLang="en-US" sz="900" dirty="0">
-                        <a:latin typeface="Cambria Math" panose="02040503050406030204" pitchFamily="18" charset="0"/>
-                      </a:endParaRPr>
-                    </a:p>
-                  </a:txBody>
-                  <a:tcPr marL="18226" marR="18226" marT="9113" marB="9113" anchor="ctr">
-                    <a:lnL w="12700" cap="flat" cmpd="sng" algn="ctr">
-                      <a:solidFill>
-                        <a:schemeClr val="tx1"/>
-                      </a:solidFill>
-                      <a:prstDash val="solid"/>
-                      <a:round/>
-                      <a:headEnd type="none" w="med" len="med"/>
-                      <a:tailEnd type="none" w="med" len="med"/>
-                    </a:lnL>
-                    <a:lnR w="12700" cap="flat" cmpd="sng" algn="ctr">
-                      <a:solidFill>
-                        <a:schemeClr val="tx1"/>
-                      </a:solidFill>
-                      <a:prstDash val="solid"/>
-                      <a:round/>
-                      <a:headEnd type="none" w="med" len="med"/>
-                      <a:tailEnd type="none" w="med" len="med"/>
-                    </a:lnR>
-                    <a:lnT w="9525" cap="flat" cmpd="sng" algn="ctr">
-                      <a:solidFill>
-                        <a:schemeClr val="tx1"/>
-                      </a:solidFill>
-                      <a:prstDash val="sysDot"/>
-                      <a:round/>
-                      <a:headEnd type="none" w="med" len="med"/>
-                      <a:tailEnd type="none" w="med" len="med"/>
-                    </a:lnT>
-                    <a:lnB w="12700" cap="flat" cmpd="sng" algn="ctr">
-                      <a:noFill/>
-                      <a:prstDash val="solid"/>
-                      <a:round/>
-                      <a:headEnd type="none" w="med" len="med"/>
-                      <a:tailEnd type="none" w="med" len="med"/>
-                    </a:lnB>
-                    <a:solidFill>
-                      <a:schemeClr val="bg1"/>
-                    </a:solidFill>
-                  </a:tcPr>
-                </a:tc>
-                <a:extLst>
-                  <a:ext uri="{0D108BD9-81ED-4DB2-BD59-A6C34878D82A}">
-                    <a16:rowId xmlns:a16="http://schemas.microsoft.com/office/drawing/2014/main" val="4212267831"/>
-                  </a:ext>
-                </a:extLst>
-              </a:tr>
-              <a:tr h="150873">
-                <a:tc>
-                  <a:txBody>
-                    <a:bodyPr/>
-                    <a:lstStyle/>
-                    <a:p>
-                      <a:pPr algn="ctr"/>
-                      <a:r>
-                        <a:rPr kumimoji="1" lang="en-US" altLang="ja-JP" sz="900" dirty="0">
-                          <a:latin typeface="Cambria Math" panose="02040503050406030204" pitchFamily="18" charset="0"/>
-                        </a:rPr>
-                        <a:t>Link1</a:t>
-                      </a:r>
-                      <a:endParaRPr kumimoji="1" lang="ja-JP" altLang="en-US" sz="900" dirty="0">
-                        <a:latin typeface="Cambria Math" panose="02040503050406030204" pitchFamily="18" charset="0"/>
-                      </a:endParaRPr>
-                    </a:p>
-                  </a:txBody>
-                  <a:tcPr marL="18226" marR="18226" marT="9113" marB="9113" anchor="ctr">
-                    <a:lnL w="12700" cap="flat" cmpd="sng" algn="ctr">
-                      <a:solidFill>
-                        <a:schemeClr val="tx1"/>
-                      </a:solidFill>
-                      <a:prstDash val="solid"/>
-                      <a:round/>
-                      <a:headEnd type="none" w="med" len="med"/>
-                      <a:tailEnd type="none" w="med" len="med"/>
-                    </a:lnL>
-                    <a:lnR w="12700" cap="flat" cmpd="sng" algn="ctr">
-                      <a:solidFill>
-                        <a:schemeClr val="tx1"/>
-                      </a:solidFill>
-                      <a:prstDash val="solid"/>
-                      <a:round/>
-                      <a:headEnd type="none" w="med" len="med"/>
-                      <a:tailEnd type="none" w="med" len="med"/>
-                    </a:lnR>
-                    <a:lnT w="12700" cap="flat" cmpd="sng" algn="ctr">
-                      <a:noFill/>
-                      <a:prstDash val="solid"/>
-                      <a:round/>
-                      <a:headEnd type="none" w="med" len="med"/>
-                      <a:tailEnd type="none" w="med" len="med"/>
-                    </a:lnT>
-                    <a:lnB w="9525" cap="flat" cmpd="sng" algn="ctr">
-                      <a:solidFill>
-                        <a:schemeClr val="tx1"/>
-                      </a:solidFill>
-                      <a:prstDash val="solid"/>
-                      <a:round/>
-                      <a:headEnd type="none" w="med" len="med"/>
-                      <a:tailEnd type="none" w="med" len="med"/>
-                    </a:lnB>
-                    <a:solidFill>
-                      <a:schemeClr val="bg1"/>
-                    </a:solidFill>
-                  </a:tcPr>
-                </a:tc>
-                <a:extLst>
-                  <a:ext uri="{0D108BD9-81ED-4DB2-BD59-A6C34878D82A}">
-                    <a16:rowId xmlns:a16="http://schemas.microsoft.com/office/drawing/2014/main" val="77431627"/>
-                  </a:ext>
-                </a:extLst>
-              </a:tr>
-            </a:tbl>
-          </a:graphicData>
-        </a:graphic>
-      </p:graphicFrame>
-      <p:graphicFrame>
-        <p:nvGraphicFramePr>
-          <p:cNvPr id="6" name="表 49">
-            <a:extLst>
-              <a:ext uri="{FF2B5EF4-FFF2-40B4-BE49-F238E27FC236}">
-                <a16:creationId xmlns:a16="http://schemas.microsoft.com/office/drawing/2014/main" id="{9BC05E81-CBB9-52D7-51E3-C0033739437E}"/>
-              </a:ext>
-            </a:extLst>
-          </p:cNvPr>
-          <p:cNvGraphicFramePr>
-            <a:graphicFrameLocks noGrp="1"/>
-          </p:cNvGraphicFramePr>
-          <p:nvPr>
-            <p:extLst>
-              <p:ext uri="{D42A27DB-BD31-4B8C-83A1-F6EECF244321}">
-                <p14:modId xmlns:p14="http://schemas.microsoft.com/office/powerpoint/2010/main" val="585049613"/>
-              </p:ext>
-            </p:extLst>
-          </p:nvPr>
-        </p:nvGraphicFramePr>
-        <p:xfrm>
-          <a:off x="1139567" y="277859"/>
-          <a:ext cx="633054" cy="914090"/>
-        </p:xfrm>
-        <a:graphic>
-          <a:graphicData uri="http://schemas.openxmlformats.org/drawingml/2006/table">
-            <a:tbl>
-              <a:tblPr firstRow="1" bandRow="1">
-                <a:tableStyleId>{2D5ABB26-0587-4C30-8999-92F81FD0307C}</a:tableStyleId>
-              </a:tblPr>
-              <a:tblGrid>
-                <a:gridCol w="633054">
-                  <a:extLst>
-                    <a:ext uri="{9D8B030D-6E8A-4147-A177-3AD203B41FA5}">
-                      <a16:colId xmlns:a16="http://schemas.microsoft.com/office/drawing/2014/main" val="1391329631"/>
-                    </a:ext>
-                  </a:extLst>
-                </a:gridCol>
-              </a:tblGrid>
-              <a:tr h="143849">
-                <a:tc>
-                  <a:txBody>
-                    <a:bodyPr/>
-                    <a:lstStyle/>
-                    <a:p>
-                      <a:pPr algn="ctr"/>
-                      <a:r>
-                        <a:rPr kumimoji="1" lang="en-US" altLang="ja-JP" sz="900" dirty="0">
-                          <a:latin typeface="Cambria Math" panose="02040503050406030204" pitchFamily="18" charset="0"/>
-                        </a:rPr>
-                        <a:t>Header</a:t>
-                      </a:r>
-                      <a:endParaRPr kumimoji="1" lang="ja-JP" altLang="en-US" sz="900" dirty="0">
-                        <a:latin typeface="Cambria Math" panose="02040503050406030204" pitchFamily="18" charset="0"/>
-                      </a:endParaRPr>
-                    </a:p>
-                  </a:txBody>
-                  <a:tcPr marL="18226" marR="18226" marT="9113" marB="9113" anchor="ctr">
-                    <a:lnL w="12700" cap="flat" cmpd="sng" algn="ctr">
-                      <a:solidFill>
-                        <a:schemeClr val="tx1"/>
-                      </a:solidFill>
-                      <a:prstDash val="solid"/>
-                      <a:round/>
-                      <a:headEnd type="none" w="med" len="med"/>
-                      <a:tailEnd type="none" w="med" len="med"/>
-                    </a:lnL>
-                    <a:lnR w="12700" cap="flat" cmpd="sng" algn="ctr">
-                      <a:solidFill>
-                        <a:schemeClr val="tx1"/>
-                      </a:solidFill>
-                      <a:prstDash val="solid"/>
-                      <a:round/>
-                      <a:headEnd type="none" w="med" len="med"/>
-                      <a:tailEnd type="none" w="med" len="med"/>
-                    </a:lnR>
-                    <a:lnT w="12700" cap="flat" cmpd="sng" algn="ctr">
-                      <a:solidFill>
-                        <a:schemeClr val="tx1"/>
-                      </a:solidFill>
-                      <a:prstDash val="solid"/>
-                      <a:round/>
-                      <a:headEnd type="none" w="med" len="med"/>
-                      <a:tailEnd type="none" w="med" len="med"/>
-                    </a:lnT>
-                    <a:lnB w="9525" cap="flat" cmpd="sng" algn="ctr">
-                      <a:solidFill>
-                        <a:schemeClr val="tx1"/>
-                      </a:solidFill>
-                      <a:prstDash val="solid"/>
-                      <a:round/>
-                      <a:headEnd type="none" w="med" len="med"/>
-                      <a:tailEnd type="none" w="med" len="med"/>
-                    </a:lnB>
-                    <a:solidFill>
-                      <a:schemeClr val="bg1"/>
-                    </a:solidFill>
-                  </a:tcPr>
-                </a:tc>
-                <a:extLst>
-                  <a:ext uri="{0D108BD9-81ED-4DB2-BD59-A6C34878D82A}">
-                    <a16:rowId xmlns:a16="http://schemas.microsoft.com/office/drawing/2014/main" val="3783925622"/>
-                  </a:ext>
-                </a:extLst>
-              </a:tr>
-              <a:tr h="266707">
-                <a:tc>
-                  <a:txBody>
-                    <a:bodyPr/>
-                    <a:lstStyle/>
-                    <a:p>
-                      <a:pPr algn="ctr"/>
-                      <a:r>
-                        <a:rPr kumimoji="1" lang="en-US" altLang="ja-JP" sz="900" dirty="0">
-                          <a:latin typeface="Cambria Math" panose="02040503050406030204" pitchFamily="18" charset="0"/>
-                          <a:ea typeface="Cambria Math" panose="02040503050406030204" pitchFamily="18" charset="0"/>
-                        </a:rPr>
-                        <a:t>Key1:</a:t>
-                      </a:r>
-                    </a:p>
-                    <a:p>
-                      <a:pPr algn="ctr"/>
-                      <a:r>
-                        <a:rPr kumimoji="1" lang="en-US" altLang="ja-JP" sz="900" dirty="0">
-                          <a:latin typeface="Cambria Math" panose="02040503050406030204" pitchFamily="18" charset="0"/>
-                          <a:ea typeface="Cambria Math" panose="02040503050406030204" pitchFamily="18" charset="0"/>
-                        </a:rPr>
-                        <a:t>“example.”</a:t>
-                      </a:r>
-                    </a:p>
-                  </a:txBody>
-                  <a:tcPr marL="18226" marR="18226" marT="9113" marB="9113" anchor="ctr">
-                    <a:lnL w="12700" cap="flat" cmpd="sng" algn="ctr">
-                      <a:solidFill>
-                        <a:schemeClr val="tx1"/>
-                      </a:solidFill>
-                      <a:prstDash val="solid"/>
-                      <a:round/>
-                      <a:headEnd type="none" w="med" len="med"/>
-                      <a:tailEnd type="none" w="med" len="med"/>
-                    </a:lnL>
-                    <a:lnR w="12700" cap="flat" cmpd="sng" algn="ctr">
-                      <a:solidFill>
-                        <a:schemeClr val="tx1"/>
-                      </a:solidFill>
-                      <a:prstDash val="solid"/>
-                      <a:round/>
-                      <a:headEnd type="none" w="med" len="med"/>
-                      <a:tailEnd type="none" w="med" len="med"/>
-                    </a:lnR>
-                    <a:lnT w="9525" cap="flat" cmpd="sng" algn="ctr">
-                      <a:solidFill>
-                        <a:schemeClr val="tx1"/>
-                      </a:solidFill>
-                      <a:prstDash val="solid"/>
-                      <a:round/>
-                      <a:headEnd type="none" w="med" len="med"/>
-                      <a:tailEnd type="none" w="med" len="med"/>
-                    </a:lnT>
-                    <a:solidFill>
-                      <a:schemeClr val="bg1"/>
-                    </a:solidFill>
-                  </a:tcPr>
-                </a:tc>
-                <a:extLst>
-                  <a:ext uri="{0D108BD9-81ED-4DB2-BD59-A6C34878D82A}">
-                    <a16:rowId xmlns:a16="http://schemas.microsoft.com/office/drawing/2014/main" val="2244812955"/>
-                  </a:ext>
-                </a:extLst>
-              </a:tr>
-              <a:tr h="143849">
-                <a:tc>
-                  <a:txBody>
-                    <a:bodyPr/>
-                    <a:lstStyle/>
-                    <a:p>
-                      <a:pPr algn="ctr"/>
-                      <a:endParaRPr kumimoji="1" lang="ja-JP" altLang="en-US" sz="900" dirty="0">
-                        <a:latin typeface="Cambria Math" panose="02040503050406030204" pitchFamily="18" charset="0"/>
-                      </a:endParaRPr>
-                    </a:p>
-                  </a:txBody>
-                  <a:tcPr marL="18226" marR="18226" marT="9113" marB="9113" anchor="ctr">
-                    <a:lnL w="12700" cap="flat" cmpd="sng" algn="ctr">
-                      <a:solidFill>
-                        <a:schemeClr val="tx1"/>
-                      </a:solidFill>
-                      <a:prstDash val="solid"/>
-                      <a:round/>
-                      <a:headEnd type="none" w="med" len="med"/>
-                      <a:tailEnd type="none" w="med" len="med"/>
-                    </a:lnL>
-                    <a:lnR w="12700" cap="flat" cmpd="sng" algn="ctr">
-                      <a:solidFill>
-                        <a:schemeClr val="tx1"/>
-                      </a:solidFill>
-                      <a:prstDash val="solid"/>
-                      <a:round/>
-                      <a:headEnd type="none" w="med" len="med"/>
-                      <a:tailEnd type="none" w="med" len="med"/>
-                    </a:lnR>
-                    <a:lnB w="9525" cap="flat" cmpd="sng" algn="ctr">
-                      <a:solidFill>
-                        <a:schemeClr val="tx1"/>
-                      </a:solidFill>
-                      <a:prstDash val="sysDot"/>
-                      <a:round/>
-                      <a:headEnd type="none" w="med" len="med"/>
-                      <a:tailEnd type="none" w="med" len="med"/>
-                    </a:lnB>
-                    <a:solidFill>
-                      <a:schemeClr val="bg1"/>
-                    </a:solidFill>
-                  </a:tcPr>
-                </a:tc>
-                <a:extLst>
-                  <a:ext uri="{0D108BD9-81ED-4DB2-BD59-A6C34878D82A}">
-                    <a16:rowId xmlns:a16="http://schemas.microsoft.com/office/drawing/2014/main" val="1930659369"/>
-                  </a:ext>
-                </a:extLst>
-              </a:tr>
-              <a:tr h="143849">
-                <a:tc>
-                  <a:txBody>
-                    <a:bodyPr/>
-                    <a:lstStyle/>
-                    <a:p>
-                      <a:pPr algn="ctr"/>
-                      <a:endParaRPr kumimoji="1" lang="ja-JP" altLang="en-US" sz="900" dirty="0">
-                        <a:latin typeface="Cambria Math" panose="02040503050406030204" pitchFamily="18" charset="0"/>
-                      </a:endParaRPr>
-                    </a:p>
-                  </a:txBody>
-                  <a:tcPr marL="18226" marR="18226" marT="9113" marB="9113" anchor="ctr">
-                    <a:lnL w="12700" cap="flat" cmpd="sng" algn="ctr">
-                      <a:solidFill>
-                        <a:schemeClr val="tx1"/>
-                      </a:solidFill>
-                      <a:prstDash val="solid"/>
-                      <a:round/>
-                      <a:headEnd type="none" w="med" len="med"/>
-                      <a:tailEnd type="none" w="med" len="med"/>
-                    </a:lnL>
-                    <a:lnR w="12700" cap="flat" cmpd="sng" algn="ctr">
-                      <a:solidFill>
-                        <a:schemeClr val="tx1"/>
-                      </a:solidFill>
-                      <a:prstDash val="solid"/>
-                      <a:round/>
-                      <a:headEnd type="none" w="med" len="med"/>
-                      <a:tailEnd type="none" w="med" len="med"/>
-                    </a:lnR>
-                    <a:lnT w="9525" cap="flat" cmpd="sng" algn="ctr">
-                      <a:solidFill>
-                        <a:schemeClr val="tx1"/>
-                      </a:solidFill>
-                      <a:prstDash val="sysDot"/>
-                      <a:round/>
-                      <a:headEnd type="none" w="med" len="med"/>
-                      <a:tailEnd type="none" w="med" len="med"/>
-                    </a:lnT>
-                    <a:lnB w="12700" cap="flat" cmpd="sng" algn="ctr">
-                      <a:noFill/>
-                      <a:prstDash val="solid"/>
-                      <a:round/>
-                      <a:headEnd type="none" w="med" len="med"/>
-                      <a:tailEnd type="none" w="med" len="med"/>
-                    </a:lnB>
-                    <a:solidFill>
-                      <a:schemeClr val="bg1"/>
-                    </a:solidFill>
-                  </a:tcPr>
-                </a:tc>
-                <a:extLst>
-                  <a:ext uri="{0D108BD9-81ED-4DB2-BD59-A6C34878D82A}">
-                    <a16:rowId xmlns:a16="http://schemas.microsoft.com/office/drawing/2014/main" val="4212267831"/>
-                  </a:ext>
-                </a:extLst>
-              </a:tr>
-              <a:tr h="143849">
-                <a:tc>
-                  <a:txBody>
-                    <a:bodyPr/>
-                    <a:lstStyle/>
-                    <a:p>
-                      <a:pPr algn="ctr"/>
-                      <a:r>
-                        <a:rPr kumimoji="1" lang="en-US" altLang="ja-JP" sz="900" dirty="0">
-                          <a:latin typeface="Cambria Math" panose="02040503050406030204" pitchFamily="18" charset="0"/>
-                        </a:rPr>
-                        <a:t>Link1</a:t>
-                      </a:r>
-                      <a:endParaRPr kumimoji="1" lang="ja-JP" altLang="en-US" sz="900" dirty="0">
-                        <a:latin typeface="Cambria Math" panose="02040503050406030204" pitchFamily="18" charset="0"/>
-                      </a:endParaRPr>
-                    </a:p>
-                  </a:txBody>
-                  <a:tcPr marL="18226" marR="18226" marT="9113" marB="9113" anchor="ctr">
-                    <a:lnL w="12700" cap="flat" cmpd="sng" algn="ctr">
-                      <a:solidFill>
-                        <a:schemeClr val="tx1"/>
-                      </a:solidFill>
-                      <a:prstDash val="solid"/>
-                      <a:round/>
-                      <a:headEnd type="none" w="med" len="med"/>
-                      <a:tailEnd type="none" w="med" len="med"/>
-                    </a:lnL>
-                    <a:lnR w="12700" cap="flat" cmpd="sng" algn="ctr">
-                      <a:solidFill>
-                        <a:schemeClr val="tx1"/>
-                      </a:solidFill>
-                      <a:prstDash val="solid"/>
-                      <a:round/>
-                      <a:headEnd type="none" w="med" len="med"/>
-                      <a:tailEnd type="none" w="med" len="med"/>
-                    </a:lnR>
-                    <a:lnT w="12700" cap="flat" cmpd="sng" algn="ctr">
-                      <a:noFill/>
-                      <a:prstDash val="solid"/>
-                      <a:round/>
-                      <a:headEnd type="none" w="med" len="med"/>
-                      <a:tailEnd type="none" w="med" len="med"/>
-                    </a:lnT>
-                    <a:lnB w="9525" cap="flat" cmpd="sng" algn="ctr">
-                      <a:solidFill>
-                        <a:schemeClr val="tx1"/>
-                      </a:solidFill>
-                      <a:prstDash val="solid"/>
-                      <a:round/>
-                      <a:headEnd type="none" w="med" len="med"/>
-                      <a:tailEnd type="none" w="med" len="med"/>
-                    </a:lnB>
-                    <a:solidFill>
-                      <a:schemeClr val="bg1"/>
-                    </a:solidFill>
-                  </a:tcPr>
-                </a:tc>
-                <a:extLst>
-                  <a:ext uri="{0D108BD9-81ED-4DB2-BD59-A6C34878D82A}">
-                    <a16:rowId xmlns:a16="http://schemas.microsoft.com/office/drawing/2014/main" val="77431627"/>
-                  </a:ext>
-                </a:extLst>
-              </a:tr>
-            </a:tbl>
-          </a:graphicData>
-        </a:graphic>
-      </p:graphicFrame>
-      <p:graphicFrame>
-        <p:nvGraphicFramePr>
-          <p:cNvPr id="7" name="表 49">
-            <a:extLst>
-              <a:ext uri="{FF2B5EF4-FFF2-40B4-BE49-F238E27FC236}">
-                <a16:creationId xmlns:a16="http://schemas.microsoft.com/office/drawing/2014/main" id="{D77639C1-6BC3-0931-A2E3-81653793EE0E}"/>
-              </a:ext>
-            </a:extLst>
-          </p:cNvPr>
-          <p:cNvGraphicFramePr>
-            <a:graphicFrameLocks noGrp="1"/>
-          </p:cNvGraphicFramePr>
-          <p:nvPr>
-            <p:extLst>
-              <p:ext uri="{D42A27DB-BD31-4B8C-83A1-F6EECF244321}">
-                <p14:modId xmlns:p14="http://schemas.microsoft.com/office/powerpoint/2010/main" val="3416825018"/>
-              </p:ext>
-            </p:extLst>
-          </p:nvPr>
-        </p:nvGraphicFramePr>
-        <p:xfrm>
-          <a:off x="2061025" y="277859"/>
-          <a:ext cx="662373" cy="1051250"/>
-        </p:xfrm>
-        <a:graphic>
-          <a:graphicData uri="http://schemas.openxmlformats.org/drawingml/2006/table">
-            <a:tbl>
-              <a:tblPr firstRow="1" bandRow="1">
-                <a:tableStyleId>{2D5ABB26-0587-4C30-8999-92F81FD0307C}</a:tableStyleId>
-              </a:tblPr>
-              <a:tblGrid>
-                <a:gridCol w="662373">
-                  <a:extLst>
-                    <a:ext uri="{9D8B030D-6E8A-4147-A177-3AD203B41FA5}">
-                      <a16:colId xmlns:a16="http://schemas.microsoft.com/office/drawing/2014/main" val="1391329631"/>
-                    </a:ext>
-                  </a:extLst>
-                </a:gridCol>
-              </a:tblGrid>
-              <a:tr h="143849">
-                <a:tc>
-                  <a:txBody>
-                    <a:bodyPr/>
-                    <a:lstStyle/>
-                    <a:p>
-                      <a:pPr algn="ctr"/>
-                      <a:r>
-                        <a:rPr kumimoji="1" lang="en-US" altLang="ja-JP" sz="900" dirty="0">
-                          <a:latin typeface="Cambria Math" panose="02040503050406030204" pitchFamily="18" charset="0"/>
-                        </a:rPr>
-                        <a:t>Header</a:t>
-                      </a:r>
-                      <a:endParaRPr kumimoji="1" lang="ja-JP" altLang="en-US" sz="900" dirty="0">
-                        <a:latin typeface="Cambria Math" panose="02040503050406030204" pitchFamily="18" charset="0"/>
-                      </a:endParaRPr>
-                    </a:p>
-                  </a:txBody>
-                  <a:tcPr marL="18226" marR="18226" marT="9113" marB="9113" anchor="ctr">
-                    <a:lnL w="12700" cap="flat" cmpd="sng" algn="ctr">
-                      <a:solidFill>
-                        <a:schemeClr val="tx1"/>
-                      </a:solidFill>
-                      <a:prstDash val="solid"/>
-                      <a:round/>
-                      <a:headEnd type="none" w="med" len="med"/>
-                      <a:tailEnd type="none" w="med" len="med"/>
-                    </a:lnL>
-                    <a:lnR w="12700" cap="flat" cmpd="sng" algn="ctr">
-                      <a:solidFill>
-                        <a:schemeClr val="tx1"/>
-                      </a:solidFill>
-                      <a:prstDash val="solid"/>
-                      <a:round/>
-                      <a:headEnd type="none" w="med" len="med"/>
-                      <a:tailEnd type="none" w="med" len="med"/>
-                    </a:lnR>
-                    <a:lnT w="12700" cap="flat" cmpd="sng" algn="ctr">
-                      <a:solidFill>
-                        <a:schemeClr val="tx1"/>
-                      </a:solidFill>
-                      <a:prstDash val="solid"/>
-                      <a:round/>
-                      <a:headEnd type="none" w="med" len="med"/>
-                      <a:tailEnd type="none" w="med" len="med"/>
-                    </a:lnT>
-                    <a:lnB w="9525" cap="flat" cmpd="sng" algn="ctr">
-                      <a:solidFill>
-                        <a:schemeClr val="tx1"/>
-                      </a:solidFill>
-                      <a:prstDash val="solid"/>
-                      <a:round/>
-                      <a:headEnd type="none" w="med" len="med"/>
-                      <a:tailEnd type="none" w="med" len="med"/>
-                    </a:lnB>
-                    <a:solidFill>
-                      <a:schemeClr val="bg1"/>
-                    </a:solidFill>
-                  </a:tcPr>
-                </a:tc>
-                <a:extLst>
-                  <a:ext uri="{0D108BD9-81ED-4DB2-BD59-A6C34878D82A}">
-                    <a16:rowId xmlns:a16="http://schemas.microsoft.com/office/drawing/2014/main" val="3783925622"/>
-                  </a:ext>
-                </a:extLst>
-              </a:tr>
-              <a:tr h="266707">
-                <a:tc>
-                  <a:txBody>
-                    <a:bodyPr/>
-                    <a:lstStyle/>
-                    <a:p>
-                      <a:pPr algn="ctr"/>
-                      <a:r>
-                        <a:rPr kumimoji="1" lang="en-US" altLang="ja-JP" sz="900" dirty="0">
-                          <a:latin typeface="Cambria Math" panose="02040503050406030204" pitchFamily="18" charset="0"/>
-                          <a:ea typeface="Cambria Math" panose="02040503050406030204" pitchFamily="18" charset="0"/>
-                        </a:rPr>
-                        <a:t>Key1:“com”</a:t>
-                      </a:r>
-                    </a:p>
-                    <a:p>
-                      <a:pPr algn="ctr"/>
-                      <a:r>
-                        <a:rPr kumimoji="1" lang="en-US" altLang="ja-JP" sz="900" dirty="0">
-                          <a:latin typeface="Cambria Math" panose="02040503050406030204" pitchFamily="18" charset="0"/>
-                          <a:ea typeface="Cambria Math" panose="02040503050406030204" pitchFamily="18" charset="0"/>
-                        </a:rPr>
-                        <a:t>Key2:“org”</a:t>
-                      </a:r>
-                    </a:p>
-                  </a:txBody>
-                  <a:tcPr marL="18226" marR="18226" marT="9113" marB="9113" anchor="ctr">
-                    <a:lnL w="12700" cap="flat" cmpd="sng" algn="ctr">
-                      <a:solidFill>
-                        <a:schemeClr val="tx1"/>
-                      </a:solidFill>
-                      <a:prstDash val="solid"/>
-                      <a:round/>
-                      <a:headEnd type="none" w="med" len="med"/>
-                      <a:tailEnd type="none" w="med" len="med"/>
-                    </a:lnL>
-                    <a:lnR w="12700" cap="flat" cmpd="sng" algn="ctr">
-                      <a:solidFill>
-                        <a:schemeClr val="tx1"/>
-                      </a:solidFill>
-                      <a:prstDash val="solid"/>
-                      <a:round/>
-                      <a:headEnd type="none" w="med" len="med"/>
-                      <a:tailEnd type="none" w="med" len="med"/>
-                    </a:lnR>
-                    <a:lnT w="9525" cap="flat" cmpd="sng" algn="ctr">
-                      <a:solidFill>
-                        <a:schemeClr val="tx1"/>
-                      </a:solidFill>
-                      <a:prstDash val="solid"/>
-                      <a:round/>
-                      <a:headEnd type="none" w="med" len="med"/>
-                      <a:tailEnd type="none" w="med" len="med"/>
-                    </a:lnT>
-                    <a:solidFill>
-                      <a:schemeClr val="bg1"/>
-                    </a:solidFill>
-                  </a:tcPr>
-                </a:tc>
-                <a:extLst>
-                  <a:ext uri="{0D108BD9-81ED-4DB2-BD59-A6C34878D82A}">
-                    <a16:rowId xmlns:a16="http://schemas.microsoft.com/office/drawing/2014/main" val="2244812955"/>
-                  </a:ext>
-                </a:extLst>
-              </a:tr>
-              <a:tr h="143849">
-                <a:tc>
-                  <a:txBody>
-                    <a:bodyPr/>
-                    <a:lstStyle/>
-                    <a:p>
-                      <a:pPr algn="ctr"/>
-                      <a:endParaRPr kumimoji="1" lang="ja-JP" altLang="en-US" sz="900" dirty="0">
-                        <a:latin typeface="Cambria Math" panose="02040503050406030204" pitchFamily="18" charset="0"/>
-                      </a:endParaRPr>
-                    </a:p>
-                  </a:txBody>
-                  <a:tcPr marL="18226" marR="18226" marT="9113" marB="9113" anchor="ctr">
-                    <a:lnL w="12700" cap="flat" cmpd="sng" algn="ctr">
-                      <a:solidFill>
-                        <a:schemeClr val="tx1"/>
-                      </a:solidFill>
-                      <a:prstDash val="solid"/>
-                      <a:round/>
-                      <a:headEnd type="none" w="med" len="med"/>
-                      <a:tailEnd type="none" w="med" len="med"/>
-                    </a:lnL>
-                    <a:lnR w="12700" cap="flat" cmpd="sng" algn="ctr">
-                      <a:solidFill>
-                        <a:schemeClr val="tx1"/>
-                      </a:solidFill>
-                      <a:prstDash val="solid"/>
-                      <a:round/>
-                      <a:headEnd type="none" w="med" len="med"/>
-                      <a:tailEnd type="none" w="med" len="med"/>
-                    </a:lnR>
-                    <a:lnB w="9525" cap="flat" cmpd="sng" algn="ctr">
-                      <a:solidFill>
-                        <a:schemeClr val="tx1"/>
-                      </a:solidFill>
-                      <a:prstDash val="sysDot"/>
-                      <a:round/>
-                      <a:headEnd type="none" w="med" len="med"/>
-                      <a:tailEnd type="none" w="med" len="med"/>
-                    </a:lnB>
-                    <a:solidFill>
-                      <a:schemeClr val="bg1"/>
-                    </a:solidFill>
-                  </a:tcPr>
-                </a:tc>
-                <a:extLst>
-                  <a:ext uri="{0D108BD9-81ED-4DB2-BD59-A6C34878D82A}">
-                    <a16:rowId xmlns:a16="http://schemas.microsoft.com/office/drawing/2014/main" val="1930659369"/>
-                  </a:ext>
-                </a:extLst>
-              </a:tr>
-              <a:tr h="143849">
-                <a:tc>
-                  <a:txBody>
-                    <a:bodyPr/>
-                    <a:lstStyle/>
-                    <a:p>
-                      <a:pPr algn="ctr"/>
-                      <a:endParaRPr kumimoji="1" lang="en-US" altLang="ja-JP" sz="900" dirty="0">
-                        <a:latin typeface="Cambria Math" panose="02040503050406030204" pitchFamily="18" charset="0"/>
-                      </a:endParaRPr>
-                    </a:p>
-                    <a:p>
-                      <a:pPr algn="ctr"/>
-                      <a:r>
-                        <a:rPr kumimoji="1" lang="en-US" altLang="ja-JP" sz="900" dirty="0">
-                          <a:latin typeface="Cambria Math" panose="02040503050406030204" pitchFamily="18" charset="0"/>
-                        </a:rPr>
-                        <a:t>Payload2:B</a:t>
-                      </a:r>
-                      <a:endParaRPr kumimoji="1" lang="ja-JP" altLang="en-US" sz="900" dirty="0">
-                        <a:latin typeface="Cambria Math" panose="02040503050406030204" pitchFamily="18" charset="0"/>
-                      </a:endParaRPr>
-                    </a:p>
-                  </a:txBody>
-                  <a:tcPr marL="18226" marR="18226" marT="9113" marB="9113" anchor="ctr">
-                    <a:lnL w="12700" cap="flat" cmpd="sng" algn="ctr">
-                      <a:solidFill>
-                        <a:schemeClr val="tx1"/>
-                      </a:solidFill>
-                      <a:prstDash val="solid"/>
-                      <a:round/>
-                      <a:headEnd type="none" w="med" len="med"/>
-                      <a:tailEnd type="none" w="med" len="med"/>
-                    </a:lnL>
-                    <a:lnR w="12700" cap="flat" cmpd="sng" algn="ctr">
-                      <a:solidFill>
-                        <a:schemeClr val="tx1"/>
-                      </a:solidFill>
-                      <a:prstDash val="solid"/>
-                      <a:round/>
-                      <a:headEnd type="none" w="med" len="med"/>
-                      <a:tailEnd type="none" w="med" len="med"/>
-                    </a:lnR>
-                    <a:lnT w="9525" cap="flat" cmpd="sng" algn="ctr">
-                      <a:solidFill>
-                        <a:schemeClr val="tx1"/>
-                      </a:solidFill>
-                      <a:prstDash val="sysDot"/>
-                      <a:round/>
-                      <a:headEnd type="none" w="med" len="med"/>
-                      <a:tailEnd type="none" w="med" len="med"/>
-                    </a:lnT>
-                    <a:lnB w="12700" cap="flat" cmpd="sng" algn="ctr">
-                      <a:noFill/>
-                      <a:prstDash val="solid"/>
-                      <a:round/>
-                      <a:headEnd type="none" w="med" len="med"/>
-                      <a:tailEnd type="none" w="med" len="med"/>
-                    </a:lnB>
-                    <a:solidFill>
-                      <a:schemeClr val="bg1"/>
-                    </a:solidFill>
-                  </a:tcPr>
-                </a:tc>
-                <a:extLst>
-                  <a:ext uri="{0D108BD9-81ED-4DB2-BD59-A6C34878D82A}">
-                    <a16:rowId xmlns:a16="http://schemas.microsoft.com/office/drawing/2014/main" val="4212267831"/>
-                  </a:ext>
-                </a:extLst>
-              </a:tr>
-              <a:tr h="143849">
-                <a:tc>
-                  <a:txBody>
-                    <a:bodyPr/>
-                    <a:lstStyle/>
-                    <a:p>
-                      <a:pPr algn="ctr"/>
-                      <a:r>
-                        <a:rPr kumimoji="1" lang="en-US" altLang="ja-JP" sz="900" dirty="0">
-                          <a:latin typeface="Cambria Math" panose="02040503050406030204" pitchFamily="18" charset="0"/>
-                        </a:rPr>
-                        <a:t>Payload1:A</a:t>
-                      </a:r>
-                      <a:endParaRPr kumimoji="1" lang="ja-JP" altLang="en-US" sz="900" dirty="0">
-                        <a:latin typeface="Cambria Math" panose="02040503050406030204" pitchFamily="18" charset="0"/>
-                      </a:endParaRPr>
-                    </a:p>
-                  </a:txBody>
-                  <a:tcPr marL="18226" marR="18226" marT="9113" marB="9113" anchor="ctr">
-                    <a:lnL w="12700" cap="flat" cmpd="sng" algn="ctr">
-                      <a:solidFill>
-                        <a:schemeClr val="tx1"/>
-                      </a:solidFill>
-                      <a:prstDash val="solid"/>
-                      <a:round/>
-                      <a:headEnd type="none" w="med" len="med"/>
-                      <a:tailEnd type="none" w="med" len="med"/>
-                    </a:lnL>
-                    <a:lnR w="12700" cap="flat" cmpd="sng" algn="ctr">
-                      <a:solidFill>
-                        <a:schemeClr val="tx1"/>
-                      </a:solidFill>
-                      <a:prstDash val="solid"/>
-                      <a:round/>
-                      <a:headEnd type="none" w="med" len="med"/>
-                      <a:tailEnd type="none" w="med" len="med"/>
-                    </a:lnR>
-                    <a:lnT w="12700" cap="flat" cmpd="sng" algn="ctr">
-                      <a:noFill/>
-                      <a:prstDash val="solid"/>
-                      <a:round/>
-                      <a:headEnd type="none" w="med" len="med"/>
-                      <a:tailEnd type="none" w="med" len="med"/>
-                    </a:lnT>
-                    <a:lnB w="9525" cap="flat" cmpd="sng" algn="ctr">
-                      <a:solidFill>
-                        <a:schemeClr val="tx1"/>
-                      </a:solidFill>
-                      <a:prstDash val="solid"/>
-                      <a:round/>
-                      <a:headEnd type="none" w="med" len="med"/>
-                      <a:tailEnd type="none" w="med" len="med"/>
-                    </a:lnB>
-                    <a:solidFill>
-                      <a:schemeClr val="bg1"/>
-                    </a:solidFill>
-                  </a:tcPr>
-                </a:tc>
-                <a:extLst>
-                  <a:ext uri="{0D108BD9-81ED-4DB2-BD59-A6C34878D82A}">
-                    <a16:rowId xmlns:a16="http://schemas.microsoft.com/office/drawing/2014/main" val="77431627"/>
-                  </a:ext>
-                </a:extLst>
-              </a:tr>
-            </a:tbl>
-          </a:graphicData>
-        </a:graphic>
-      </p:graphicFrame>
-      <p:cxnSp>
-        <p:nvCxnSpPr>
-          <p:cNvPr id="8" name="直線矢印コネクタ 7">
-            <a:extLst>
-              <a:ext uri="{FF2B5EF4-FFF2-40B4-BE49-F238E27FC236}">
-                <a16:creationId xmlns:a16="http://schemas.microsoft.com/office/drawing/2014/main" id="{68350B6E-9BCE-F3BB-E29E-2581AFA9B33A}"/>
-              </a:ext>
-            </a:extLst>
-          </p:cNvPr>
-          <p:cNvCxnSpPr>
-            <a:cxnSpLocks/>
-          </p:cNvCxnSpPr>
-          <p:nvPr/>
-        </p:nvCxnSpPr>
-        <p:spPr>
-          <a:xfrm>
-            <a:off x="758655" y="1109205"/>
-            <a:ext cx="375274" cy="0"/>
-          </a:xfrm>
-          <a:prstGeom prst="straightConnector1">
-            <a:avLst/>
-          </a:prstGeom>
-          <a:ln w="12700">
-            <a:solidFill>
-              <a:schemeClr val="tx1"/>
-            </a:solidFill>
-            <a:tailEnd type="triangle"/>
-          </a:ln>
-        </p:spPr>
-        <p:style>
-          <a:lnRef idx="1">
-            <a:schemeClr val="accent2"/>
-          </a:lnRef>
-          <a:fillRef idx="0">
-            <a:schemeClr val="accent2"/>
-          </a:fillRef>
-          <a:effectRef idx="0">
-            <a:schemeClr val="accent2"/>
-          </a:effectRef>
-          <a:fontRef idx="minor">
-            <a:schemeClr val="tx1"/>
-          </a:fontRef>
-        </p:style>
-      </p:cxnSp>
-      <p:cxnSp>
-        <p:nvCxnSpPr>
-          <p:cNvPr id="9" name="直線矢印コネクタ 8">
-            <a:extLst>
-              <a:ext uri="{FF2B5EF4-FFF2-40B4-BE49-F238E27FC236}">
-                <a16:creationId xmlns:a16="http://schemas.microsoft.com/office/drawing/2014/main" id="{78A714D1-514F-3AA4-31B0-53595BBF53F3}"/>
-              </a:ext>
-            </a:extLst>
-          </p:cNvPr>
-          <p:cNvCxnSpPr>
-            <a:cxnSpLocks/>
-          </p:cNvCxnSpPr>
-          <p:nvPr/>
-        </p:nvCxnSpPr>
-        <p:spPr>
-          <a:xfrm>
-            <a:off x="1683518" y="1106559"/>
-            <a:ext cx="377504" cy="0"/>
-          </a:xfrm>
-          <a:prstGeom prst="straightConnector1">
-            <a:avLst/>
-          </a:prstGeom>
-          <a:ln w="12700">
-            <a:solidFill>
-              <a:schemeClr val="tx1"/>
-            </a:solidFill>
-            <a:tailEnd type="triangle"/>
-          </a:ln>
-        </p:spPr>
-        <p:style>
-          <a:lnRef idx="1">
-            <a:schemeClr val="accent2"/>
-          </a:lnRef>
-          <a:fillRef idx="0">
-            <a:schemeClr val="accent2"/>
-          </a:fillRef>
-          <a:effectRef idx="0">
-            <a:schemeClr val="accent2"/>
-          </a:effectRef>
-          <a:fontRef idx="minor">
-            <a:schemeClr val="tx1"/>
-          </a:fontRef>
-        </p:style>
-      </p:cxnSp>
-      <p:sp>
-        <p:nvSpPr>
-          <p:cNvPr id="10" name="テキスト ボックス 9">
-            <a:extLst>
-              <a:ext uri="{FF2B5EF4-FFF2-40B4-BE49-F238E27FC236}">
-                <a16:creationId xmlns:a16="http://schemas.microsoft.com/office/drawing/2014/main" id="{D0168828-EF85-BC02-2358-08CE4F24CC7D}"/>
-              </a:ext>
-            </a:extLst>
-          </p:cNvPr>
-          <p:cNvSpPr txBox="1"/>
-          <p:nvPr/>
-        </p:nvSpPr>
-        <p:spPr>
-          <a:xfrm>
-            <a:off x="304503" y="60013"/>
-            <a:ext cx="580730" cy="150811"/>
-          </a:xfrm>
-          <a:prstGeom prst="rect">
-            <a:avLst/>
-          </a:prstGeom>
-          <a:noFill/>
-        </p:spPr>
-        <p:txBody>
-          <a:bodyPr wrap="square" lIns="0" tIns="0" rIns="0" bIns="0" rtlCol="0">
-            <a:spAutoFit/>
-          </a:bodyPr>
-          <a:lstStyle/>
-          <a:p>
-            <a:pPr>
-              <a:lnSpc>
-                <a:spcPct val="120000"/>
-              </a:lnSpc>
-              <a:spcAft>
-                <a:spcPts val="1200"/>
-              </a:spcAft>
-              <a:buClr>
-                <a:schemeClr val="accent6">
-                  <a:lumMod val="50000"/>
-                </a:schemeClr>
-              </a:buClr>
-              <a:buSzPct val="100000"/>
-            </a:pPr>
-            <a:r>
-              <a:rPr lang="en-US" altLang="ja-JP" sz="900" dirty="0"/>
-              <a:t>Layer 0</a:t>
-            </a:r>
-            <a:endParaRPr lang="ja-JP" altLang="en-US" sz="900" dirty="0"/>
-          </a:p>
-        </p:txBody>
-      </p:sp>
-      <p:sp>
-        <p:nvSpPr>
-          <p:cNvPr id="11" name="テキスト ボックス 10">
-            <a:extLst>
-              <a:ext uri="{FF2B5EF4-FFF2-40B4-BE49-F238E27FC236}">
-                <a16:creationId xmlns:a16="http://schemas.microsoft.com/office/drawing/2014/main" id="{73AF5764-5AD4-B0D3-CECC-A2A907792621}"/>
-              </a:ext>
-            </a:extLst>
-          </p:cNvPr>
-          <p:cNvSpPr txBox="1"/>
-          <p:nvPr/>
-        </p:nvSpPr>
-        <p:spPr>
-          <a:xfrm>
-            <a:off x="1277186" y="59443"/>
-            <a:ext cx="580730" cy="150811"/>
-          </a:xfrm>
-          <a:prstGeom prst="rect">
-            <a:avLst/>
-          </a:prstGeom>
-          <a:noFill/>
-        </p:spPr>
-        <p:txBody>
-          <a:bodyPr wrap="square" lIns="0" tIns="0" rIns="0" bIns="0" rtlCol="0">
-            <a:spAutoFit/>
-          </a:bodyPr>
-          <a:lstStyle/>
-          <a:p>
-            <a:pPr>
-              <a:lnSpc>
-                <a:spcPct val="120000"/>
-              </a:lnSpc>
-              <a:spcAft>
-                <a:spcPts val="1200"/>
-              </a:spcAft>
-              <a:buClr>
-                <a:schemeClr val="accent6">
-                  <a:lumMod val="50000"/>
-                </a:schemeClr>
-              </a:buClr>
-              <a:buSzPct val="100000"/>
-            </a:pPr>
-            <a:r>
-              <a:rPr lang="en-US" altLang="ja-JP" sz="900" dirty="0"/>
-              <a:t>Layer 1</a:t>
-            </a:r>
-            <a:endParaRPr lang="ja-JP" altLang="en-US" sz="900" dirty="0"/>
-          </a:p>
-        </p:txBody>
-      </p:sp>
-      <p:sp>
-        <p:nvSpPr>
-          <p:cNvPr id="12" name="テキスト ボックス 11">
-            <a:extLst>
-              <a:ext uri="{FF2B5EF4-FFF2-40B4-BE49-F238E27FC236}">
-                <a16:creationId xmlns:a16="http://schemas.microsoft.com/office/drawing/2014/main" id="{2FAED9AB-2979-9200-45E9-B6757735DBAD}"/>
-              </a:ext>
-            </a:extLst>
-          </p:cNvPr>
-          <p:cNvSpPr txBox="1"/>
-          <p:nvPr/>
-        </p:nvSpPr>
-        <p:spPr>
-          <a:xfrm>
-            <a:off x="2200230" y="59442"/>
-            <a:ext cx="580730" cy="150811"/>
-          </a:xfrm>
-          <a:prstGeom prst="rect">
-            <a:avLst/>
-          </a:prstGeom>
-          <a:noFill/>
-        </p:spPr>
-        <p:txBody>
-          <a:bodyPr wrap="square" lIns="0" tIns="0" rIns="0" bIns="0" rtlCol="0">
-            <a:spAutoFit/>
-          </a:bodyPr>
-          <a:lstStyle/>
-          <a:p>
-            <a:pPr>
-              <a:lnSpc>
-                <a:spcPct val="120000"/>
-              </a:lnSpc>
-              <a:spcAft>
-                <a:spcPts val="1200"/>
-              </a:spcAft>
-              <a:buClr>
-                <a:schemeClr val="accent6">
-                  <a:lumMod val="50000"/>
-                </a:schemeClr>
-              </a:buClr>
-              <a:buSzPct val="100000"/>
-            </a:pPr>
-            <a:r>
-              <a:rPr lang="en-US" altLang="ja-JP" sz="900" dirty="0"/>
-              <a:t>Layer 2</a:t>
-            </a:r>
-            <a:endParaRPr lang="ja-JP" altLang="en-US" sz="900" dirty="0"/>
           </a:p>
         </p:txBody>
       </p:sp>
